--- a/out3.pptx
+++ b/out3.pptx
@@ -2,22 +2,22 @@
 <file path=ppt/presentation.xml><?xml version="1.0" encoding="utf-8"?>
 <p:presentation xmlns:a="http://schemas.openxmlformats.org/drawingml/2006/main" xmlns:r="http://schemas.openxmlformats.org/officeDocument/2006/relationships" xmlns:p="http://schemas.openxmlformats.org/presentationml/2006/main" saveSubsetFonts="1">
   <p:sldMasterIdLst>
-    <p:sldMasterId id="2147483788" r:id="rId1"/>
+    <p:sldMasterId id="2147483754" r:id="rId1"/>
   </p:sldMasterIdLst>
   <p:sldIdLst>
     <p:sldId id="256" r:id="rId2"/>
-    <p:sldId id="257" r:id="rId7"/>
-    <p:sldId id="258" r:id="rId8"/>
-    <p:sldId id="259" r:id="rId9"/>
-    <p:sldId id="260" r:id="rId10"/>
-    <p:sldId id="261" r:id="rId11"/>
-    <p:sldId id="262" r:id="rId12"/>
-    <p:sldId id="263" r:id="rId13"/>
-    <p:sldId id="264" r:id="rId14"/>
-    <p:sldId id="265" r:id="rId15"/>
-    <p:sldId id="266" r:id="rId16"/>
+    <p:sldId id="257" r:id="rId3"/>
+    <p:sldId id="258" r:id="rId4"/>
+    <p:sldId id="259" r:id="rId5"/>
+    <p:sldId id="260" r:id="rId6"/>
+    <p:sldId id="261" r:id="rId7"/>
+    <p:sldId id="262" r:id="rId8"/>
+    <p:sldId id="263" r:id="rId9"/>
+    <p:sldId id="264" r:id="rId10"/>
+    <p:sldId id="265" r:id="rId11"/>
+    <p:sldId id="266" r:id="rId12"/>
   </p:sldIdLst>
-  <p:sldSz cx="9144000" cy="6858000"/>
+  <p:sldSz cx="12192000" cy="6858000"/>
   <p:notesSz cx="6858000" cy="9144000"/>
   <p:defaultTextStyle>
     <a:defPPr>
@@ -139,259 +139,536 @@
           <a:chExt cx="0" cy="0"/>
         </a:xfrm>
       </p:grpSpPr>
-      <p:sp>
-        <p:nvSpPr>
-          <p:cNvPr id="7" name="Rectangle 6"/>
-          <p:cNvSpPr/>
-          <p:nvPr/>
-        </p:nvSpPr>
-        <p:spPr>
-          <a:xfrm>
-            <a:off x="920834" y="1346946"/>
-            <a:ext cx="10222992" cy="80683"/>
-          </a:xfrm>
-          <a:prstGeom prst="rect">
-            <a:avLst/>
-          </a:prstGeom>
-          <a:blipFill dpi="0" rotWithShape="1">
-            <a:blip r:embed="rId2">
-              <a:alphaModFix amt="85000"/>
-              <a:lum bright="70000" contrast="-70000"/>
-              <a:extLst>
-                <a:ext uri="{BEBA8EAE-BF5A-486C-A8C5-ECC9F3942E4B}">
-                  <a14:imgProps xmlns:a14="http://schemas.microsoft.com/office/drawing/2010/main">
-                    <a14:imgLayer r:embed="rId3">
-                      <a14:imgEffect>
-                        <a14:sharpenSoften amount="61000"/>
-                      </a14:imgEffect>
-                    </a14:imgLayer>
-                  </a14:imgProps>
-                </a:ext>
-                <a:ext uri="{28A0092B-C50C-407E-A947-70E740481C1C}">
-                  <a14:useLocalDpi xmlns:a14="http://schemas.microsoft.com/office/drawing/2010/main" val="0"/>
-                </a:ext>
-              </a:extLst>
-            </a:blip>
-            <a:srcRect/>
-            <a:tile tx="0" ty="-762000" sx="92000" sy="89000" flip="xy" algn="ctr"/>
-          </a:blipFill>
-          <a:ln>
-            <a:noFill/>
-          </a:ln>
-        </p:spPr>
-        <p:style>
-          <a:lnRef idx="2">
-            <a:schemeClr val="accent1">
-              <a:shade val="50000"/>
-            </a:schemeClr>
-          </a:lnRef>
-          <a:fillRef idx="1">
-            <a:schemeClr val="accent1"/>
-          </a:fillRef>
-          <a:effectRef idx="0">
-            <a:schemeClr val="accent1"/>
-          </a:effectRef>
-          <a:fontRef idx="minor">
-            <a:schemeClr val="lt1"/>
-          </a:fontRef>
-        </p:style>
-      </p:sp>
-      <p:sp>
-        <p:nvSpPr>
-          <p:cNvPr id="8" name="Rectangle 7"/>
-          <p:cNvSpPr/>
-          <p:nvPr/>
-        </p:nvSpPr>
-        <p:spPr>
-          <a:xfrm>
-            <a:off x="920834" y="4299696"/>
-            <a:ext cx="10222992" cy="80683"/>
-          </a:xfrm>
-          <a:prstGeom prst="rect">
-            <a:avLst/>
-          </a:prstGeom>
-          <a:blipFill dpi="0" rotWithShape="1">
-            <a:blip r:embed="rId2">
-              <a:alphaModFix amt="85000"/>
-              <a:lum bright="70000" contrast="-70000"/>
-              <a:extLst>
-                <a:ext uri="{BEBA8EAE-BF5A-486C-A8C5-ECC9F3942E4B}">
-                  <a14:imgProps xmlns:a14="http://schemas.microsoft.com/office/drawing/2010/main">
-                    <a14:imgLayer r:embed="rId3">
-                      <a14:imgEffect>
-                        <a14:sharpenSoften amount="61000"/>
-                      </a14:imgEffect>
-                    </a14:imgLayer>
-                  </a14:imgProps>
-                </a:ext>
-                <a:ext uri="{28A0092B-C50C-407E-A947-70E740481C1C}">
-                  <a14:useLocalDpi xmlns:a14="http://schemas.microsoft.com/office/drawing/2010/main" val="0"/>
-                </a:ext>
-              </a:extLst>
-            </a:blip>
-            <a:srcRect/>
-            <a:tile tx="0" ty="-717550" sx="92000" sy="89000" flip="xy" algn="ctr"/>
-          </a:blipFill>
-          <a:ln>
-            <a:noFill/>
-          </a:ln>
-        </p:spPr>
-        <p:style>
-          <a:lnRef idx="2">
-            <a:schemeClr val="accent1">
-              <a:shade val="50000"/>
-            </a:schemeClr>
-          </a:lnRef>
-          <a:fillRef idx="1">
-            <a:schemeClr val="accent1"/>
-          </a:fillRef>
-          <a:effectRef idx="0">
-            <a:schemeClr val="accent1"/>
-          </a:effectRef>
-          <a:fontRef idx="minor">
-            <a:schemeClr val="lt1"/>
-          </a:fontRef>
-        </p:style>
-      </p:sp>
-      <p:sp>
-        <p:nvSpPr>
-          <p:cNvPr id="9" name="Rectangle 8"/>
-          <p:cNvSpPr/>
-          <p:nvPr/>
-        </p:nvSpPr>
-        <p:spPr>
-          <a:xfrm>
-            <a:off x="920834" y="1484779"/>
-            <a:ext cx="10222992" cy="2743200"/>
-          </a:xfrm>
-          <a:prstGeom prst="rect">
-            <a:avLst/>
-          </a:prstGeom>
-          <a:blipFill dpi="0" rotWithShape="1">
-            <a:blip r:embed="rId2">
-              <a:alphaModFix amt="85000"/>
-              <a:lum bright="70000" contrast="-70000"/>
-              <a:extLst>
-                <a:ext uri="{BEBA8EAE-BF5A-486C-A8C5-ECC9F3942E4B}">
-                  <a14:imgProps xmlns:a14="http://schemas.microsoft.com/office/drawing/2010/main">
-                    <a14:imgLayer r:embed="rId3">
-                      <a14:imgEffect>
-                        <a14:sharpenSoften amount="61000"/>
-                      </a14:imgEffect>
-                    </a14:imgLayer>
-                  </a14:imgProps>
-                </a:ext>
-                <a:ext uri="{28A0092B-C50C-407E-A947-70E740481C1C}">
-                  <a14:useLocalDpi xmlns:a14="http://schemas.microsoft.com/office/drawing/2010/main" val="0"/>
-                </a:ext>
-              </a:extLst>
-            </a:blip>
-            <a:srcRect/>
-            <a:tile tx="0" ty="-704850" sx="92000" sy="89000" flip="xy" algn="ctr"/>
-          </a:blipFill>
-          <a:ln>
-            <a:noFill/>
-          </a:ln>
-        </p:spPr>
-        <p:style>
-          <a:lnRef idx="2">
-            <a:schemeClr val="accent1">
-              <a:shade val="50000"/>
-            </a:schemeClr>
-          </a:lnRef>
-          <a:fillRef idx="1">
-            <a:schemeClr val="accent1"/>
-          </a:fillRef>
-          <a:effectRef idx="0">
-            <a:schemeClr val="accent1"/>
-          </a:effectRef>
-          <a:fontRef idx="minor">
-            <a:schemeClr val="lt1"/>
-          </a:fontRef>
-        </p:style>
-      </p:sp>
       <p:grpSp>
         <p:nvGrpSpPr>
-          <p:cNvPr id="10" name="Group 9"/>
+          <p:cNvPr id="8" name="Group 7"/>
           <p:cNvGrpSpPr/>
           <p:nvPr/>
         </p:nvGrpSpPr>
         <p:grpSpPr>
           <a:xfrm>
-            <a:off x="9649215" y="4068923"/>
-            <a:ext cx="1080904" cy="1080902"/>
-            <a:chOff x="9685338" y="4460675"/>
-            <a:chExt cx="1080904" cy="1080902"/>
+            <a:off x="0" y="-8467"/>
+            <a:ext cx="12192000" cy="6866467"/>
+            <a:chOff x="0" y="-8467"/>
+            <a:chExt cx="12192000" cy="6866467"/>
           </a:xfrm>
         </p:grpSpPr>
+        <p:cxnSp>
+          <p:nvCxnSpPr>
+            <p:cNvPr id="32" name="Straight Connector 31"/>
+            <p:cNvCxnSpPr/>
+            <p:nvPr/>
+          </p:nvCxnSpPr>
+          <p:spPr>
+            <a:xfrm>
+              <a:off x="9371012" y="0"/>
+              <a:ext cx="1219200" cy="6858000"/>
+            </a:xfrm>
+            <a:prstGeom prst="line">
+              <a:avLst/>
+            </a:prstGeom>
+            <a:ln w="9525">
+              <a:solidFill>
+                <a:schemeClr val="bg1">
+                  <a:lumMod val="85000"/>
+                  <a:lumOff val="15000"/>
+                </a:schemeClr>
+              </a:solidFill>
+            </a:ln>
+          </p:spPr>
+          <p:style>
+            <a:lnRef idx="2">
+              <a:schemeClr val="accent1"/>
+            </a:lnRef>
+            <a:fillRef idx="0">
+              <a:schemeClr val="accent1"/>
+            </a:fillRef>
+            <a:effectRef idx="1">
+              <a:schemeClr val="accent1"/>
+            </a:effectRef>
+            <a:fontRef idx="minor">
+              <a:schemeClr val="tx1"/>
+            </a:fontRef>
+          </p:style>
+        </p:cxnSp>
+        <p:cxnSp>
+          <p:nvCxnSpPr>
+            <p:cNvPr id="21" name="Straight Connector 20"/>
+            <p:cNvCxnSpPr/>
+            <p:nvPr/>
+          </p:nvCxnSpPr>
+          <p:spPr>
+            <a:xfrm flipH="1">
+              <a:off x="7425267" y="3681413"/>
+              <a:ext cx="4763558" cy="3176587"/>
+            </a:xfrm>
+            <a:prstGeom prst="line">
+              <a:avLst/>
+            </a:prstGeom>
+            <a:ln w="9525">
+              <a:solidFill>
+                <a:schemeClr val="bg1">
+                  <a:lumMod val="85000"/>
+                  <a:lumOff val="15000"/>
+                </a:schemeClr>
+              </a:solidFill>
+            </a:ln>
+          </p:spPr>
+          <p:style>
+            <a:lnRef idx="2">
+              <a:schemeClr val="accent1"/>
+            </a:lnRef>
+            <a:fillRef idx="0">
+              <a:schemeClr val="accent1"/>
+            </a:fillRef>
+            <a:effectRef idx="1">
+              <a:schemeClr val="accent1"/>
+            </a:effectRef>
+            <a:fontRef idx="minor">
+              <a:schemeClr val="tx1"/>
+            </a:fontRef>
+          </p:style>
+        </p:cxnSp>
         <p:sp>
           <p:nvSpPr>
-            <p:cNvPr id="11" name="Oval 10"/>
+            <p:cNvPr id="24" name="Rectangle 23"/>
             <p:cNvSpPr/>
             <p:nvPr/>
           </p:nvSpPr>
           <p:spPr>
             <a:xfrm>
-              <a:off x="9685338" y="4460675"/>
-              <a:ext cx="1080904" cy="1080902"/>
+              <a:off x="9181476" y="-8467"/>
+              <a:ext cx="3007349" cy="6866467"/>
             </a:xfrm>
-            <a:prstGeom prst="ellipse">
+            <a:custGeom>
               <a:avLst/>
-            </a:prstGeom>
-            <a:blipFill dpi="0" rotWithShape="1">
-              <a:blip r:embed="rId4">
-                <a:duotone>
-                  <a:schemeClr val="accent1">
-                    <a:shade val="45000"/>
-                    <a:satMod val="135000"/>
-                  </a:schemeClr>
-                  <a:prstClr val="white"/>
-                </a:duotone>
-                <a:extLst>
-                  <a:ext uri="{BEBA8EAE-BF5A-486C-A8C5-ECC9F3942E4B}">
-                    <a14:imgProps xmlns:a14="http://schemas.microsoft.com/office/drawing/2010/main">
-                      <a14:imgLayer r:embed="rId5">
-                        <a14:imgEffect>
-                          <a14:saturation sat="95000"/>
-                        </a14:imgEffect>
-                      </a14:imgLayer>
-                    </a14:imgProps>
-                  </a:ext>
-                </a:extLst>
-              </a:blip>
-              <a:srcRect/>
-              <a:tile tx="0" ty="0" sx="85000" sy="85000" flip="none" algn="tl"/>
-            </a:blipFill>
-            <a:ln w="25400" cap="flat" cmpd="sng" algn="ctr">
+              <a:gdLst/>
+              <a:ahLst/>
+              <a:cxnLst/>
+              <a:rect l="l" t="t" r="r" b="b"/>
+              <a:pathLst>
+                <a:path w="3007349" h="6866467">
+                  <a:moveTo>
+                    <a:pt x="2045532" y="0"/>
+                  </a:moveTo>
+                  <a:lnTo>
+                    <a:pt x="3007349" y="0"/>
+                  </a:lnTo>
+                  <a:lnTo>
+                    <a:pt x="3007349" y="6866467"/>
+                  </a:lnTo>
+                  <a:lnTo>
+                    <a:pt x="0" y="6866467"/>
+                  </a:lnTo>
+                  <a:lnTo>
+                    <a:pt x="2045532" y="0"/>
+                  </a:lnTo>
+                  <a:close/>
+                </a:path>
+              </a:pathLst>
+            </a:custGeom>
+            <a:solidFill>
+              <a:schemeClr val="accent1">
+                <a:alpha val="30000"/>
+              </a:schemeClr>
+            </a:solidFill>
+            <a:ln>
               <a:noFill/>
-              <a:prstDash val="solid"/>
             </a:ln>
             <a:effectLst/>
           </p:spPr>
+          <p:style>
+            <a:lnRef idx="1">
+              <a:schemeClr val="accent1"/>
+            </a:lnRef>
+            <a:fillRef idx="3">
+              <a:schemeClr val="accent1"/>
+            </a:fillRef>
+            <a:effectRef idx="2">
+              <a:schemeClr val="accent1"/>
+            </a:effectRef>
+            <a:fontRef idx="minor">
+              <a:schemeClr val="lt1"/>
+            </a:fontRef>
+          </p:style>
         </p:sp>
         <p:sp>
           <p:nvSpPr>
-            <p:cNvPr id="12" name="Oval 11"/>
+            <p:cNvPr id="26" name="Rectangle 25"/>
             <p:cNvSpPr/>
             <p:nvPr/>
           </p:nvSpPr>
           <p:spPr>
             <a:xfrm>
-              <a:off x="9793429" y="4568765"/>
-              <a:ext cx="864723" cy="864722"/>
+              <a:off x="9603442" y="-8467"/>
+              <a:ext cx="2588558" cy="6866467"/>
             </a:xfrm>
-            <a:prstGeom prst="ellipse">
+            <a:custGeom>
               <a:avLst/>
-            </a:prstGeom>
-            <a:noFill/>
-            <a:ln w="25400" cap="flat" cmpd="sng" algn="ctr">
-              <a:solidFill>
-                <a:sysClr val="window" lastClr="FFFFFF"/>
-              </a:solidFill>
-              <a:prstDash val="solid"/>
+              <a:gdLst/>
+              <a:ahLst/>
+              <a:cxnLst/>
+              <a:rect l="l" t="t" r="r" b="b"/>
+              <a:pathLst>
+                <a:path w="2573311" h="6866467">
+                  <a:moveTo>
+                    <a:pt x="0" y="0"/>
+                  </a:moveTo>
+                  <a:lnTo>
+                    <a:pt x="2573311" y="0"/>
+                  </a:lnTo>
+                  <a:lnTo>
+                    <a:pt x="2573311" y="6866467"/>
+                  </a:lnTo>
+                  <a:lnTo>
+                    <a:pt x="1202336" y="6866467"/>
+                  </a:lnTo>
+                  <a:lnTo>
+                    <a:pt x="0" y="0"/>
+                  </a:lnTo>
+                  <a:close/>
+                </a:path>
+              </a:pathLst>
+            </a:custGeom>
+            <a:solidFill>
+              <a:schemeClr val="accent1">
+                <a:alpha val="20000"/>
+              </a:schemeClr>
+            </a:solidFill>
+            <a:ln>
+              <a:noFill/>
             </a:ln>
             <a:effectLst/>
           </p:spPr>
+          <p:style>
+            <a:lnRef idx="1">
+              <a:schemeClr val="accent1"/>
+            </a:lnRef>
+            <a:fillRef idx="3">
+              <a:schemeClr val="accent1"/>
+            </a:fillRef>
+            <a:effectRef idx="2">
+              <a:schemeClr val="accent1"/>
+            </a:effectRef>
+            <a:fontRef idx="minor">
+              <a:schemeClr val="lt1"/>
+            </a:fontRef>
+          </p:style>
+        </p:sp>
+        <p:sp>
+          <p:nvSpPr>
+            <p:cNvPr id="27" name="Isosceles Triangle 26"/>
+            <p:cNvSpPr/>
+            <p:nvPr/>
+          </p:nvSpPr>
+          <p:spPr>
+            <a:xfrm>
+              <a:off x="8932333" y="3048000"/>
+              <a:ext cx="3259667" cy="3810000"/>
+            </a:xfrm>
+            <a:prstGeom prst="triangle">
+              <a:avLst>
+                <a:gd name="adj" fmla="val 100000"/>
+              </a:avLst>
+            </a:prstGeom>
+            <a:solidFill>
+              <a:schemeClr val="accent2">
+                <a:alpha val="72000"/>
+              </a:schemeClr>
+            </a:solidFill>
+            <a:ln>
+              <a:noFill/>
+            </a:ln>
+            <a:effectLst/>
+          </p:spPr>
+          <p:style>
+            <a:lnRef idx="1">
+              <a:schemeClr val="accent1"/>
+            </a:lnRef>
+            <a:fillRef idx="3">
+              <a:schemeClr val="accent1"/>
+            </a:fillRef>
+            <a:effectRef idx="2">
+              <a:schemeClr val="accent1"/>
+            </a:effectRef>
+            <a:fontRef idx="minor">
+              <a:schemeClr val="lt1"/>
+            </a:fontRef>
+          </p:style>
+        </p:sp>
+        <p:sp>
+          <p:nvSpPr>
+            <p:cNvPr id="28" name="Rectangle 27"/>
+            <p:cNvSpPr/>
+            <p:nvPr/>
+          </p:nvSpPr>
+          <p:spPr>
+            <a:xfrm>
+              <a:off x="9334500" y="-8467"/>
+              <a:ext cx="2854326" cy="6866467"/>
+            </a:xfrm>
+            <a:custGeom>
+              <a:avLst/>
+              <a:gdLst/>
+              <a:ahLst/>
+              <a:cxnLst/>
+              <a:rect l="l" t="t" r="r" b="b"/>
+              <a:pathLst>
+                <a:path w="2858013" h="6866467">
+                  <a:moveTo>
+                    <a:pt x="0" y="0"/>
+                  </a:moveTo>
+                  <a:lnTo>
+                    <a:pt x="2858013" y="0"/>
+                  </a:lnTo>
+                  <a:lnTo>
+                    <a:pt x="2858013" y="6866467"/>
+                  </a:lnTo>
+                  <a:lnTo>
+                    <a:pt x="2473942" y="6866467"/>
+                  </a:lnTo>
+                  <a:lnTo>
+                    <a:pt x="0" y="0"/>
+                  </a:lnTo>
+                  <a:close/>
+                </a:path>
+              </a:pathLst>
+            </a:custGeom>
+            <a:solidFill>
+              <a:schemeClr val="accent2">
+                <a:lumMod val="75000"/>
+                <a:alpha val="70000"/>
+              </a:schemeClr>
+            </a:solidFill>
+            <a:ln>
+              <a:noFill/>
+            </a:ln>
+            <a:effectLst/>
+          </p:spPr>
+          <p:style>
+            <a:lnRef idx="1">
+              <a:schemeClr val="accent1"/>
+            </a:lnRef>
+            <a:fillRef idx="3">
+              <a:schemeClr val="accent1"/>
+            </a:fillRef>
+            <a:effectRef idx="2">
+              <a:schemeClr val="accent1"/>
+            </a:effectRef>
+            <a:fontRef idx="minor">
+              <a:schemeClr val="lt1"/>
+            </a:fontRef>
+          </p:style>
+        </p:sp>
+        <p:sp>
+          <p:nvSpPr>
+            <p:cNvPr id="29" name="Rectangle 28"/>
+            <p:cNvSpPr/>
+            <p:nvPr/>
+          </p:nvSpPr>
+          <p:spPr>
+            <a:xfrm>
+              <a:off x="10898730" y="-8467"/>
+              <a:ext cx="1290094" cy="6866467"/>
+            </a:xfrm>
+            <a:custGeom>
+              <a:avLst/>
+              <a:gdLst/>
+              <a:ahLst/>
+              <a:cxnLst/>
+              <a:rect l="l" t="t" r="r" b="b"/>
+              <a:pathLst>
+                <a:path w="1290094" h="6858000">
+                  <a:moveTo>
+                    <a:pt x="1019735" y="0"/>
+                  </a:moveTo>
+                  <a:lnTo>
+                    <a:pt x="1290094" y="0"/>
+                  </a:lnTo>
+                  <a:lnTo>
+                    <a:pt x="1290094" y="6858000"/>
+                  </a:lnTo>
+                  <a:lnTo>
+                    <a:pt x="0" y="6858000"/>
+                  </a:lnTo>
+                  <a:lnTo>
+                    <a:pt x="1019735" y="0"/>
+                  </a:lnTo>
+                  <a:close/>
+                </a:path>
+              </a:pathLst>
+            </a:custGeom>
+            <a:solidFill>
+              <a:schemeClr val="accent1">
+                <a:lumMod val="60000"/>
+                <a:lumOff val="40000"/>
+                <a:alpha val="70000"/>
+              </a:schemeClr>
+            </a:solidFill>
+            <a:ln>
+              <a:noFill/>
+            </a:ln>
+            <a:effectLst/>
+          </p:spPr>
+          <p:style>
+            <a:lnRef idx="1">
+              <a:schemeClr val="accent1"/>
+            </a:lnRef>
+            <a:fillRef idx="3">
+              <a:schemeClr val="accent1"/>
+            </a:fillRef>
+            <a:effectRef idx="2">
+              <a:schemeClr val="accent1"/>
+            </a:effectRef>
+            <a:fontRef idx="minor">
+              <a:schemeClr val="lt1"/>
+            </a:fontRef>
+          </p:style>
+        </p:sp>
+        <p:sp>
+          <p:nvSpPr>
+            <p:cNvPr id="30" name="Rectangle 29"/>
+            <p:cNvSpPr/>
+            <p:nvPr/>
+          </p:nvSpPr>
+          <p:spPr>
+            <a:xfrm>
+              <a:off x="10938999" y="-8467"/>
+              <a:ext cx="1249825" cy="6866467"/>
+            </a:xfrm>
+            <a:custGeom>
+              <a:avLst/>
+              <a:gdLst/>
+              <a:ahLst/>
+              <a:cxnLst/>
+              <a:rect l="l" t="t" r="r" b="b"/>
+              <a:pathLst>
+                <a:path w="1249825" h="6858000">
+                  <a:moveTo>
+                    <a:pt x="0" y="0"/>
+                  </a:moveTo>
+                  <a:lnTo>
+                    <a:pt x="1249825" y="0"/>
+                  </a:lnTo>
+                  <a:lnTo>
+                    <a:pt x="1249825" y="6858000"/>
+                  </a:lnTo>
+                  <a:lnTo>
+                    <a:pt x="1109382" y="6858000"/>
+                  </a:lnTo>
+                  <a:lnTo>
+                    <a:pt x="0" y="0"/>
+                  </a:lnTo>
+                  <a:close/>
+                </a:path>
+              </a:pathLst>
+            </a:custGeom>
+            <a:solidFill>
+              <a:schemeClr val="accent1">
+                <a:alpha val="65000"/>
+              </a:schemeClr>
+            </a:solidFill>
+            <a:ln>
+              <a:noFill/>
+            </a:ln>
+            <a:effectLst/>
+          </p:spPr>
+          <p:style>
+            <a:lnRef idx="1">
+              <a:schemeClr val="accent1"/>
+            </a:lnRef>
+            <a:fillRef idx="3">
+              <a:schemeClr val="accent1"/>
+            </a:fillRef>
+            <a:effectRef idx="2">
+              <a:schemeClr val="accent1"/>
+            </a:effectRef>
+            <a:fontRef idx="minor">
+              <a:schemeClr val="lt1"/>
+            </a:fontRef>
+          </p:style>
+        </p:sp>
+        <p:sp>
+          <p:nvSpPr>
+            <p:cNvPr id="31" name="Isosceles Triangle 30"/>
+            <p:cNvSpPr/>
+            <p:nvPr/>
+          </p:nvSpPr>
+          <p:spPr>
+            <a:xfrm>
+              <a:off x="10371666" y="3589867"/>
+              <a:ext cx="1817159" cy="3268133"/>
+            </a:xfrm>
+            <a:prstGeom prst="triangle">
+              <a:avLst>
+                <a:gd name="adj" fmla="val 100000"/>
+              </a:avLst>
+            </a:prstGeom>
+            <a:solidFill>
+              <a:schemeClr val="accent1">
+                <a:alpha val="80000"/>
+              </a:schemeClr>
+            </a:solidFill>
+            <a:ln>
+              <a:noFill/>
+            </a:ln>
+            <a:effectLst/>
+          </p:spPr>
+          <p:style>
+            <a:lnRef idx="1">
+              <a:schemeClr val="accent1"/>
+            </a:lnRef>
+            <a:fillRef idx="3">
+              <a:schemeClr val="accent1"/>
+            </a:fillRef>
+            <a:effectRef idx="2">
+              <a:schemeClr val="accent1"/>
+            </a:effectRef>
+            <a:fontRef idx="minor">
+              <a:schemeClr val="lt1"/>
+            </a:fontRef>
+          </p:style>
+        </p:sp>
+        <p:sp>
+          <p:nvSpPr>
+            <p:cNvPr id="19" name="Isosceles Triangle 18"/>
+            <p:cNvSpPr/>
+            <p:nvPr/>
+          </p:nvSpPr>
+          <p:spPr>
+            <a:xfrm rot="10800000">
+              <a:off x="0" y="0"/>
+              <a:ext cx="842596" cy="5666154"/>
+            </a:xfrm>
+            <a:prstGeom prst="triangle">
+              <a:avLst>
+                <a:gd name="adj" fmla="val 100000"/>
+              </a:avLst>
+            </a:prstGeom>
+            <a:solidFill>
+              <a:schemeClr val="accent1">
+                <a:alpha val="85000"/>
+              </a:schemeClr>
+            </a:solidFill>
+            <a:ln>
+              <a:noFill/>
+            </a:ln>
+            <a:effectLst/>
+          </p:spPr>
+          <p:style>
+            <a:lnRef idx="1">
+              <a:schemeClr val="accent1"/>
+            </a:lnRef>
+            <a:fillRef idx="3">
+              <a:schemeClr val="accent1"/>
+            </a:fillRef>
+            <a:effectRef idx="2">
+              <a:schemeClr val="accent1"/>
+            </a:effectRef>
+            <a:fontRef idx="minor">
+              <a:schemeClr val="lt1"/>
+            </a:fontRef>
+          </p:style>
         </p:sp>
       </p:grpSp>
       <p:sp>
@@ -406,25 +683,20 @@
         </p:nvSpPr>
         <p:spPr>
           <a:xfrm>
-            <a:off x="1051560" y="1432223"/>
-            <a:ext cx="9966960" cy="3035808"/>
+            <a:off x="1507067" y="2404534"/>
+            <a:ext cx="7766936" cy="1646302"/>
           </a:xfrm>
         </p:spPr>
         <p:txBody>
-          <a:bodyPr anchor="ctr">
+          <a:bodyPr anchor="b">
             <a:noAutofit/>
           </a:bodyPr>
           <a:lstStyle>
-            <a:lvl1pPr algn="l">
-              <a:lnSpc>
-                <a:spcPct val="80000"/>
-              </a:lnSpc>
-              <a:defRPr sz="9600" cap="all" baseline="0">
-                <a:blipFill dpi="0" rotWithShape="1">
-                  <a:blip r:embed="rId4"/>
-                  <a:srcRect/>
-                  <a:tile tx="6350" ty="-127000" sx="65000" sy="64000" flip="none" algn="tl"/>
-                </a:blipFill>
+            <a:lvl1pPr algn="r">
+              <a:defRPr sz="5400">
+                <a:solidFill>
+                  <a:schemeClr val="accent1"/>
+                </a:solidFill>
               </a:defRPr>
             </a:lvl1pPr>
           </a:lstStyle>
@@ -449,54 +721,103 @@
         </p:nvSpPr>
         <p:spPr>
           <a:xfrm>
-            <a:off x="1069848" y="4389120"/>
-            <a:ext cx="7891272" cy="1069848"/>
+            <a:off x="1507067" y="4050833"/>
+            <a:ext cx="7766936" cy="1096899"/>
           </a:xfrm>
         </p:spPr>
         <p:txBody>
-          <a:bodyPr>
-            <a:normAutofit/>
-          </a:bodyPr>
+          <a:bodyPr anchor="t"/>
           <a:lstStyle>
-            <a:lvl1pPr marL="0" indent="0" algn="l">
-              <a:buNone/>
-              <a:defRPr sz="2200">
-                <a:solidFill>
-                  <a:schemeClr val="tx1"/>
+            <a:lvl1pPr marL="0" indent="0" algn="r">
+              <a:buNone/>
+              <a:defRPr>
+                <a:solidFill>
+                  <a:schemeClr val="tx1">
+                    <a:lumMod val="50000"/>
+                    <a:lumOff val="50000"/>
+                  </a:schemeClr>
                 </a:solidFill>
               </a:defRPr>
             </a:lvl1pPr>
             <a:lvl2pPr marL="457200" indent="0" algn="ctr">
               <a:buNone/>
-              <a:defRPr sz="2200"/>
+              <a:defRPr>
+                <a:solidFill>
+                  <a:schemeClr val="tx1">
+                    <a:tint val="75000"/>
+                  </a:schemeClr>
+                </a:solidFill>
+              </a:defRPr>
             </a:lvl2pPr>
             <a:lvl3pPr marL="914400" indent="0" algn="ctr">
               <a:buNone/>
-              <a:defRPr sz="2200"/>
+              <a:defRPr>
+                <a:solidFill>
+                  <a:schemeClr val="tx1">
+                    <a:tint val="75000"/>
+                  </a:schemeClr>
+                </a:solidFill>
+              </a:defRPr>
             </a:lvl3pPr>
             <a:lvl4pPr marL="1371600" indent="0" algn="ctr">
               <a:buNone/>
-              <a:defRPr sz="2000"/>
+              <a:defRPr>
+                <a:solidFill>
+                  <a:schemeClr val="tx1">
+                    <a:tint val="75000"/>
+                  </a:schemeClr>
+                </a:solidFill>
+              </a:defRPr>
             </a:lvl4pPr>
             <a:lvl5pPr marL="1828800" indent="0" algn="ctr">
               <a:buNone/>
-              <a:defRPr sz="2000"/>
+              <a:defRPr>
+                <a:solidFill>
+                  <a:schemeClr val="tx1">
+                    <a:tint val="75000"/>
+                  </a:schemeClr>
+                </a:solidFill>
+              </a:defRPr>
             </a:lvl5pPr>
             <a:lvl6pPr marL="2286000" indent="0" algn="ctr">
               <a:buNone/>
-              <a:defRPr sz="2000"/>
+              <a:defRPr>
+                <a:solidFill>
+                  <a:schemeClr val="tx1">
+                    <a:tint val="75000"/>
+                  </a:schemeClr>
+                </a:solidFill>
+              </a:defRPr>
             </a:lvl6pPr>
             <a:lvl7pPr marL="2743200" indent="0" algn="ctr">
               <a:buNone/>
-              <a:defRPr sz="2000"/>
+              <a:defRPr>
+                <a:solidFill>
+                  <a:schemeClr val="tx1">
+                    <a:tint val="75000"/>
+                  </a:schemeClr>
+                </a:solidFill>
+              </a:defRPr>
             </a:lvl7pPr>
             <a:lvl8pPr marL="3200400" indent="0" algn="ctr">
               <a:buNone/>
-              <a:defRPr sz="2000"/>
+              <a:defRPr>
+                <a:solidFill>
+                  <a:schemeClr val="tx1">
+                    <a:tint val="75000"/>
+                  </a:schemeClr>
+                </a:solidFill>
+              </a:defRPr>
             </a:lvl8pPr>
             <a:lvl9pPr marL="3657600" indent="0" algn="ctr">
               <a:buNone/>
-              <a:defRPr sz="2000"/>
+              <a:defRPr>
+                <a:solidFill>
+                  <a:schemeClr val="tx1">
+                    <a:tint val="75000"/>
+                  </a:schemeClr>
+                </a:solidFill>
+              </a:defRPr>
             </a:lvl9pPr>
           </a:lstStyle>
           <a:p>
@@ -525,7 +846,7 @@
           <a:p>
             <a:fld id="{AA69BB30-8325-4345-8DFA-998A30CB2488}" type="datetimeFigureOut">
               <a:rPr lang="en-US" smtClean="0"/>
-              <a:t>9/11/2025</a:t>
+              <a:t>9/16/2025</a:t>
             </a:fld>
             <a:endParaRPr lang="en-US"/>
           </a:p>
@@ -560,19 +881,10 @@
             <p:ph type="sldNum" sz="quarter" idx="12"/>
           </p:nvPr>
         </p:nvSpPr>
-        <p:spPr>
-          <a:xfrm>
-            <a:off x="9592733" y="4289334"/>
-            <a:ext cx="1193868" cy="640080"/>
-          </a:xfrm>
-        </p:spPr>
+        <p:spPr/>
         <p:txBody>
           <a:bodyPr/>
-          <a:lstStyle>
-            <a:lvl1pPr>
-              <a:defRPr sz="2800"/>
-            </a:lvl1pPr>
-          </a:lstStyle>
+          <a:lstStyle/>
           <a:p>
             <a:fld id="{FDFB9C32-4155-43F0-9D69-97C79EB91DC0}" type="slidenum">
               <a:rPr lang="en-US" smtClean="0"/>
@@ -585,7 +897,7 @@
     </p:spTree>
     <p:extLst>
       <p:ext uri="{BB962C8B-B14F-4D97-AF65-F5344CB8AC3E}">
-        <p14:creationId xmlns:p14="http://schemas.microsoft.com/office/powerpoint/2010/main" val="3199745129"/>
+        <p14:creationId xmlns:p14="http://schemas.microsoft.com/office/powerpoint/2010/main" val="1095244993"/>
       </p:ext>
     </p:extLst>
   </p:cSld>
@@ -596,6 +908,1599 @@
 </file>
 
 <file path=ppt/slideLayouts/slideLayout10.xml><?xml version="1.0" encoding="utf-8"?>
+<p:sldLayout xmlns:a="http://schemas.openxmlformats.org/drawingml/2006/main" xmlns:r="http://schemas.openxmlformats.org/officeDocument/2006/relationships" xmlns:p="http://schemas.openxmlformats.org/presentationml/2006/main" preserve="1">
+  <p:cSld name="Title and Caption">
+    <p:spTree>
+      <p:nvGrpSpPr>
+        <p:cNvPr id="1" name=""/>
+        <p:cNvGrpSpPr/>
+        <p:nvPr/>
+      </p:nvGrpSpPr>
+      <p:grpSpPr>
+        <a:xfrm>
+          <a:off x="0" y="0"/>
+          <a:ext cx="0" cy="0"/>
+          <a:chOff x="0" y="0"/>
+          <a:chExt cx="0" cy="0"/>
+        </a:xfrm>
+      </p:grpSpPr>
+      <p:sp>
+        <p:nvSpPr>
+          <p:cNvPr id="2" name="Title 1"/>
+          <p:cNvSpPr>
+            <a:spLocks noGrp="1"/>
+          </p:cNvSpPr>
+          <p:nvPr>
+            <p:ph type="title"/>
+          </p:nvPr>
+        </p:nvSpPr>
+        <p:spPr>
+          <a:xfrm>
+            <a:off x="677335" y="609600"/>
+            <a:ext cx="8596668" cy="3403600"/>
+          </a:xfrm>
+        </p:spPr>
+        <p:txBody>
+          <a:bodyPr anchor="ctr">
+            <a:normAutofit/>
+          </a:bodyPr>
+          <a:lstStyle>
+            <a:lvl1pPr algn="l">
+              <a:defRPr sz="4400" b="0" cap="none"/>
+            </a:lvl1pPr>
+          </a:lstStyle>
+          <a:p>
+            <a:r>
+              <a:rPr lang="en-US"/>
+              <a:t>Click to edit Master title style</a:t>
+            </a:r>
+            <a:endParaRPr lang="en-US" dirty="0"/>
+          </a:p>
+        </p:txBody>
+      </p:sp>
+      <p:sp>
+        <p:nvSpPr>
+          <p:cNvPr id="3" name="Text Placeholder 2"/>
+          <p:cNvSpPr>
+            <a:spLocks noGrp="1"/>
+          </p:cNvSpPr>
+          <p:nvPr>
+            <p:ph type="body" idx="1"/>
+          </p:nvPr>
+        </p:nvSpPr>
+        <p:spPr>
+          <a:xfrm>
+            <a:off x="677335" y="4470400"/>
+            <a:ext cx="8596668" cy="1570962"/>
+          </a:xfrm>
+        </p:spPr>
+        <p:txBody>
+          <a:bodyPr anchor="ctr">
+            <a:normAutofit/>
+          </a:bodyPr>
+          <a:lstStyle>
+            <a:lvl1pPr marL="0" indent="0" algn="l">
+              <a:buNone/>
+              <a:defRPr sz="1800">
+                <a:solidFill>
+                  <a:schemeClr val="tx1">
+                    <a:lumMod val="75000"/>
+                    <a:lumOff val="25000"/>
+                  </a:schemeClr>
+                </a:solidFill>
+              </a:defRPr>
+            </a:lvl1pPr>
+            <a:lvl2pPr marL="457200" indent="0">
+              <a:buNone/>
+              <a:defRPr sz="1800">
+                <a:solidFill>
+                  <a:schemeClr val="tx1">
+                    <a:tint val="75000"/>
+                  </a:schemeClr>
+                </a:solidFill>
+              </a:defRPr>
+            </a:lvl2pPr>
+            <a:lvl3pPr marL="914400" indent="0">
+              <a:buNone/>
+              <a:defRPr sz="1600">
+                <a:solidFill>
+                  <a:schemeClr val="tx1">
+                    <a:tint val="75000"/>
+                  </a:schemeClr>
+                </a:solidFill>
+              </a:defRPr>
+            </a:lvl3pPr>
+            <a:lvl4pPr marL="1371600" indent="0">
+              <a:buNone/>
+              <a:defRPr sz="1400">
+                <a:solidFill>
+                  <a:schemeClr val="tx1">
+                    <a:tint val="75000"/>
+                  </a:schemeClr>
+                </a:solidFill>
+              </a:defRPr>
+            </a:lvl4pPr>
+            <a:lvl5pPr marL="1828800" indent="0">
+              <a:buNone/>
+              <a:defRPr sz="1400">
+                <a:solidFill>
+                  <a:schemeClr val="tx1">
+                    <a:tint val="75000"/>
+                  </a:schemeClr>
+                </a:solidFill>
+              </a:defRPr>
+            </a:lvl5pPr>
+            <a:lvl6pPr marL="2286000" indent="0">
+              <a:buNone/>
+              <a:defRPr sz="1400">
+                <a:solidFill>
+                  <a:schemeClr val="tx1">
+                    <a:tint val="75000"/>
+                  </a:schemeClr>
+                </a:solidFill>
+              </a:defRPr>
+            </a:lvl6pPr>
+            <a:lvl7pPr marL="2743200" indent="0">
+              <a:buNone/>
+              <a:defRPr sz="1400">
+                <a:solidFill>
+                  <a:schemeClr val="tx1">
+                    <a:tint val="75000"/>
+                  </a:schemeClr>
+                </a:solidFill>
+              </a:defRPr>
+            </a:lvl7pPr>
+            <a:lvl8pPr marL="3200400" indent="0">
+              <a:buNone/>
+              <a:defRPr sz="1400">
+                <a:solidFill>
+                  <a:schemeClr val="tx1">
+                    <a:tint val="75000"/>
+                  </a:schemeClr>
+                </a:solidFill>
+              </a:defRPr>
+            </a:lvl8pPr>
+            <a:lvl9pPr marL="3657600" indent="0">
+              <a:buNone/>
+              <a:defRPr sz="1400">
+                <a:solidFill>
+                  <a:schemeClr val="tx1">
+                    <a:tint val="75000"/>
+                  </a:schemeClr>
+                </a:solidFill>
+              </a:defRPr>
+            </a:lvl9pPr>
+          </a:lstStyle>
+          <a:p>
+            <a:pPr lvl="0"/>
+            <a:r>
+              <a:rPr lang="en-US"/>
+              <a:t>Click to edit Master text styles</a:t>
+            </a:r>
+          </a:p>
+        </p:txBody>
+      </p:sp>
+      <p:sp>
+        <p:nvSpPr>
+          <p:cNvPr id="4" name="Date Placeholder 3"/>
+          <p:cNvSpPr>
+            <a:spLocks noGrp="1"/>
+          </p:cNvSpPr>
+          <p:nvPr>
+            <p:ph type="dt" sz="half" idx="10"/>
+          </p:nvPr>
+        </p:nvSpPr>
+        <p:spPr/>
+        <p:txBody>
+          <a:bodyPr/>
+          <a:lstStyle/>
+          <a:p>
+            <a:fld id="{AA69BB30-8325-4345-8DFA-998A30CB2488}" type="datetimeFigureOut">
+              <a:rPr lang="en-US" smtClean="0"/>
+              <a:t>9/16/2025</a:t>
+            </a:fld>
+            <a:endParaRPr lang="en-US"/>
+          </a:p>
+        </p:txBody>
+      </p:sp>
+      <p:sp>
+        <p:nvSpPr>
+          <p:cNvPr id="5" name="Footer Placeholder 4"/>
+          <p:cNvSpPr>
+            <a:spLocks noGrp="1"/>
+          </p:cNvSpPr>
+          <p:nvPr>
+            <p:ph type="ftr" sz="quarter" idx="11"/>
+          </p:nvPr>
+        </p:nvSpPr>
+        <p:spPr/>
+        <p:txBody>
+          <a:bodyPr/>
+          <a:lstStyle/>
+          <a:p>
+            <a:endParaRPr lang="en-US"/>
+          </a:p>
+        </p:txBody>
+      </p:sp>
+      <p:sp>
+        <p:nvSpPr>
+          <p:cNvPr id="6" name="Slide Number Placeholder 5"/>
+          <p:cNvSpPr>
+            <a:spLocks noGrp="1"/>
+          </p:cNvSpPr>
+          <p:nvPr>
+            <p:ph type="sldNum" sz="quarter" idx="12"/>
+          </p:nvPr>
+        </p:nvSpPr>
+        <p:spPr/>
+        <p:txBody>
+          <a:bodyPr/>
+          <a:lstStyle/>
+          <a:p>
+            <a:fld id="{FDFB9C32-4155-43F0-9D69-97C79EB91DC0}" type="slidenum">
+              <a:rPr lang="en-US" smtClean="0"/>
+              <a:t>‹#›</a:t>
+            </a:fld>
+            <a:endParaRPr lang="en-US"/>
+          </a:p>
+        </p:txBody>
+      </p:sp>
+    </p:spTree>
+    <p:extLst>
+      <p:ext uri="{BB962C8B-B14F-4D97-AF65-F5344CB8AC3E}">
+        <p14:creationId xmlns:p14="http://schemas.microsoft.com/office/powerpoint/2010/main" val="3400309581"/>
+      </p:ext>
+    </p:extLst>
+  </p:cSld>
+  <p:clrMapOvr>
+    <a:masterClrMapping/>
+  </p:clrMapOvr>
+</p:sldLayout>
+</file>
+
+<file path=ppt/slideLayouts/slideLayout11.xml><?xml version="1.0" encoding="utf-8"?>
+<p:sldLayout xmlns:a="http://schemas.openxmlformats.org/drawingml/2006/main" xmlns:r="http://schemas.openxmlformats.org/officeDocument/2006/relationships" xmlns:p="http://schemas.openxmlformats.org/presentationml/2006/main" preserve="1">
+  <p:cSld name="Quote with Caption">
+    <p:spTree>
+      <p:nvGrpSpPr>
+        <p:cNvPr id="1" name=""/>
+        <p:cNvGrpSpPr/>
+        <p:nvPr/>
+      </p:nvGrpSpPr>
+      <p:grpSpPr>
+        <a:xfrm>
+          <a:off x="0" y="0"/>
+          <a:ext cx="0" cy="0"/>
+          <a:chOff x="0" y="0"/>
+          <a:chExt cx="0" cy="0"/>
+        </a:xfrm>
+      </p:grpSpPr>
+      <p:sp>
+        <p:nvSpPr>
+          <p:cNvPr id="2" name="Title 1"/>
+          <p:cNvSpPr>
+            <a:spLocks noGrp="1"/>
+          </p:cNvSpPr>
+          <p:nvPr>
+            <p:ph type="title"/>
+          </p:nvPr>
+        </p:nvSpPr>
+        <p:spPr>
+          <a:xfrm>
+            <a:off x="931334" y="609600"/>
+            <a:ext cx="8094134" cy="3022600"/>
+          </a:xfrm>
+        </p:spPr>
+        <p:txBody>
+          <a:bodyPr anchor="ctr">
+            <a:normAutofit/>
+          </a:bodyPr>
+          <a:lstStyle>
+            <a:lvl1pPr algn="l">
+              <a:defRPr sz="4400" b="0" cap="none"/>
+            </a:lvl1pPr>
+          </a:lstStyle>
+          <a:p>
+            <a:r>
+              <a:rPr lang="en-US"/>
+              <a:t>Click to edit Master title style</a:t>
+            </a:r>
+            <a:endParaRPr lang="en-US" dirty="0"/>
+          </a:p>
+        </p:txBody>
+      </p:sp>
+      <p:sp>
+        <p:nvSpPr>
+          <p:cNvPr id="23" name="Text Placeholder 9"/>
+          <p:cNvSpPr>
+            <a:spLocks noGrp="1"/>
+          </p:cNvSpPr>
+          <p:nvPr>
+            <p:ph type="body" sz="quarter" idx="13"/>
+          </p:nvPr>
+        </p:nvSpPr>
+        <p:spPr>
+          <a:xfrm>
+            <a:off x="1366139" y="3632200"/>
+            <a:ext cx="7224524" cy="381000"/>
+          </a:xfrm>
+        </p:spPr>
+        <p:txBody>
+          <a:bodyPr anchor="ctr">
+            <a:noAutofit/>
+          </a:bodyPr>
+          <a:lstStyle>
+            <a:lvl1pPr marL="0" indent="0">
+              <a:buFontTx/>
+              <a:buNone/>
+              <a:defRPr sz="1600">
+                <a:solidFill>
+                  <a:schemeClr val="tx1">
+                    <a:lumMod val="50000"/>
+                    <a:lumOff val="50000"/>
+                  </a:schemeClr>
+                </a:solidFill>
+              </a:defRPr>
+            </a:lvl1pPr>
+            <a:lvl2pPr marL="457200" indent="0">
+              <a:buFontTx/>
+              <a:buNone/>
+              <a:defRPr/>
+            </a:lvl2pPr>
+            <a:lvl3pPr marL="914400" indent="0">
+              <a:buFontTx/>
+              <a:buNone/>
+              <a:defRPr/>
+            </a:lvl3pPr>
+            <a:lvl4pPr marL="1371600" indent="0">
+              <a:buFontTx/>
+              <a:buNone/>
+              <a:defRPr/>
+            </a:lvl4pPr>
+            <a:lvl5pPr marL="1828800" indent="0">
+              <a:buFontTx/>
+              <a:buNone/>
+              <a:defRPr/>
+            </a:lvl5pPr>
+          </a:lstStyle>
+          <a:p>
+            <a:pPr lvl="0"/>
+            <a:r>
+              <a:rPr lang="en-US"/>
+              <a:t>Click to edit Master text styles</a:t>
+            </a:r>
+          </a:p>
+        </p:txBody>
+      </p:sp>
+      <p:sp>
+        <p:nvSpPr>
+          <p:cNvPr id="3" name="Text Placeholder 2"/>
+          <p:cNvSpPr>
+            <a:spLocks noGrp="1"/>
+          </p:cNvSpPr>
+          <p:nvPr>
+            <p:ph type="body" idx="1"/>
+          </p:nvPr>
+        </p:nvSpPr>
+        <p:spPr>
+          <a:xfrm>
+            <a:off x="677335" y="4470400"/>
+            <a:ext cx="8596668" cy="1570962"/>
+          </a:xfrm>
+        </p:spPr>
+        <p:txBody>
+          <a:bodyPr anchor="ctr">
+            <a:normAutofit/>
+          </a:bodyPr>
+          <a:lstStyle>
+            <a:lvl1pPr marL="0" indent="0" algn="l">
+              <a:buNone/>
+              <a:defRPr sz="1800">
+                <a:solidFill>
+                  <a:schemeClr val="tx1">
+                    <a:lumMod val="75000"/>
+                    <a:lumOff val="25000"/>
+                  </a:schemeClr>
+                </a:solidFill>
+              </a:defRPr>
+            </a:lvl1pPr>
+            <a:lvl2pPr marL="457200" indent="0">
+              <a:buNone/>
+              <a:defRPr sz="1800">
+                <a:solidFill>
+                  <a:schemeClr val="tx1">
+                    <a:tint val="75000"/>
+                  </a:schemeClr>
+                </a:solidFill>
+              </a:defRPr>
+            </a:lvl2pPr>
+            <a:lvl3pPr marL="914400" indent="0">
+              <a:buNone/>
+              <a:defRPr sz="1600">
+                <a:solidFill>
+                  <a:schemeClr val="tx1">
+                    <a:tint val="75000"/>
+                  </a:schemeClr>
+                </a:solidFill>
+              </a:defRPr>
+            </a:lvl3pPr>
+            <a:lvl4pPr marL="1371600" indent="0">
+              <a:buNone/>
+              <a:defRPr sz="1400">
+                <a:solidFill>
+                  <a:schemeClr val="tx1">
+                    <a:tint val="75000"/>
+                  </a:schemeClr>
+                </a:solidFill>
+              </a:defRPr>
+            </a:lvl4pPr>
+            <a:lvl5pPr marL="1828800" indent="0">
+              <a:buNone/>
+              <a:defRPr sz="1400">
+                <a:solidFill>
+                  <a:schemeClr val="tx1">
+                    <a:tint val="75000"/>
+                  </a:schemeClr>
+                </a:solidFill>
+              </a:defRPr>
+            </a:lvl5pPr>
+            <a:lvl6pPr marL="2286000" indent="0">
+              <a:buNone/>
+              <a:defRPr sz="1400">
+                <a:solidFill>
+                  <a:schemeClr val="tx1">
+                    <a:tint val="75000"/>
+                  </a:schemeClr>
+                </a:solidFill>
+              </a:defRPr>
+            </a:lvl6pPr>
+            <a:lvl7pPr marL="2743200" indent="0">
+              <a:buNone/>
+              <a:defRPr sz="1400">
+                <a:solidFill>
+                  <a:schemeClr val="tx1">
+                    <a:tint val="75000"/>
+                  </a:schemeClr>
+                </a:solidFill>
+              </a:defRPr>
+            </a:lvl7pPr>
+            <a:lvl8pPr marL="3200400" indent="0">
+              <a:buNone/>
+              <a:defRPr sz="1400">
+                <a:solidFill>
+                  <a:schemeClr val="tx1">
+                    <a:tint val="75000"/>
+                  </a:schemeClr>
+                </a:solidFill>
+              </a:defRPr>
+            </a:lvl8pPr>
+            <a:lvl9pPr marL="3657600" indent="0">
+              <a:buNone/>
+              <a:defRPr sz="1400">
+                <a:solidFill>
+                  <a:schemeClr val="tx1">
+                    <a:tint val="75000"/>
+                  </a:schemeClr>
+                </a:solidFill>
+              </a:defRPr>
+            </a:lvl9pPr>
+          </a:lstStyle>
+          <a:p>
+            <a:pPr lvl="0"/>
+            <a:r>
+              <a:rPr lang="en-US"/>
+              <a:t>Click to edit Master text styles</a:t>
+            </a:r>
+          </a:p>
+        </p:txBody>
+      </p:sp>
+      <p:sp>
+        <p:nvSpPr>
+          <p:cNvPr id="4" name="Date Placeholder 3"/>
+          <p:cNvSpPr>
+            <a:spLocks noGrp="1"/>
+          </p:cNvSpPr>
+          <p:nvPr>
+            <p:ph type="dt" sz="half" idx="10"/>
+          </p:nvPr>
+        </p:nvSpPr>
+        <p:spPr/>
+        <p:txBody>
+          <a:bodyPr/>
+          <a:lstStyle/>
+          <a:p>
+            <a:fld id="{AA69BB30-8325-4345-8DFA-998A30CB2488}" type="datetimeFigureOut">
+              <a:rPr lang="en-US" smtClean="0"/>
+              <a:t>9/16/2025</a:t>
+            </a:fld>
+            <a:endParaRPr lang="en-US"/>
+          </a:p>
+        </p:txBody>
+      </p:sp>
+      <p:sp>
+        <p:nvSpPr>
+          <p:cNvPr id="5" name="Footer Placeholder 4"/>
+          <p:cNvSpPr>
+            <a:spLocks noGrp="1"/>
+          </p:cNvSpPr>
+          <p:nvPr>
+            <p:ph type="ftr" sz="quarter" idx="11"/>
+          </p:nvPr>
+        </p:nvSpPr>
+        <p:spPr/>
+        <p:txBody>
+          <a:bodyPr/>
+          <a:lstStyle/>
+          <a:p>
+            <a:endParaRPr lang="en-US"/>
+          </a:p>
+        </p:txBody>
+      </p:sp>
+      <p:sp>
+        <p:nvSpPr>
+          <p:cNvPr id="6" name="Slide Number Placeholder 5"/>
+          <p:cNvSpPr>
+            <a:spLocks noGrp="1"/>
+          </p:cNvSpPr>
+          <p:nvPr>
+            <p:ph type="sldNum" sz="quarter" idx="12"/>
+          </p:nvPr>
+        </p:nvSpPr>
+        <p:spPr/>
+        <p:txBody>
+          <a:bodyPr/>
+          <a:lstStyle/>
+          <a:p>
+            <a:fld id="{FDFB9C32-4155-43F0-9D69-97C79EB91DC0}" type="slidenum">
+              <a:rPr lang="en-US" smtClean="0"/>
+              <a:t>‹#›</a:t>
+            </a:fld>
+            <a:endParaRPr lang="en-US"/>
+          </a:p>
+        </p:txBody>
+      </p:sp>
+      <p:sp>
+        <p:nvSpPr>
+          <p:cNvPr id="20" name="TextBox 19"/>
+          <p:cNvSpPr txBox="1"/>
+          <p:nvPr/>
+        </p:nvSpPr>
+        <p:spPr>
+          <a:xfrm>
+            <a:off x="541870" y="790378"/>
+            <a:ext cx="609600" cy="584776"/>
+          </a:xfrm>
+          <a:prstGeom prst="rect">
+            <a:avLst/>
+          </a:prstGeom>
+        </p:spPr>
+        <p:txBody>
+          <a:bodyPr vert="horz" lIns="91440" tIns="45720" rIns="91440" bIns="45720" rtlCol="0" anchor="ctr">
+            <a:noAutofit/>
+          </a:bodyPr>
+          <a:lstStyle/>
+          <a:p>
+            <a:pPr lvl="0"/>
+            <a:r>
+              <a:rPr lang="en-US" sz="8000" baseline="0" dirty="0">
+                <a:ln w="3175" cmpd="sng">
+                  <a:noFill/>
+                </a:ln>
+                <a:solidFill>
+                  <a:schemeClr val="accent1"/>
+                </a:solidFill>
+                <a:effectLst/>
+                <a:latin typeface="Arial"/>
+              </a:rPr>
+              <a:t>“</a:t>
+            </a:r>
+          </a:p>
+        </p:txBody>
+      </p:sp>
+      <p:sp>
+        <p:nvSpPr>
+          <p:cNvPr id="22" name="TextBox 21"/>
+          <p:cNvSpPr txBox="1"/>
+          <p:nvPr/>
+        </p:nvSpPr>
+        <p:spPr>
+          <a:xfrm>
+            <a:off x="8893011" y="2886556"/>
+            <a:ext cx="609600" cy="584776"/>
+          </a:xfrm>
+          <a:prstGeom prst="rect">
+            <a:avLst/>
+          </a:prstGeom>
+        </p:spPr>
+        <p:txBody>
+          <a:bodyPr vert="horz" lIns="91440" tIns="45720" rIns="91440" bIns="45720" rtlCol="0" anchor="ctr">
+            <a:noAutofit/>
+          </a:bodyPr>
+          <a:lstStyle/>
+          <a:p>
+            <a:pPr lvl="0"/>
+            <a:r>
+              <a:rPr lang="en-US" sz="8000" baseline="0" dirty="0">
+                <a:ln w="3175" cmpd="sng">
+                  <a:noFill/>
+                </a:ln>
+                <a:solidFill>
+                  <a:schemeClr val="accent1"/>
+                </a:solidFill>
+                <a:effectLst/>
+                <a:latin typeface="Arial"/>
+              </a:rPr>
+              <a:t>”</a:t>
+            </a:r>
+          </a:p>
+        </p:txBody>
+      </p:sp>
+    </p:spTree>
+    <p:extLst>
+      <p:ext uri="{BB962C8B-B14F-4D97-AF65-F5344CB8AC3E}">
+        <p14:creationId xmlns:p14="http://schemas.microsoft.com/office/powerpoint/2010/main" val="295624758"/>
+      </p:ext>
+    </p:extLst>
+  </p:cSld>
+  <p:clrMapOvr>
+    <a:masterClrMapping/>
+  </p:clrMapOvr>
+</p:sldLayout>
+</file>
+
+<file path=ppt/slideLayouts/slideLayout12.xml><?xml version="1.0" encoding="utf-8"?>
+<p:sldLayout xmlns:a="http://schemas.openxmlformats.org/drawingml/2006/main" xmlns:r="http://schemas.openxmlformats.org/officeDocument/2006/relationships" xmlns:p="http://schemas.openxmlformats.org/presentationml/2006/main" preserve="1">
+  <p:cSld name="Name Card">
+    <p:spTree>
+      <p:nvGrpSpPr>
+        <p:cNvPr id="1" name=""/>
+        <p:cNvGrpSpPr/>
+        <p:nvPr/>
+      </p:nvGrpSpPr>
+      <p:grpSpPr>
+        <a:xfrm>
+          <a:off x="0" y="0"/>
+          <a:ext cx="0" cy="0"/>
+          <a:chOff x="0" y="0"/>
+          <a:chExt cx="0" cy="0"/>
+        </a:xfrm>
+      </p:grpSpPr>
+      <p:sp>
+        <p:nvSpPr>
+          <p:cNvPr id="2" name="Title 1"/>
+          <p:cNvSpPr>
+            <a:spLocks noGrp="1"/>
+          </p:cNvSpPr>
+          <p:nvPr>
+            <p:ph type="title"/>
+          </p:nvPr>
+        </p:nvSpPr>
+        <p:spPr>
+          <a:xfrm>
+            <a:off x="677335" y="1931988"/>
+            <a:ext cx="8596668" cy="2595460"/>
+          </a:xfrm>
+        </p:spPr>
+        <p:txBody>
+          <a:bodyPr anchor="b">
+            <a:normAutofit/>
+          </a:bodyPr>
+          <a:lstStyle>
+            <a:lvl1pPr algn="l">
+              <a:defRPr sz="4400" b="0" cap="none"/>
+            </a:lvl1pPr>
+          </a:lstStyle>
+          <a:p>
+            <a:r>
+              <a:rPr lang="en-US"/>
+              <a:t>Click to edit Master title style</a:t>
+            </a:r>
+            <a:endParaRPr lang="en-US" dirty="0"/>
+          </a:p>
+        </p:txBody>
+      </p:sp>
+      <p:sp>
+        <p:nvSpPr>
+          <p:cNvPr id="3" name="Text Placeholder 2"/>
+          <p:cNvSpPr>
+            <a:spLocks noGrp="1"/>
+          </p:cNvSpPr>
+          <p:nvPr>
+            <p:ph type="body" idx="1"/>
+          </p:nvPr>
+        </p:nvSpPr>
+        <p:spPr>
+          <a:xfrm>
+            <a:off x="677335" y="4527448"/>
+            <a:ext cx="8596668" cy="1513914"/>
+          </a:xfrm>
+        </p:spPr>
+        <p:txBody>
+          <a:bodyPr anchor="t">
+            <a:normAutofit/>
+          </a:bodyPr>
+          <a:lstStyle>
+            <a:lvl1pPr marL="0" indent="0" algn="l">
+              <a:buNone/>
+              <a:defRPr sz="1800">
+                <a:solidFill>
+                  <a:schemeClr val="tx1">
+                    <a:lumMod val="75000"/>
+                    <a:lumOff val="25000"/>
+                  </a:schemeClr>
+                </a:solidFill>
+              </a:defRPr>
+            </a:lvl1pPr>
+            <a:lvl2pPr marL="457200" indent="0">
+              <a:buNone/>
+              <a:defRPr sz="1800">
+                <a:solidFill>
+                  <a:schemeClr val="tx1">
+                    <a:tint val="75000"/>
+                  </a:schemeClr>
+                </a:solidFill>
+              </a:defRPr>
+            </a:lvl2pPr>
+            <a:lvl3pPr marL="914400" indent="0">
+              <a:buNone/>
+              <a:defRPr sz="1600">
+                <a:solidFill>
+                  <a:schemeClr val="tx1">
+                    <a:tint val="75000"/>
+                  </a:schemeClr>
+                </a:solidFill>
+              </a:defRPr>
+            </a:lvl3pPr>
+            <a:lvl4pPr marL="1371600" indent="0">
+              <a:buNone/>
+              <a:defRPr sz="1400">
+                <a:solidFill>
+                  <a:schemeClr val="tx1">
+                    <a:tint val="75000"/>
+                  </a:schemeClr>
+                </a:solidFill>
+              </a:defRPr>
+            </a:lvl4pPr>
+            <a:lvl5pPr marL="1828800" indent="0">
+              <a:buNone/>
+              <a:defRPr sz="1400">
+                <a:solidFill>
+                  <a:schemeClr val="tx1">
+                    <a:tint val="75000"/>
+                  </a:schemeClr>
+                </a:solidFill>
+              </a:defRPr>
+            </a:lvl5pPr>
+            <a:lvl6pPr marL="2286000" indent="0">
+              <a:buNone/>
+              <a:defRPr sz="1400">
+                <a:solidFill>
+                  <a:schemeClr val="tx1">
+                    <a:tint val="75000"/>
+                  </a:schemeClr>
+                </a:solidFill>
+              </a:defRPr>
+            </a:lvl6pPr>
+            <a:lvl7pPr marL="2743200" indent="0">
+              <a:buNone/>
+              <a:defRPr sz="1400">
+                <a:solidFill>
+                  <a:schemeClr val="tx1">
+                    <a:tint val="75000"/>
+                  </a:schemeClr>
+                </a:solidFill>
+              </a:defRPr>
+            </a:lvl7pPr>
+            <a:lvl8pPr marL="3200400" indent="0">
+              <a:buNone/>
+              <a:defRPr sz="1400">
+                <a:solidFill>
+                  <a:schemeClr val="tx1">
+                    <a:tint val="75000"/>
+                  </a:schemeClr>
+                </a:solidFill>
+              </a:defRPr>
+            </a:lvl8pPr>
+            <a:lvl9pPr marL="3657600" indent="0">
+              <a:buNone/>
+              <a:defRPr sz="1400">
+                <a:solidFill>
+                  <a:schemeClr val="tx1">
+                    <a:tint val="75000"/>
+                  </a:schemeClr>
+                </a:solidFill>
+              </a:defRPr>
+            </a:lvl9pPr>
+          </a:lstStyle>
+          <a:p>
+            <a:pPr lvl="0"/>
+            <a:r>
+              <a:rPr lang="en-US"/>
+              <a:t>Click to edit Master text styles</a:t>
+            </a:r>
+          </a:p>
+        </p:txBody>
+      </p:sp>
+      <p:sp>
+        <p:nvSpPr>
+          <p:cNvPr id="4" name="Date Placeholder 3"/>
+          <p:cNvSpPr>
+            <a:spLocks noGrp="1"/>
+          </p:cNvSpPr>
+          <p:nvPr>
+            <p:ph type="dt" sz="half" idx="10"/>
+          </p:nvPr>
+        </p:nvSpPr>
+        <p:spPr/>
+        <p:txBody>
+          <a:bodyPr/>
+          <a:lstStyle/>
+          <a:p>
+            <a:fld id="{AA69BB30-8325-4345-8DFA-998A30CB2488}" type="datetimeFigureOut">
+              <a:rPr lang="en-US" smtClean="0"/>
+              <a:t>9/16/2025</a:t>
+            </a:fld>
+            <a:endParaRPr lang="en-US"/>
+          </a:p>
+        </p:txBody>
+      </p:sp>
+      <p:sp>
+        <p:nvSpPr>
+          <p:cNvPr id="5" name="Footer Placeholder 4"/>
+          <p:cNvSpPr>
+            <a:spLocks noGrp="1"/>
+          </p:cNvSpPr>
+          <p:nvPr>
+            <p:ph type="ftr" sz="quarter" idx="11"/>
+          </p:nvPr>
+        </p:nvSpPr>
+        <p:spPr/>
+        <p:txBody>
+          <a:bodyPr/>
+          <a:lstStyle/>
+          <a:p>
+            <a:endParaRPr lang="en-US"/>
+          </a:p>
+        </p:txBody>
+      </p:sp>
+      <p:sp>
+        <p:nvSpPr>
+          <p:cNvPr id="6" name="Slide Number Placeholder 5"/>
+          <p:cNvSpPr>
+            <a:spLocks noGrp="1"/>
+          </p:cNvSpPr>
+          <p:nvPr>
+            <p:ph type="sldNum" sz="quarter" idx="12"/>
+          </p:nvPr>
+        </p:nvSpPr>
+        <p:spPr/>
+        <p:txBody>
+          <a:bodyPr/>
+          <a:lstStyle/>
+          <a:p>
+            <a:fld id="{FDFB9C32-4155-43F0-9D69-97C79EB91DC0}" type="slidenum">
+              <a:rPr lang="en-US" smtClean="0"/>
+              <a:t>‹#›</a:t>
+            </a:fld>
+            <a:endParaRPr lang="en-US"/>
+          </a:p>
+        </p:txBody>
+      </p:sp>
+    </p:spTree>
+    <p:extLst>
+      <p:ext uri="{BB962C8B-B14F-4D97-AF65-F5344CB8AC3E}">
+        <p14:creationId xmlns:p14="http://schemas.microsoft.com/office/powerpoint/2010/main" val="3220309679"/>
+      </p:ext>
+    </p:extLst>
+  </p:cSld>
+  <p:clrMapOvr>
+    <a:masterClrMapping/>
+  </p:clrMapOvr>
+</p:sldLayout>
+</file>
+
+<file path=ppt/slideLayouts/slideLayout13.xml><?xml version="1.0" encoding="utf-8"?>
+<p:sldLayout xmlns:a="http://schemas.openxmlformats.org/drawingml/2006/main" xmlns:r="http://schemas.openxmlformats.org/officeDocument/2006/relationships" xmlns:p="http://schemas.openxmlformats.org/presentationml/2006/main" preserve="1">
+  <p:cSld name="Quote Name Card">
+    <p:spTree>
+      <p:nvGrpSpPr>
+        <p:cNvPr id="1" name=""/>
+        <p:cNvGrpSpPr/>
+        <p:nvPr/>
+      </p:nvGrpSpPr>
+      <p:grpSpPr>
+        <a:xfrm>
+          <a:off x="0" y="0"/>
+          <a:ext cx="0" cy="0"/>
+          <a:chOff x="0" y="0"/>
+          <a:chExt cx="0" cy="0"/>
+        </a:xfrm>
+      </p:grpSpPr>
+      <p:sp>
+        <p:nvSpPr>
+          <p:cNvPr id="2" name="Title 1"/>
+          <p:cNvSpPr>
+            <a:spLocks noGrp="1"/>
+          </p:cNvSpPr>
+          <p:nvPr>
+            <p:ph type="title"/>
+          </p:nvPr>
+        </p:nvSpPr>
+        <p:spPr>
+          <a:xfrm>
+            <a:off x="931334" y="609600"/>
+            <a:ext cx="8094134" cy="3022600"/>
+          </a:xfrm>
+        </p:spPr>
+        <p:txBody>
+          <a:bodyPr anchor="ctr">
+            <a:normAutofit/>
+          </a:bodyPr>
+          <a:lstStyle>
+            <a:lvl1pPr algn="l">
+              <a:defRPr sz="4400" b="0" cap="none"/>
+            </a:lvl1pPr>
+          </a:lstStyle>
+          <a:p>
+            <a:r>
+              <a:rPr lang="en-US"/>
+              <a:t>Click to edit Master title style</a:t>
+            </a:r>
+            <a:endParaRPr lang="en-US" dirty="0"/>
+          </a:p>
+        </p:txBody>
+      </p:sp>
+      <p:sp>
+        <p:nvSpPr>
+          <p:cNvPr id="23" name="Text Placeholder 9"/>
+          <p:cNvSpPr>
+            <a:spLocks noGrp="1"/>
+          </p:cNvSpPr>
+          <p:nvPr>
+            <p:ph type="body" sz="quarter" idx="13"/>
+          </p:nvPr>
+        </p:nvSpPr>
+        <p:spPr>
+          <a:xfrm>
+            <a:off x="677332" y="4013200"/>
+            <a:ext cx="8596669" cy="514248"/>
+          </a:xfrm>
+        </p:spPr>
+        <p:txBody>
+          <a:bodyPr anchor="b">
+            <a:noAutofit/>
+          </a:bodyPr>
+          <a:lstStyle>
+            <a:lvl1pPr marL="0" indent="0">
+              <a:buFontTx/>
+              <a:buNone/>
+              <a:defRPr sz="2400">
+                <a:solidFill>
+                  <a:schemeClr val="tx1">
+                    <a:lumMod val="75000"/>
+                    <a:lumOff val="25000"/>
+                  </a:schemeClr>
+                </a:solidFill>
+              </a:defRPr>
+            </a:lvl1pPr>
+            <a:lvl2pPr marL="457200" indent="0">
+              <a:buFontTx/>
+              <a:buNone/>
+              <a:defRPr/>
+            </a:lvl2pPr>
+            <a:lvl3pPr marL="914400" indent="0">
+              <a:buFontTx/>
+              <a:buNone/>
+              <a:defRPr/>
+            </a:lvl3pPr>
+            <a:lvl4pPr marL="1371600" indent="0">
+              <a:buFontTx/>
+              <a:buNone/>
+              <a:defRPr/>
+            </a:lvl4pPr>
+            <a:lvl5pPr marL="1828800" indent="0">
+              <a:buFontTx/>
+              <a:buNone/>
+              <a:defRPr/>
+            </a:lvl5pPr>
+          </a:lstStyle>
+          <a:p>
+            <a:pPr lvl="0"/>
+            <a:r>
+              <a:rPr lang="en-US"/>
+              <a:t>Click to edit Master text styles</a:t>
+            </a:r>
+          </a:p>
+        </p:txBody>
+      </p:sp>
+      <p:sp>
+        <p:nvSpPr>
+          <p:cNvPr id="3" name="Text Placeholder 2"/>
+          <p:cNvSpPr>
+            <a:spLocks noGrp="1"/>
+          </p:cNvSpPr>
+          <p:nvPr>
+            <p:ph type="body" idx="1"/>
+          </p:nvPr>
+        </p:nvSpPr>
+        <p:spPr>
+          <a:xfrm>
+            <a:off x="677335" y="4527448"/>
+            <a:ext cx="8596668" cy="1513914"/>
+          </a:xfrm>
+        </p:spPr>
+        <p:txBody>
+          <a:bodyPr anchor="t">
+            <a:normAutofit/>
+          </a:bodyPr>
+          <a:lstStyle>
+            <a:lvl1pPr marL="0" indent="0" algn="l">
+              <a:buNone/>
+              <a:defRPr sz="1800">
+                <a:solidFill>
+                  <a:schemeClr val="tx1">
+                    <a:lumMod val="50000"/>
+                    <a:lumOff val="50000"/>
+                  </a:schemeClr>
+                </a:solidFill>
+              </a:defRPr>
+            </a:lvl1pPr>
+            <a:lvl2pPr marL="457200" indent="0">
+              <a:buNone/>
+              <a:defRPr sz="1800">
+                <a:solidFill>
+                  <a:schemeClr val="tx1">
+                    <a:tint val="75000"/>
+                  </a:schemeClr>
+                </a:solidFill>
+              </a:defRPr>
+            </a:lvl2pPr>
+            <a:lvl3pPr marL="914400" indent="0">
+              <a:buNone/>
+              <a:defRPr sz="1600">
+                <a:solidFill>
+                  <a:schemeClr val="tx1">
+                    <a:tint val="75000"/>
+                  </a:schemeClr>
+                </a:solidFill>
+              </a:defRPr>
+            </a:lvl3pPr>
+            <a:lvl4pPr marL="1371600" indent="0">
+              <a:buNone/>
+              <a:defRPr sz="1400">
+                <a:solidFill>
+                  <a:schemeClr val="tx1">
+                    <a:tint val="75000"/>
+                  </a:schemeClr>
+                </a:solidFill>
+              </a:defRPr>
+            </a:lvl4pPr>
+            <a:lvl5pPr marL="1828800" indent="0">
+              <a:buNone/>
+              <a:defRPr sz="1400">
+                <a:solidFill>
+                  <a:schemeClr val="tx1">
+                    <a:tint val="75000"/>
+                  </a:schemeClr>
+                </a:solidFill>
+              </a:defRPr>
+            </a:lvl5pPr>
+            <a:lvl6pPr marL="2286000" indent="0">
+              <a:buNone/>
+              <a:defRPr sz="1400">
+                <a:solidFill>
+                  <a:schemeClr val="tx1">
+                    <a:tint val="75000"/>
+                  </a:schemeClr>
+                </a:solidFill>
+              </a:defRPr>
+            </a:lvl6pPr>
+            <a:lvl7pPr marL="2743200" indent="0">
+              <a:buNone/>
+              <a:defRPr sz="1400">
+                <a:solidFill>
+                  <a:schemeClr val="tx1">
+                    <a:tint val="75000"/>
+                  </a:schemeClr>
+                </a:solidFill>
+              </a:defRPr>
+            </a:lvl7pPr>
+            <a:lvl8pPr marL="3200400" indent="0">
+              <a:buNone/>
+              <a:defRPr sz="1400">
+                <a:solidFill>
+                  <a:schemeClr val="tx1">
+                    <a:tint val="75000"/>
+                  </a:schemeClr>
+                </a:solidFill>
+              </a:defRPr>
+            </a:lvl8pPr>
+            <a:lvl9pPr marL="3657600" indent="0">
+              <a:buNone/>
+              <a:defRPr sz="1400">
+                <a:solidFill>
+                  <a:schemeClr val="tx1">
+                    <a:tint val="75000"/>
+                  </a:schemeClr>
+                </a:solidFill>
+              </a:defRPr>
+            </a:lvl9pPr>
+          </a:lstStyle>
+          <a:p>
+            <a:pPr lvl="0"/>
+            <a:r>
+              <a:rPr lang="en-US"/>
+              <a:t>Click to edit Master text styles</a:t>
+            </a:r>
+          </a:p>
+        </p:txBody>
+      </p:sp>
+      <p:sp>
+        <p:nvSpPr>
+          <p:cNvPr id="4" name="Date Placeholder 3"/>
+          <p:cNvSpPr>
+            <a:spLocks noGrp="1"/>
+          </p:cNvSpPr>
+          <p:nvPr>
+            <p:ph type="dt" sz="half" idx="10"/>
+          </p:nvPr>
+        </p:nvSpPr>
+        <p:spPr/>
+        <p:txBody>
+          <a:bodyPr/>
+          <a:lstStyle/>
+          <a:p>
+            <a:fld id="{AA69BB30-8325-4345-8DFA-998A30CB2488}" type="datetimeFigureOut">
+              <a:rPr lang="en-US" smtClean="0"/>
+              <a:t>9/16/2025</a:t>
+            </a:fld>
+            <a:endParaRPr lang="en-US"/>
+          </a:p>
+        </p:txBody>
+      </p:sp>
+      <p:sp>
+        <p:nvSpPr>
+          <p:cNvPr id="5" name="Footer Placeholder 4"/>
+          <p:cNvSpPr>
+            <a:spLocks noGrp="1"/>
+          </p:cNvSpPr>
+          <p:nvPr>
+            <p:ph type="ftr" sz="quarter" idx="11"/>
+          </p:nvPr>
+        </p:nvSpPr>
+        <p:spPr/>
+        <p:txBody>
+          <a:bodyPr/>
+          <a:lstStyle/>
+          <a:p>
+            <a:endParaRPr lang="en-US"/>
+          </a:p>
+        </p:txBody>
+      </p:sp>
+      <p:sp>
+        <p:nvSpPr>
+          <p:cNvPr id="6" name="Slide Number Placeholder 5"/>
+          <p:cNvSpPr>
+            <a:spLocks noGrp="1"/>
+          </p:cNvSpPr>
+          <p:nvPr>
+            <p:ph type="sldNum" sz="quarter" idx="12"/>
+          </p:nvPr>
+        </p:nvSpPr>
+        <p:spPr/>
+        <p:txBody>
+          <a:bodyPr/>
+          <a:lstStyle/>
+          <a:p>
+            <a:fld id="{FDFB9C32-4155-43F0-9D69-97C79EB91DC0}" type="slidenum">
+              <a:rPr lang="en-US" smtClean="0"/>
+              <a:t>‹#›</a:t>
+            </a:fld>
+            <a:endParaRPr lang="en-US"/>
+          </a:p>
+        </p:txBody>
+      </p:sp>
+      <p:sp>
+        <p:nvSpPr>
+          <p:cNvPr id="24" name="TextBox 23"/>
+          <p:cNvSpPr txBox="1"/>
+          <p:nvPr/>
+        </p:nvSpPr>
+        <p:spPr>
+          <a:xfrm>
+            <a:off x="541870" y="790378"/>
+            <a:ext cx="609600" cy="584776"/>
+          </a:xfrm>
+          <a:prstGeom prst="rect">
+            <a:avLst/>
+          </a:prstGeom>
+        </p:spPr>
+        <p:txBody>
+          <a:bodyPr vert="horz" lIns="91440" tIns="45720" rIns="91440" bIns="45720" rtlCol="0" anchor="ctr">
+            <a:noAutofit/>
+          </a:bodyPr>
+          <a:lstStyle/>
+          <a:p>
+            <a:pPr lvl="0"/>
+            <a:r>
+              <a:rPr lang="en-US" sz="8000" baseline="0" dirty="0">
+                <a:ln w="3175" cmpd="sng">
+                  <a:noFill/>
+                </a:ln>
+                <a:solidFill>
+                  <a:schemeClr val="accent1"/>
+                </a:solidFill>
+                <a:effectLst/>
+                <a:latin typeface="Arial"/>
+              </a:rPr>
+              <a:t>“</a:t>
+            </a:r>
+          </a:p>
+        </p:txBody>
+      </p:sp>
+      <p:sp>
+        <p:nvSpPr>
+          <p:cNvPr id="25" name="TextBox 24"/>
+          <p:cNvSpPr txBox="1"/>
+          <p:nvPr/>
+        </p:nvSpPr>
+        <p:spPr>
+          <a:xfrm>
+            <a:off x="8893011" y="2886556"/>
+            <a:ext cx="609600" cy="584776"/>
+          </a:xfrm>
+          <a:prstGeom prst="rect">
+            <a:avLst/>
+          </a:prstGeom>
+        </p:spPr>
+        <p:txBody>
+          <a:bodyPr vert="horz" lIns="91440" tIns="45720" rIns="91440" bIns="45720" rtlCol="0" anchor="ctr">
+            <a:noAutofit/>
+          </a:bodyPr>
+          <a:lstStyle/>
+          <a:p>
+            <a:pPr lvl="0"/>
+            <a:r>
+              <a:rPr lang="en-US" sz="8000" baseline="0" dirty="0">
+                <a:ln w="3175" cmpd="sng">
+                  <a:noFill/>
+                </a:ln>
+                <a:solidFill>
+                  <a:schemeClr val="accent1"/>
+                </a:solidFill>
+                <a:effectLst/>
+                <a:latin typeface="Arial"/>
+              </a:rPr>
+              <a:t>”</a:t>
+            </a:r>
+          </a:p>
+        </p:txBody>
+      </p:sp>
+    </p:spTree>
+    <p:extLst>
+      <p:ext uri="{BB962C8B-B14F-4D97-AF65-F5344CB8AC3E}">
+        <p14:creationId xmlns:p14="http://schemas.microsoft.com/office/powerpoint/2010/main" val="934270300"/>
+      </p:ext>
+    </p:extLst>
+  </p:cSld>
+  <p:clrMapOvr>
+    <a:masterClrMapping/>
+  </p:clrMapOvr>
+</p:sldLayout>
+</file>
+
+<file path=ppt/slideLayouts/slideLayout14.xml><?xml version="1.0" encoding="utf-8"?>
+<p:sldLayout xmlns:a="http://schemas.openxmlformats.org/drawingml/2006/main" xmlns:r="http://schemas.openxmlformats.org/officeDocument/2006/relationships" xmlns:p="http://schemas.openxmlformats.org/presentationml/2006/main" preserve="1">
+  <p:cSld name="True or False">
+    <p:spTree>
+      <p:nvGrpSpPr>
+        <p:cNvPr id="1" name=""/>
+        <p:cNvGrpSpPr/>
+        <p:nvPr/>
+      </p:nvGrpSpPr>
+      <p:grpSpPr>
+        <a:xfrm>
+          <a:off x="0" y="0"/>
+          <a:ext cx="0" cy="0"/>
+          <a:chOff x="0" y="0"/>
+          <a:chExt cx="0" cy="0"/>
+        </a:xfrm>
+      </p:grpSpPr>
+      <p:sp>
+        <p:nvSpPr>
+          <p:cNvPr id="2" name="Title 1"/>
+          <p:cNvSpPr>
+            <a:spLocks noGrp="1"/>
+          </p:cNvSpPr>
+          <p:nvPr>
+            <p:ph type="title"/>
+          </p:nvPr>
+        </p:nvSpPr>
+        <p:spPr>
+          <a:xfrm>
+            <a:off x="685799" y="609600"/>
+            <a:ext cx="8588203" cy="3022600"/>
+          </a:xfrm>
+        </p:spPr>
+        <p:txBody>
+          <a:bodyPr anchor="ctr">
+            <a:normAutofit/>
+          </a:bodyPr>
+          <a:lstStyle>
+            <a:lvl1pPr algn="l">
+              <a:defRPr sz="4400" b="0" cap="none"/>
+            </a:lvl1pPr>
+          </a:lstStyle>
+          <a:p>
+            <a:r>
+              <a:rPr lang="en-US"/>
+              <a:t>Click to edit Master title style</a:t>
+            </a:r>
+            <a:endParaRPr lang="en-US" dirty="0"/>
+          </a:p>
+        </p:txBody>
+      </p:sp>
+      <p:sp>
+        <p:nvSpPr>
+          <p:cNvPr id="23" name="Text Placeholder 9"/>
+          <p:cNvSpPr>
+            <a:spLocks noGrp="1"/>
+          </p:cNvSpPr>
+          <p:nvPr>
+            <p:ph type="body" sz="quarter" idx="13"/>
+          </p:nvPr>
+        </p:nvSpPr>
+        <p:spPr>
+          <a:xfrm>
+            <a:off x="677332" y="4013200"/>
+            <a:ext cx="8596669" cy="514248"/>
+          </a:xfrm>
+        </p:spPr>
+        <p:txBody>
+          <a:bodyPr anchor="b">
+            <a:noAutofit/>
+          </a:bodyPr>
+          <a:lstStyle>
+            <a:lvl1pPr marL="0" indent="0">
+              <a:buFontTx/>
+              <a:buNone/>
+              <a:defRPr sz="2400">
+                <a:solidFill>
+                  <a:schemeClr val="accent1"/>
+                </a:solidFill>
+              </a:defRPr>
+            </a:lvl1pPr>
+            <a:lvl2pPr marL="457200" indent="0">
+              <a:buFontTx/>
+              <a:buNone/>
+              <a:defRPr/>
+            </a:lvl2pPr>
+            <a:lvl3pPr marL="914400" indent="0">
+              <a:buFontTx/>
+              <a:buNone/>
+              <a:defRPr/>
+            </a:lvl3pPr>
+            <a:lvl4pPr marL="1371600" indent="0">
+              <a:buFontTx/>
+              <a:buNone/>
+              <a:defRPr/>
+            </a:lvl4pPr>
+            <a:lvl5pPr marL="1828800" indent="0">
+              <a:buFontTx/>
+              <a:buNone/>
+              <a:defRPr/>
+            </a:lvl5pPr>
+          </a:lstStyle>
+          <a:p>
+            <a:pPr lvl="0"/>
+            <a:r>
+              <a:rPr lang="en-US"/>
+              <a:t>Click to edit Master text styles</a:t>
+            </a:r>
+          </a:p>
+        </p:txBody>
+      </p:sp>
+      <p:sp>
+        <p:nvSpPr>
+          <p:cNvPr id="3" name="Text Placeholder 2"/>
+          <p:cNvSpPr>
+            <a:spLocks noGrp="1"/>
+          </p:cNvSpPr>
+          <p:nvPr>
+            <p:ph type="body" idx="1"/>
+          </p:nvPr>
+        </p:nvSpPr>
+        <p:spPr>
+          <a:xfrm>
+            <a:off x="677335" y="4527448"/>
+            <a:ext cx="8596668" cy="1513914"/>
+          </a:xfrm>
+        </p:spPr>
+        <p:txBody>
+          <a:bodyPr anchor="t">
+            <a:normAutofit/>
+          </a:bodyPr>
+          <a:lstStyle>
+            <a:lvl1pPr marL="0" indent="0" algn="l">
+              <a:buNone/>
+              <a:defRPr sz="1800">
+                <a:solidFill>
+                  <a:schemeClr val="tx1">
+                    <a:lumMod val="50000"/>
+                    <a:lumOff val="50000"/>
+                  </a:schemeClr>
+                </a:solidFill>
+              </a:defRPr>
+            </a:lvl1pPr>
+            <a:lvl2pPr marL="457200" indent="0">
+              <a:buNone/>
+              <a:defRPr sz="1800">
+                <a:solidFill>
+                  <a:schemeClr val="tx1">
+                    <a:tint val="75000"/>
+                  </a:schemeClr>
+                </a:solidFill>
+              </a:defRPr>
+            </a:lvl2pPr>
+            <a:lvl3pPr marL="914400" indent="0">
+              <a:buNone/>
+              <a:defRPr sz="1600">
+                <a:solidFill>
+                  <a:schemeClr val="tx1">
+                    <a:tint val="75000"/>
+                  </a:schemeClr>
+                </a:solidFill>
+              </a:defRPr>
+            </a:lvl3pPr>
+            <a:lvl4pPr marL="1371600" indent="0">
+              <a:buNone/>
+              <a:defRPr sz="1400">
+                <a:solidFill>
+                  <a:schemeClr val="tx1">
+                    <a:tint val="75000"/>
+                  </a:schemeClr>
+                </a:solidFill>
+              </a:defRPr>
+            </a:lvl4pPr>
+            <a:lvl5pPr marL="1828800" indent="0">
+              <a:buNone/>
+              <a:defRPr sz="1400">
+                <a:solidFill>
+                  <a:schemeClr val="tx1">
+                    <a:tint val="75000"/>
+                  </a:schemeClr>
+                </a:solidFill>
+              </a:defRPr>
+            </a:lvl5pPr>
+            <a:lvl6pPr marL="2286000" indent="0">
+              <a:buNone/>
+              <a:defRPr sz="1400">
+                <a:solidFill>
+                  <a:schemeClr val="tx1">
+                    <a:tint val="75000"/>
+                  </a:schemeClr>
+                </a:solidFill>
+              </a:defRPr>
+            </a:lvl6pPr>
+            <a:lvl7pPr marL="2743200" indent="0">
+              <a:buNone/>
+              <a:defRPr sz="1400">
+                <a:solidFill>
+                  <a:schemeClr val="tx1">
+                    <a:tint val="75000"/>
+                  </a:schemeClr>
+                </a:solidFill>
+              </a:defRPr>
+            </a:lvl7pPr>
+            <a:lvl8pPr marL="3200400" indent="0">
+              <a:buNone/>
+              <a:defRPr sz="1400">
+                <a:solidFill>
+                  <a:schemeClr val="tx1">
+                    <a:tint val="75000"/>
+                  </a:schemeClr>
+                </a:solidFill>
+              </a:defRPr>
+            </a:lvl8pPr>
+            <a:lvl9pPr marL="3657600" indent="0">
+              <a:buNone/>
+              <a:defRPr sz="1400">
+                <a:solidFill>
+                  <a:schemeClr val="tx1">
+                    <a:tint val="75000"/>
+                  </a:schemeClr>
+                </a:solidFill>
+              </a:defRPr>
+            </a:lvl9pPr>
+          </a:lstStyle>
+          <a:p>
+            <a:pPr lvl="0"/>
+            <a:r>
+              <a:rPr lang="en-US"/>
+              <a:t>Click to edit Master text styles</a:t>
+            </a:r>
+          </a:p>
+        </p:txBody>
+      </p:sp>
+      <p:sp>
+        <p:nvSpPr>
+          <p:cNvPr id="4" name="Date Placeholder 3"/>
+          <p:cNvSpPr>
+            <a:spLocks noGrp="1"/>
+          </p:cNvSpPr>
+          <p:nvPr>
+            <p:ph type="dt" sz="half" idx="10"/>
+          </p:nvPr>
+        </p:nvSpPr>
+        <p:spPr/>
+        <p:txBody>
+          <a:bodyPr/>
+          <a:lstStyle/>
+          <a:p>
+            <a:fld id="{AA69BB30-8325-4345-8DFA-998A30CB2488}" type="datetimeFigureOut">
+              <a:rPr lang="en-US" smtClean="0"/>
+              <a:t>9/16/2025</a:t>
+            </a:fld>
+            <a:endParaRPr lang="en-US"/>
+          </a:p>
+        </p:txBody>
+      </p:sp>
+      <p:sp>
+        <p:nvSpPr>
+          <p:cNvPr id="5" name="Footer Placeholder 4"/>
+          <p:cNvSpPr>
+            <a:spLocks noGrp="1"/>
+          </p:cNvSpPr>
+          <p:nvPr>
+            <p:ph type="ftr" sz="quarter" idx="11"/>
+          </p:nvPr>
+        </p:nvSpPr>
+        <p:spPr/>
+        <p:txBody>
+          <a:bodyPr/>
+          <a:lstStyle/>
+          <a:p>
+            <a:endParaRPr lang="en-US"/>
+          </a:p>
+        </p:txBody>
+      </p:sp>
+      <p:sp>
+        <p:nvSpPr>
+          <p:cNvPr id="6" name="Slide Number Placeholder 5"/>
+          <p:cNvSpPr>
+            <a:spLocks noGrp="1"/>
+          </p:cNvSpPr>
+          <p:nvPr>
+            <p:ph type="sldNum" sz="quarter" idx="12"/>
+          </p:nvPr>
+        </p:nvSpPr>
+        <p:spPr/>
+        <p:txBody>
+          <a:bodyPr/>
+          <a:lstStyle/>
+          <a:p>
+            <a:fld id="{FDFB9C32-4155-43F0-9D69-97C79EB91DC0}" type="slidenum">
+              <a:rPr lang="en-US" smtClean="0"/>
+              <a:t>‹#›</a:t>
+            </a:fld>
+            <a:endParaRPr lang="en-US"/>
+          </a:p>
+        </p:txBody>
+      </p:sp>
+    </p:spTree>
+    <p:extLst>
+      <p:ext uri="{BB962C8B-B14F-4D97-AF65-F5344CB8AC3E}">
+        <p14:creationId xmlns:p14="http://schemas.microsoft.com/office/powerpoint/2010/main" val="3031123509"/>
+      </p:ext>
+    </p:extLst>
+  </p:cSld>
+  <p:clrMapOvr>
+    <a:masterClrMapping/>
+  </p:clrMapOvr>
+</p:sldLayout>
+</file>
+
+<file path=ppt/slideLayouts/slideLayout15.xml><?xml version="1.0" encoding="utf-8"?>
 <p:sldLayout xmlns:a="http://schemas.openxmlformats.org/drawingml/2006/main" xmlns:r="http://schemas.openxmlformats.org/officeDocument/2006/relationships" xmlns:p="http://schemas.openxmlformats.org/presentationml/2006/main" type="vertTx" preserve="1">
   <p:cSld name="Title and Vertical Text">
     <p:spTree>
@@ -704,7 +2609,7 @@
           <a:p>
             <a:fld id="{AA69BB30-8325-4345-8DFA-998A30CB2488}" type="datetimeFigureOut">
               <a:rPr lang="en-US" smtClean="0"/>
-              <a:t>9/11/2025</a:t>
+              <a:t>9/16/2025</a:t>
             </a:fld>
             <a:endParaRPr lang="en-US"/>
           </a:p>
@@ -755,7 +2660,7 @@
     </p:spTree>
     <p:extLst>
       <p:ext uri="{BB962C8B-B14F-4D97-AF65-F5344CB8AC3E}">
-        <p14:creationId xmlns:p14="http://schemas.microsoft.com/office/powerpoint/2010/main" val="2235405701"/>
+        <p14:creationId xmlns:p14="http://schemas.microsoft.com/office/powerpoint/2010/main" val="4217691573"/>
       </p:ext>
     </p:extLst>
   </p:cSld>
@@ -765,7 +2670,7 @@
 </p:sldLayout>
 </file>
 
-<file path=ppt/slideLayouts/slideLayout11.xml><?xml version="1.0" encoding="utf-8"?>
+<file path=ppt/slideLayouts/slideLayout16.xml><?xml version="1.0" encoding="utf-8"?>
 <p:sldLayout xmlns:a="http://schemas.openxmlformats.org/drawingml/2006/main" xmlns:r="http://schemas.openxmlformats.org/officeDocument/2006/relationships" xmlns:p="http://schemas.openxmlformats.org/presentationml/2006/main" type="vertTitleAndTx" preserve="1">
   <p:cSld name="Vertical Title and Text">
     <p:spTree>
@@ -794,12 +2699,12 @@
         </p:nvSpPr>
         <p:spPr>
           <a:xfrm>
-            <a:off x="8724900" y="533400"/>
-            <a:ext cx="2552700" cy="5638800"/>
+            <a:off x="7967673" y="609599"/>
+            <a:ext cx="1304743" cy="5251451"/>
           </a:xfrm>
         </p:spPr>
         <p:txBody>
-          <a:bodyPr vert="eaVert"/>
+          <a:bodyPr vert="eaVert" anchor="ctr"/>
           <a:lstStyle/>
           <a:p>
             <a:r>
@@ -822,8 +2727,8 @@
         </p:nvSpPr>
         <p:spPr>
           <a:xfrm>
-            <a:off x="1066800" y="533400"/>
-            <a:ext cx="7505700" cy="5638800"/>
+            <a:off x="677335" y="609600"/>
+            <a:ext cx="7060150" cy="5251450"/>
           </a:xfrm>
         </p:spPr>
         <p:txBody>
@@ -884,7 +2789,7 @@
           <a:p>
             <a:fld id="{AA69BB30-8325-4345-8DFA-998A30CB2488}" type="datetimeFigureOut">
               <a:rPr lang="en-US" smtClean="0"/>
-              <a:t>9/11/2025</a:t>
+              <a:t>9/16/2025</a:t>
             </a:fld>
             <a:endParaRPr lang="en-US"/>
           </a:p>
@@ -935,7 +2840,7 @@
     </p:spTree>
     <p:extLst>
       <p:ext uri="{BB962C8B-B14F-4D97-AF65-F5344CB8AC3E}">
-        <p14:creationId xmlns:p14="http://schemas.microsoft.com/office/powerpoint/2010/main" val="1690815285"/>
+        <p14:creationId xmlns:p14="http://schemas.microsoft.com/office/powerpoint/2010/main" val="642063997"/>
       </p:ext>
     </p:extLst>
   </p:cSld>
@@ -974,8 +2879,14 @@
         </p:nvSpPr>
         <p:spPr/>
         <p:txBody>
-          <a:bodyPr/>
-          <a:lstStyle/>
+          <a:bodyPr>
+            <a:normAutofit/>
+          </a:bodyPr>
+          <a:lstStyle>
+            <a:lvl1pPr>
+              <a:defRPr sz="3600"/>
+            </a:lvl1pPr>
+          </a:lstStyle>
           <a:p>
             <a:r>
               <a:rPr lang="en-US"/>
@@ -1054,7 +2965,7 @@
           <a:p>
             <a:fld id="{AA69BB30-8325-4345-8DFA-998A30CB2488}" type="datetimeFigureOut">
               <a:rPr lang="en-US" smtClean="0"/>
-              <a:t>9/11/2025</a:t>
+              <a:t>9/16/2025</a:t>
             </a:fld>
             <a:endParaRPr lang="en-US"/>
           </a:p>
@@ -1105,7 +3016,7 @@
     </p:spTree>
     <p:extLst>
       <p:ext uri="{BB962C8B-B14F-4D97-AF65-F5344CB8AC3E}">
-        <p14:creationId xmlns:p14="http://schemas.microsoft.com/office/powerpoint/2010/main" val="3767347129"/>
+        <p14:creationId xmlns:p14="http://schemas.microsoft.com/office/powerpoint/2010/main" val="840414842"/>
       </p:ext>
     </p:extLst>
   </p:cSld>
@@ -1116,7 +3027,7 @@
 </file>
 
 <file path=ppt/slideLayouts/slideLayout3.xml><?xml version="1.0" encoding="utf-8"?>
-<p:sldLayout xmlns:a="http://schemas.openxmlformats.org/drawingml/2006/main" xmlns:r="http://schemas.openxmlformats.org/officeDocument/2006/relationships" xmlns:p="http://schemas.openxmlformats.org/presentationml/2006/main" showMasterSp="0" type="secHead" preserve="1">
+<p:sldLayout xmlns:a="http://schemas.openxmlformats.org/drawingml/2006/main" xmlns:r="http://schemas.openxmlformats.org/officeDocument/2006/relationships" xmlns:p="http://schemas.openxmlformats.org/presentationml/2006/main" type="secHead" preserve="1">
   <p:cSld name="Section Header">
     <p:spTree>
       <p:nvGrpSpPr>
@@ -1134,124 +3045,63 @@
       </p:grpSpPr>
       <p:sp>
         <p:nvSpPr>
-          <p:cNvPr id="7" name="Rectangle 6"/>
-          <p:cNvSpPr/>
-          <p:nvPr/>
+          <p:cNvPr id="2" name="Title 1"/>
+          <p:cNvSpPr>
+            <a:spLocks noGrp="1"/>
+          </p:cNvSpPr>
+          <p:nvPr>
+            <p:ph type="title"/>
+          </p:nvPr>
         </p:nvSpPr>
         <p:spPr>
           <a:xfrm>
-            <a:off x="0" y="4917989"/>
-            <a:ext cx="12192000" cy="1940010"/>
+            <a:off x="677335" y="2700867"/>
+            <a:ext cx="8596668" cy="1826581"/>
           </a:xfrm>
-          <a:prstGeom prst="rect">
-            <a:avLst/>
-          </a:prstGeom>
-          <a:blipFill dpi="0" rotWithShape="1">
-            <a:blip r:embed="rId2">
-              <a:alphaModFix amt="85000"/>
-              <a:lum bright="70000" contrast="-70000"/>
-              <a:extLst>
-                <a:ext uri="{BEBA8EAE-BF5A-486C-A8C5-ECC9F3942E4B}">
-                  <a14:imgProps xmlns:a14="http://schemas.microsoft.com/office/drawing/2010/main">
-                    <a14:imgLayer r:embed="rId3">
-                      <a14:imgEffect>
-                        <a14:sharpenSoften amount="61000"/>
-                      </a14:imgEffect>
-                    </a14:imgLayer>
-                  </a14:imgProps>
-                </a:ext>
-                <a:ext uri="{28A0092B-C50C-407E-A947-70E740481C1C}">
-                  <a14:useLocalDpi xmlns:a14="http://schemas.microsoft.com/office/drawing/2010/main" val="0"/>
-                </a:ext>
-              </a:extLst>
-            </a:blip>
-            <a:srcRect/>
-            <a:tile tx="0" ty="-704850" sx="92000" sy="89000" flip="xy" algn="ctr"/>
-          </a:blipFill>
-          <a:ln>
-            <a:noFill/>
-          </a:ln>
         </p:spPr>
-        <p:style>
-          <a:lnRef idx="2">
-            <a:schemeClr val="accent1">
-              <a:shade val="50000"/>
-            </a:schemeClr>
-          </a:lnRef>
-          <a:fillRef idx="1">
-            <a:schemeClr val="accent1"/>
-          </a:fillRef>
-          <a:effectRef idx="0">
-            <a:schemeClr val="accent1"/>
-          </a:effectRef>
-          <a:fontRef idx="minor">
-            <a:schemeClr val="lt1"/>
-          </a:fontRef>
-        </p:style>
-      </p:sp>
-      <p:sp>
-        <p:nvSpPr>
-          <p:cNvPr id="2" name="Title 1"/>
-          <p:cNvSpPr>
-            <a:spLocks noGrp="1"/>
-          </p:cNvSpPr>
-          <p:nvPr>
-            <p:ph type="title"/>
+        <p:txBody>
+          <a:bodyPr anchor="b"/>
+          <a:lstStyle>
+            <a:lvl1pPr algn="l">
+              <a:defRPr sz="4000" b="0" cap="none"/>
+            </a:lvl1pPr>
+          </a:lstStyle>
+          <a:p>
+            <a:r>
+              <a:rPr lang="en-US"/>
+              <a:t>Click to edit Master title style</a:t>
+            </a:r>
+            <a:endParaRPr lang="en-US" dirty="0"/>
+          </a:p>
+        </p:txBody>
+      </p:sp>
+      <p:sp>
+        <p:nvSpPr>
+          <p:cNvPr id="3" name="Text Placeholder 2"/>
+          <p:cNvSpPr>
+            <a:spLocks noGrp="1"/>
+          </p:cNvSpPr>
+          <p:nvPr>
+            <p:ph type="body" idx="1"/>
           </p:nvPr>
         </p:nvSpPr>
         <p:spPr>
           <a:xfrm>
-            <a:off x="2167128" y="1225296"/>
-            <a:ext cx="9281160" cy="3520440"/>
+            <a:off x="677335" y="4527448"/>
+            <a:ext cx="8596668" cy="860400"/>
           </a:xfrm>
         </p:spPr>
         <p:txBody>
-          <a:bodyPr anchor="ctr">
-            <a:normAutofit/>
-          </a:bodyPr>
+          <a:bodyPr anchor="t"/>
           <a:lstStyle>
-            <a:lvl1pPr>
-              <a:lnSpc>
-                <a:spcPct val="80000"/>
-              </a:lnSpc>
-              <a:defRPr sz="8000" b="0"/>
-            </a:lvl1pPr>
-          </a:lstStyle>
-          <a:p>
-            <a:r>
-              <a:rPr lang="en-US"/>
-              <a:t>Click to edit Master title style</a:t>
-            </a:r>
-            <a:endParaRPr lang="en-US" dirty="0"/>
-          </a:p>
-        </p:txBody>
-      </p:sp>
-      <p:sp>
-        <p:nvSpPr>
-          <p:cNvPr id="3" name="Text Placeholder 2"/>
-          <p:cNvSpPr>
-            <a:spLocks noGrp="1"/>
-          </p:cNvSpPr>
-          <p:nvPr>
-            <p:ph type="body" idx="1"/>
-          </p:nvPr>
-        </p:nvSpPr>
-        <p:spPr>
-          <a:xfrm>
-            <a:off x="2165774" y="5020056"/>
-            <a:ext cx="9052560" cy="1066800"/>
-          </a:xfrm>
-        </p:spPr>
-        <p:txBody>
-          <a:bodyPr anchor="t">
-            <a:normAutofit/>
-          </a:bodyPr>
-          <a:lstStyle>
-            <a:lvl1pPr marL="0" indent="0">
+            <a:lvl1pPr marL="0" indent="0" algn="l">
               <a:buNone/>
               <a:defRPr sz="2000">
                 <a:solidFill>
-                  <a:schemeClr val="tx1"/>
+                  <a:schemeClr val="tx1">
+                    <a:lumMod val="50000"/>
+                    <a:lumOff val="50000"/>
+                  </a:schemeClr>
                 </a:solidFill>
               </a:defRPr>
             </a:lvl1pPr>
@@ -1355,19 +3205,14 @@
             <p:ph type="dt" sz="half" idx="10"/>
           </p:nvPr>
         </p:nvSpPr>
-        <p:spPr>
-          <a:xfrm>
-            <a:off x="8593667" y="6272784"/>
-            <a:ext cx="2644309" cy="365125"/>
-          </a:xfrm>
-        </p:spPr>
+        <p:spPr/>
         <p:txBody>
           <a:bodyPr/>
           <a:lstStyle/>
           <a:p>
             <a:fld id="{AA69BB30-8325-4345-8DFA-998A30CB2488}" type="datetimeFigureOut">
               <a:rPr lang="en-US" smtClean="0"/>
-              <a:t>9/11/2025</a:t>
+              <a:t>9/16/2025</a:t>
             </a:fld>
             <a:endParaRPr lang="en-US"/>
           </a:p>
@@ -1383,12 +3228,7 @@
             <p:ph type="ftr" sz="quarter" idx="11"/>
           </p:nvPr>
         </p:nvSpPr>
-        <p:spPr>
-          <a:xfrm>
-            <a:off x="2182708" y="6272784"/>
-            <a:ext cx="6327648" cy="365125"/>
-          </a:xfrm>
-        </p:spPr>
+        <p:spPr/>
         <p:txBody>
           <a:bodyPr/>
           <a:lstStyle/>
@@ -1397,90 +3237,6 @@
           </a:p>
         </p:txBody>
       </p:sp>
-      <p:grpSp>
-        <p:nvGrpSpPr>
-          <p:cNvPr id="8" name="Group 7"/>
-          <p:cNvGrpSpPr/>
-          <p:nvPr/>
-        </p:nvGrpSpPr>
-        <p:grpSpPr>
-          <a:xfrm>
-            <a:off x="897399" y="2325848"/>
-            <a:ext cx="1080904" cy="1080902"/>
-            <a:chOff x="9685338" y="4460675"/>
-            <a:chExt cx="1080904" cy="1080902"/>
-          </a:xfrm>
-        </p:grpSpPr>
-        <p:sp>
-          <p:nvSpPr>
-            <p:cNvPr id="9" name="Oval 8"/>
-            <p:cNvSpPr/>
-            <p:nvPr/>
-          </p:nvSpPr>
-          <p:spPr>
-            <a:xfrm>
-              <a:off x="9685338" y="4460675"/>
-              <a:ext cx="1080904" cy="1080902"/>
-            </a:xfrm>
-            <a:prstGeom prst="ellipse">
-              <a:avLst/>
-            </a:prstGeom>
-            <a:blipFill dpi="0" rotWithShape="1">
-              <a:blip r:embed="rId4">
-                <a:duotone>
-                  <a:schemeClr val="accent1">
-                    <a:shade val="45000"/>
-                    <a:satMod val="135000"/>
-                  </a:schemeClr>
-                  <a:prstClr val="white"/>
-                </a:duotone>
-                <a:extLst>
-                  <a:ext uri="{BEBA8EAE-BF5A-486C-A8C5-ECC9F3942E4B}">
-                    <a14:imgProps xmlns:a14="http://schemas.microsoft.com/office/drawing/2010/main">
-                      <a14:imgLayer r:embed="rId5">
-                        <a14:imgEffect>
-                          <a14:saturation sat="95000"/>
-                        </a14:imgEffect>
-                      </a14:imgLayer>
-                    </a14:imgProps>
-                  </a:ext>
-                </a:extLst>
-              </a:blip>
-              <a:srcRect/>
-              <a:tile tx="0" ty="0" sx="85000" sy="85000" flip="none" algn="tl"/>
-            </a:blipFill>
-            <a:ln w="25400" cap="flat" cmpd="sng" algn="ctr">
-              <a:noFill/>
-              <a:prstDash val="solid"/>
-            </a:ln>
-            <a:effectLst/>
-          </p:spPr>
-        </p:sp>
-        <p:sp>
-          <p:nvSpPr>
-            <p:cNvPr id="10" name="Oval 9"/>
-            <p:cNvSpPr/>
-            <p:nvPr/>
-          </p:nvSpPr>
-          <p:spPr>
-            <a:xfrm>
-              <a:off x="9793429" y="4568765"/>
-              <a:ext cx="864723" cy="864722"/>
-            </a:xfrm>
-            <a:prstGeom prst="ellipse">
-              <a:avLst/>
-            </a:prstGeom>
-            <a:noFill/>
-            <a:ln w="25400" cap="flat" cmpd="sng" algn="ctr">
-              <a:solidFill>
-                <a:sysClr val="window" lastClr="FFFFFF"/>
-              </a:solidFill>
-              <a:prstDash val="solid"/>
-            </a:ln>
-            <a:effectLst/>
-          </p:spPr>
-        </p:sp>
-      </p:grpSp>
       <p:sp>
         <p:nvSpPr>
           <p:cNvPr id="6" name="Slide Number Placeholder 5"/>
@@ -1491,19 +3247,10 @@
             <p:ph type="sldNum" sz="quarter" idx="12"/>
           </p:nvPr>
         </p:nvSpPr>
-        <p:spPr>
-          <a:xfrm>
-            <a:off x="843702" y="2506133"/>
-            <a:ext cx="1188298" cy="720332"/>
-          </a:xfrm>
-        </p:spPr>
+        <p:spPr/>
         <p:txBody>
           <a:bodyPr/>
-          <a:lstStyle>
-            <a:lvl1pPr>
-              <a:defRPr sz="2800"/>
-            </a:lvl1pPr>
-          </a:lstStyle>
+          <a:lstStyle/>
           <a:p>
             <a:fld id="{FDFB9C32-4155-43F0-9D69-97C79EB91DC0}" type="slidenum">
               <a:rPr lang="en-US" smtClean="0"/>
@@ -1516,7 +3263,7 @@
     </p:spTree>
     <p:extLst>
       <p:ext uri="{BB962C8B-B14F-4D97-AF65-F5344CB8AC3E}">
-        <p14:creationId xmlns:p14="http://schemas.microsoft.com/office/powerpoint/2010/main" val="1293840178"/>
+        <p14:creationId xmlns:p14="http://schemas.microsoft.com/office/powerpoint/2010/main" val="2361445393"/>
       </p:ext>
     </p:extLst>
   </p:cSld>
@@ -1578,41 +3325,13 @@
         </p:nvSpPr>
         <p:spPr>
           <a:xfrm>
-            <a:off x="1069848" y="2194560"/>
-            <a:ext cx="4754880" cy="3977640"/>
+            <a:off x="677334" y="2160589"/>
+            <a:ext cx="4184035" cy="3880772"/>
           </a:xfrm>
         </p:spPr>
         <p:txBody>
           <a:bodyPr/>
-          <a:lstStyle>
-            <a:lvl1pPr>
-              <a:defRPr sz="2000"/>
-            </a:lvl1pPr>
-            <a:lvl2pPr>
-              <a:defRPr sz="1800"/>
-            </a:lvl2pPr>
-            <a:lvl3pPr>
-              <a:defRPr sz="1600"/>
-            </a:lvl3pPr>
-            <a:lvl4pPr>
-              <a:defRPr sz="1600"/>
-            </a:lvl4pPr>
-            <a:lvl5pPr>
-              <a:defRPr sz="1600"/>
-            </a:lvl5pPr>
-            <a:lvl6pPr>
-              <a:defRPr sz="1600"/>
-            </a:lvl6pPr>
-            <a:lvl7pPr>
-              <a:defRPr sz="1600"/>
-            </a:lvl7pPr>
-            <a:lvl8pPr>
-              <a:defRPr sz="1600"/>
-            </a:lvl8pPr>
-            <a:lvl9pPr>
-              <a:defRPr sz="1600"/>
-            </a:lvl9pPr>
-          </a:lstStyle>
+          <a:lstStyle/>
           <a:p>
             <a:pPr lvl="0"/>
             <a:r>
@@ -1663,41 +3382,13 @@
         </p:nvSpPr>
         <p:spPr>
           <a:xfrm>
-            <a:off x="6364224" y="2194560"/>
-            <a:ext cx="4754880" cy="3977640"/>
+            <a:off x="5089970" y="2160589"/>
+            <a:ext cx="4184034" cy="3880773"/>
           </a:xfrm>
         </p:spPr>
         <p:txBody>
           <a:bodyPr/>
-          <a:lstStyle>
-            <a:lvl1pPr>
-              <a:defRPr sz="2000"/>
-            </a:lvl1pPr>
-            <a:lvl2pPr>
-              <a:defRPr sz="1800"/>
-            </a:lvl2pPr>
-            <a:lvl3pPr>
-              <a:defRPr sz="1600"/>
-            </a:lvl3pPr>
-            <a:lvl4pPr>
-              <a:defRPr sz="1600"/>
-            </a:lvl4pPr>
-            <a:lvl5pPr>
-              <a:defRPr sz="1600"/>
-            </a:lvl5pPr>
-            <a:lvl6pPr>
-              <a:defRPr sz="1600"/>
-            </a:lvl6pPr>
-            <a:lvl7pPr>
-              <a:defRPr sz="1600"/>
-            </a:lvl7pPr>
-            <a:lvl8pPr>
-              <a:defRPr sz="1600"/>
-            </a:lvl8pPr>
-            <a:lvl9pPr>
-              <a:defRPr sz="1600"/>
-            </a:lvl9pPr>
-          </a:lstStyle>
+          <a:lstStyle/>
           <a:p>
             <a:pPr lvl="0"/>
             <a:r>
@@ -1753,7 +3444,7 @@
           <a:p>
             <a:fld id="{AA69BB30-8325-4345-8DFA-998A30CB2488}" type="datetimeFigureOut">
               <a:rPr lang="en-US" smtClean="0"/>
-              <a:t>9/11/2025</a:t>
+              <a:t>9/16/2025</a:t>
             </a:fld>
             <a:endParaRPr lang="en-US"/>
           </a:p>
@@ -1804,7 +3495,7 @@
     </p:spTree>
     <p:extLst>
       <p:ext uri="{BB962C8B-B14F-4D97-AF65-F5344CB8AC3E}">
-        <p14:creationId xmlns:p14="http://schemas.microsoft.com/office/powerpoint/2010/main" val="3155769868"/>
+        <p14:creationId xmlns:p14="http://schemas.microsoft.com/office/powerpoint/2010/main" val="1271966166"/>
       </p:ext>
     </p:extLst>
   </p:cSld>
@@ -1833,7 +3524,7 @@
       </p:grpSpPr>
       <p:sp>
         <p:nvSpPr>
-          <p:cNvPr id="10" name="Title 9"/>
+          <p:cNvPr id="2" name="Title 1"/>
           <p:cNvSpPr>
             <a:spLocks noGrp="1"/>
           </p:cNvSpPr>
@@ -1844,7 +3535,11 @@
         <p:spPr/>
         <p:txBody>
           <a:bodyPr/>
-          <a:lstStyle/>
+          <a:lstStyle>
+            <a:lvl1pPr>
+              <a:defRPr/>
+            </a:lvl1pPr>
+          </a:lstStyle>
           <a:p>
             <a:r>
               <a:rPr lang="en-US"/>
@@ -1866,24 +3561,18 @@
         </p:nvSpPr>
         <p:spPr>
           <a:xfrm>
-            <a:off x="1066800" y="2048256"/>
-            <a:ext cx="4754880" cy="640080"/>
+            <a:off x="675745" y="2160983"/>
+            <a:ext cx="4185623" cy="576262"/>
           </a:xfrm>
         </p:spPr>
         <p:txBody>
-          <a:bodyPr anchor="ctr">
-            <a:normAutofit/>
+          <a:bodyPr anchor="b">
+            <a:noAutofit/>
           </a:bodyPr>
           <a:lstStyle>
             <a:lvl1pPr marL="0" indent="0">
               <a:buNone/>
-              <a:defRPr sz="2000" b="1">
-                <a:solidFill>
-                  <a:schemeClr val="accent1">
-                    <a:lumMod val="75000"/>
-                  </a:schemeClr>
-                </a:solidFill>
-              </a:defRPr>
+              <a:defRPr sz="2400" b="0"/>
             </a:lvl1pPr>
             <a:lvl2pPr marL="457200" indent="0">
               <a:buNone/>
@@ -1939,41 +3628,15 @@
         </p:nvSpPr>
         <p:spPr>
           <a:xfrm>
-            <a:off x="1069848" y="2743200"/>
-            <a:ext cx="4754880" cy="3291840"/>
+            <a:off x="675745" y="2737245"/>
+            <a:ext cx="4185623" cy="3304117"/>
           </a:xfrm>
         </p:spPr>
         <p:txBody>
-          <a:bodyPr/>
-          <a:lstStyle>
-            <a:lvl1pPr>
-              <a:defRPr sz="2000"/>
-            </a:lvl1pPr>
-            <a:lvl2pPr>
-              <a:defRPr sz="1800"/>
-            </a:lvl2pPr>
-            <a:lvl3pPr>
-              <a:defRPr sz="1600"/>
-            </a:lvl3pPr>
-            <a:lvl4pPr>
-              <a:defRPr sz="1600"/>
-            </a:lvl4pPr>
-            <a:lvl5pPr>
-              <a:defRPr sz="1600"/>
-            </a:lvl5pPr>
-            <a:lvl6pPr>
-              <a:defRPr sz="1600"/>
-            </a:lvl6pPr>
-            <a:lvl7pPr>
-              <a:defRPr sz="1600"/>
-            </a:lvl7pPr>
-            <a:lvl8pPr>
-              <a:defRPr sz="1600"/>
-            </a:lvl8pPr>
-            <a:lvl9pPr>
-              <a:defRPr sz="1600"/>
-            </a:lvl9pPr>
-          </a:lstStyle>
+          <a:bodyPr>
+            <a:normAutofit/>
+          </a:bodyPr>
+          <a:lstStyle/>
           <a:p>
             <a:pPr lvl="0"/>
             <a:r>
@@ -2024,24 +3687,18 @@
         </p:nvSpPr>
         <p:spPr>
           <a:xfrm>
-            <a:off x="6364224" y="2048256"/>
-            <a:ext cx="4754880" cy="640080"/>
+            <a:off x="5088383" y="2160983"/>
+            <a:ext cx="4185618" cy="576262"/>
           </a:xfrm>
         </p:spPr>
         <p:txBody>
-          <a:bodyPr anchor="ctr">
-            <a:normAutofit/>
+          <a:bodyPr anchor="b">
+            <a:noAutofit/>
           </a:bodyPr>
           <a:lstStyle>
             <a:lvl1pPr marL="0" indent="0">
               <a:buNone/>
-              <a:defRPr sz="2000" b="1">
-                <a:solidFill>
-                  <a:schemeClr val="accent1">
-                    <a:lumMod val="75000"/>
-                  </a:schemeClr>
-                </a:solidFill>
-              </a:defRPr>
+              <a:defRPr sz="2400" b="0"/>
             </a:lvl1pPr>
             <a:lvl2pPr marL="457200" indent="0">
               <a:buNone/>
@@ -2097,41 +3754,15 @@
         </p:nvSpPr>
         <p:spPr>
           <a:xfrm>
-            <a:off x="6364224" y="2743200"/>
-            <a:ext cx="4754880" cy="3291840"/>
+            <a:off x="5088384" y="2737245"/>
+            <a:ext cx="4185617" cy="3304117"/>
           </a:xfrm>
         </p:spPr>
         <p:txBody>
-          <a:bodyPr/>
-          <a:lstStyle>
-            <a:lvl1pPr>
-              <a:defRPr sz="2000"/>
-            </a:lvl1pPr>
-            <a:lvl2pPr>
-              <a:defRPr sz="1800"/>
-            </a:lvl2pPr>
-            <a:lvl3pPr>
-              <a:defRPr sz="1600"/>
-            </a:lvl3pPr>
-            <a:lvl4pPr>
-              <a:defRPr sz="1600"/>
-            </a:lvl4pPr>
-            <a:lvl5pPr>
-              <a:defRPr sz="1600"/>
-            </a:lvl5pPr>
-            <a:lvl6pPr>
-              <a:defRPr sz="1600"/>
-            </a:lvl6pPr>
-            <a:lvl7pPr>
-              <a:defRPr sz="1600"/>
-            </a:lvl7pPr>
-            <a:lvl8pPr>
-              <a:defRPr sz="1600"/>
-            </a:lvl8pPr>
-            <a:lvl9pPr>
-              <a:defRPr sz="1600"/>
-            </a:lvl9pPr>
-          </a:lstStyle>
+          <a:bodyPr>
+            <a:normAutofit/>
+          </a:bodyPr>
+          <a:lstStyle/>
           <a:p>
             <a:pPr lvl="0"/>
             <a:r>
@@ -2187,7 +3818,7 @@
           <a:p>
             <a:fld id="{AA69BB30-8325-4345-8DFA-998A30CB2488}" type="datetimeFigureOut">
               <a:rPr lang="en-US" smtClean="0"/>
-              <a:t>9/11/2025</a:t>
+              <a:t>9/16/2025</a:t>
             </a:fld>
             <a:endParaRPr lang="en-US"/>
           </a:p>
@@ -2238,7 +3869,7 @@
     </p:spTree>
     <p:extLst>
       <p:ext uri="{BB962C8B-B14F-4D97-AF65-F5344CB8AC3E}">
-        <p14:creationId xmlns:p14="http://schemas.microsoft.com/office/powerpoint/2010/main" val="1794666838"/>
+        <p14:creationId xmlns:p14="http://schemas.microsoft.com/office/powerpoint/2010/main" val="3841238954"/>
       </p:ext>
     </p:extLst>
   </p:cSld>
@@ -2267,7 +3898,7 @@
       </p:grpSpPr>
       <p:sp>
         <p:nvSpPr>
-          <p:cNvPr id="6" name="Title 5"/>
+          <p:cNvPr id="2" name="Title 1"/>
           <p:cNvSpPr>
             <a:spLocks noGrp="1"/>
           </p:cNvSpPr>
@@ -2275,7 +3906,12 @@
             <p:ph type="title"/>
           </p:nvPr>
         </p:nvSpPr>
-        <p:spPr/>
+        <p:spPr>
+          <a:xfrm>
+            <a:off x="677334" y="609600"/>
+            <a:ext cx="8596668" cy="1320800"/>
+          </a:xfrm>
+        </p:spPr>
         <p:txBody>
           <a:bodyPr/>
           <a:lstStyle/>
@@ -2305,7 +3941,7 @@
           <a:p>
             <a:fld id="{AA69BB30-8325-4345-8DFA-998A30CB2488}" type="datetimeFigureOut">
               <a:rPr lang="en-US" smtClean="0"/>
-              <a:t>9/11/2025</a:t>
+              <a:t>9/16/2025</a:t>
             </a:fld>
             <a:endParaRPr lang="en-US"/>
           </a:p>
@@ -2356,7 +3992,7 @@
     </p:spTree>
     <p:extLst>
       <p:ext uri="{BB962C8B-B14F-4D97-AF65-F5344CB8AC3E}">
-        <p14:creationId xmlns:p14="http://schemas.microsoft.com/office/powerpoint/2010/main" val="303910312"/>
+        <p14:creationId xmlns:p14="http://schemas.microsoft.com/office/powerpoint/2010/main" val="2154582429"/>
       </p:ext>
     </p:extLst>
   </p:cSld>
@@ -2400,7 +4036,7 @@
           <a:p>
             <a:fld id="{AA69BB30-8325-4345-8DFA-998A30CB2488}" type="datetimeFigureOut">
               <a:rPr lang="en-US" smtClean="0"/>
-              <a:t>9/11/2025</a:t>
+              <a:t>9/16/2025</a:t>
             </a:fld>
             <a:endParaRPr lang="en-US"/>
           </a:p>
@@ -2451,7 +4087,7 @@
     </p:spTree>
     <p:extLst>
       <p:ext uri="{BB962C8B-B14F-4D97-AF65-F5344CB8AC3E}">
-        <p14:creationId xmlns:p14="http://schemas.microsoft.com/office/powerpoint/2010/main" val="2304643815"/>
+        <p14:creationId xmlns:p14="http://schemas.microsoft.com/office/powerpoint/2010/main" val="4080573247"/>
       </p:ext>
     </p:extLst>
   </p:cSld>
@@ -2462,7 +4098,7 @@
 </file>
 
 <file path=ppt/slideLayouts/slideLayout8.xml><?xml version="1.0" encoding="utf-8"?>
-<p:sldLayout xmlns:a="http://schemas.openxmlformats.org/drawingml/2006/main" xmlns:r="http://schemas.openxmlformats.org/officeDocument/2006/relationships" xmlns:p="http://schemas.openxmlformats.org/presentationml/2006/main" showMasterSp="0" type="objTx" preserve="1">
+<p:sldLayout xmlns:a="http://schemas.openxmlformats.org/drawingml/2006/main" xmlns:r="http://schemas.openxmlformats.org/officeDocument/2006/relationships" xmlns:p="http://schemas.openxmlformats.org/presentationml/2006/main" type="objTx" preserve="1">
   <p:cSld name="Content with Caption">
     <p:spTree>
       <p:nvGrpSpPr>
@@ -2480,75 +4116,18 @@
       </p:grpSpPr>
       <p:sp>
         <p:nvSpPr>
-          <p:cNvPr id="8" name="Rectangle 7"/>
-          <p:cNvSpPr/>
-          <p:nvPr/>
+          <p:cNvPr id="2" name="Title 1"/>
+          <p:cNvSpPr>
+            <a:spLocks noGrp="1"/>
+          </p:cNvSpPr>
+          <p:nvPr>
+            <p:ph type="title"/>
+          </p:nvPr>
         </p:nvSpPr>
         <p:spPr>
           <a:xfrm>
-            <a:off x="8303740" y="0"/>
-            <a:ext cx="3888259" cy="6857999"/>
-          </a:xfrm>
-          <a:prstGeom prst="rect">
-            <a:avLst/>
-          </a:prstGeom>
-          <a:blipFill dpi="0" rotWithShape="1">
-            <a:blip r:embed="rId2">
-              <a:alphaModFix amt="60000"/>
-              <a:lum bright="70000" contrast="-70000"/>
-              <a:extLst>
-                <a:ext uri="{BEBA8EAE-BF5A-486C-A8C5-ECC9F3942E4B}">
-                  <a14:imgProps xmlns:a14="http://schemas.microsoft.com/office/drawing/2010/main">
-                    <a14:imgLayer r:embed="rId3">
-                      <a14:imgEffect>
-                        <a14:sharpenSoften amount="61000"/>
-                      </a14:imgEffect>
-                    </a14:imgLayer>
-                  </a14:imgProps>
-                </a:ext>
-                <a:ext uri="{28A0092B-C50C-407E-A947-70E740481C1C}">
-                  <a14:useLocalDpi xmlns:a14="http://schemas.microsoft.com/office/drawing/2010/main" val="0"/>
-                </a:ext>
-              </a:extLst>
-            </a:blip>
-            <a:srcRect/>
-            <a:tile tx="0" ty="-704850" sx="92000" sy="89000" flip="xy" algn="ctr"/>
-          </a:blipFill>
-          <a:ln>
-            <a:noFill/>
-          </a:ln>
-        </p:spPr>
-        <p:style>
-          <a:lnRef idx="2">
-            <a:schemeClr val="accent1">
-              <a:shade val="50000"/>
-            </a:schemeClr>
-          </a:lnRef>
-          <a:fillRef idx="1">
-            <a:schemeClr val="accent1"/>
-          </a:fillRef>
-          <a:effectRef idx="0">
-            <a:schemeClr val="accent1"/>
-          </a:effectRef>
-          <a:fontRef idx="minor">
-            <a:schemeClr val="lt1"/>
-          </a:fontRef>
-        </p:style>
-      </p:sp>
-      <p:sp>
-        <p:nvSpPr>
-          <p:cNvPr id="2" name="Title 1"/>
-          <p:cNvSpPr>
-            <a:spLocks noGrp="1"/>
-          </p:cNvSpPr>
-          <p:nvPr>
-            <p:ph type="title"/>
-          </p:nvPr>
-        </p:nvSpPr>
-        <p:spPr>
-          <a:xfrm>
-            <a:off x="8549640" y="685800"/>
-            <a:ext cx="3200400" cy="1737360"/>
+            <a:off x="677334" y="1498604"/>
+            <a:ext cx="3854528" cy="1278466"/>
           </a:xfrm>
         </p:spPr>
         <p:txBody>
@@ -2557,7 +4136,7 @@
           </a:bodyPr>
           <a:lstStyle>
             <a:lvl1pPr>
-              <a:defRPr sz="3200" b="1"/>
+              <a:defRPr sz="2000"/>
             </a:lvl1pPr>
           </a:lstStyle>
           <a:p>
@@ -2581,41 +4160,15 @@
         </p:nvSpPr>
         <p:spPr>
           <a:xfrm>
-            <a:off x="838200" y="685800"/>
-            <a:ext cx="6711696" cy="5020056"/>
+            <a:off x="4760461" y="514924"/>
+            <a:ext cx="4513541" cy="5526437"/>
           </a:xfrm>
         </p:spPr>
         <p:txBody>
-          <a:bodyPr/>
-          <a:lstStyle>
-            <a:lvl1pPr>
-              <a:defRPr sz="2000"/>
-            </a:lvl1pPr>
-            <a:lvl2pPr>
-              <a:defRPr sz="1800"/>
-            </a:lvl2pPr>
-            <a:lvl3pPr>
-              <a:defRPr sz="1600"/>
-            </a:lvl3pPr>
-            <a:lvl4pPr>
-              <a:defRPr sz="1600"/>
-            </a:lvl4pPr>
-            <a:lvl5pPr>
-              <a:defRPr sz="1600"/>
-            </a:lvl5pPr>
-            <a:lvl6pPr>
-              <a:defRPr sz="1600"/>
-            </a:lvl6pPr>
-            <a:lvl7pPr>
-              <a:defRPr sz="1600"/>
-            </a:lvl7pPr>
-            <a:lvl8pPr>
-              <a:defRPr sz="1600"/>
-            </a:lvl8pPr>
-            <a:lvl9pPr>
-              <a:defRPr sz="1600"/>
-            </a:lvl9pPr>
-          </a:lstStyle>
+          <a:bodyPr>
+            <a:normAutofit/>
+          </a:bodyPr>
+          <a:lstStyle/>
           <a:p>
             <a:pPr lvl="0"/>
             <a:r>
@@ -2666,8 +4219,8 @@
         </p:nvSpPr>
         <p:spPr>
           <a:xfrm>
-            <a:off x="8549640" y="2423160"/>
-            <a:ext cx="3200400" cy="3291840"/>
+            <a:off x="677334" y="2777069"/>
+            <a:ext cx="3854528" cy="2584449"/>
           </a:xfrm>
         </p:spPr>
         <p:txBody>
@@ -2676,52 +4229,40 @@
           </a:bodyPr>
           <a:lstStyle>
             <a:lvl1pPr marL="0" indent="0">
-              <a:lnSpc>
-                <a:spcPct val="100000"/>
-              </a:lnSpc>
-              <a:spcBef>
-                <a:spcPts val="1000"/>
-              </a:spcBef>
-              <a:buNone/>
-              <a:defRPr sz="1400">
-                <a:solidFill>
-                  <a:schemeClr val="accent1">
-                    <a:lumMod val="75000"/>
-                  </a:schemeClr>
-                </a:solidFill>
-              </a:defRPr>
+              <a:buNone/>
+              <a:defRPr sz="1400"/>
             </a:lvl1pPr>
-            <a:lvl2pPr marL="457200" indent="0">
+            <a:lvl2pPr marL="457063" indent="0">
+              <a:buNone/>
+              <a:defRPr sz="1400"/>
+            </a:lvl2pPr>
+            <a:lvl3pPr marL="914126" indent="0">
               <a:buNone/>
               <a:defRPr sz="1200"/>
-            </a:lvl2pPr>
-            <a:lvl3pPr marL="914400" indent="0">
+            </a:lvl3pPr>
+            <a:lvl4pPr marL="1371189" indent="0">
               <a:buNone/>
               <a:defRPr sz="1000"/>
-            </a:lvl3pPr>
-            <a:lvl4pPr marL="1371600" indent="0">
-              <a:buNone/>
-              <a:defRPr sz="900"/>
             </a:lvl4pPr>
-            <a:lvl5pPr marL="1828800" indent="0">
-              <a:buNone/>
-              <a:defRPr sz="900"/>
+            <a:lvl5pPr marL="1828251" indent="0">
+              <a:buNone/>
+              <a:defRPr sz="1000"/>
             </a:lvl5pPr>
-            <a:lvl6pPr marL="2286000" indent="0">
-              <a:buNone/>
-              <a:defRPr sz="900"/>
+            <a:lvl6pPr marL="2285314" indent="0">
+              <a:buNone/>
+              <a:defRPr sz="1000"/>
             </a:lvl6pPr>
-            <a:lvl7pPr marL="2743200" indent="0">
-              <a:buNone/>
-              <a:defRPr sz="900"/>
+            <a:lvl7pPr marL="2742377" indent="0">
+              <a:buNone/>
+              <a:defRPr sz="1000"/>
             </a:lvl7pPr>
-            <a:lvl8pPr marL="3200400" indent="0">
-              <a:buNone/>
-              <a:defRPr sz="900"/>
+            <a:lvl8pPr marL="3199440" indent="0">
+              <a:buNone/>
+              <a:defRPr sz="1000"/>
             </a:lvl8pPr>
-            <a:lvl9pPr marL="3657600" indent="0">
-              <a:buNone/>
-              <a:defRPr sz="900"/>
+            <a:lvl9pPr marL="3656503" indent="0">
+              <a:buNone/>
+              <a:defRPr sz="1000"/>
             </a:lvl9pPr>
           </a:lstStyle>
           <a:p>
@@ -2750,7 +4291,7 @@
           <a:p>
             <a:fld id="{AA69BB30-8325-4345-8DFA-998A30CB2488}" type="datetimeFigureOut">
               <a:rPr lang="en-US" smtClean="0"/>
-              <a:t>9/11/2025</a:t>
+              <a:t>9/16/2025</a:t>
             </a:fld>
             <a:endParaRPr lang="en-US"/>
           </a:p>
@@ -2775,95 +4316,6 @@
           </a:p>
         </p:txBody>
       </p:sp>
-      <p:grpSp>
-        <p:nvGrpSpPr>
-          <p:cNvPr id="9" name="Group 8"/>
-          <p:cNvGrpSpPr>
-            <a:grpSpLocks noChangeAspect="1"/>
-          </p:cNvGrpSpPr>
-          <p:nvPr/>
-        </p:nvGrpSpPr>
-        <p:grpSpPr>
-          <a:xfrm>
-            <a:off x="11401725" y="6229681"/>
-            <a:ext cx="457200" cy="457200"/>
-            <a:chOff x="11361456" y="6195813"/>
-            <a:chExt cx="548640" cy="548640"/>
-          </a:xfrm>
-        </p:grpSpPr>
-        <p:sp>
-          <p:nvSpPr>
-            <p:cNvPr id="10" name="Oval 9"/>
-            <p:cNvSpPr/>
-            <p:nvPr/>
-          </p:nvSpPr>
-          <p:spPr>
-            <a:xfrm>
-              <a:off x="11361456" y="6195813"/>
-              <a:ext cx="548640" cy="548640"/>
-            </a:xfrm>
-            <a:prstGeom prst="ellipse">
-              <a:avLst/>
-            </a:prstGeom>
-            <a:blipFill dpi="0" rotWithShape="1">
-              <a:blip r:embed="rId4">
-                <a:duotone>
-                  <a:schemeClr val="accent1">
-                    <a:shade val="45000"/>
-                    <a:satMod val="135000"/>
-                  </a:schemeClr>
-                  <a:prstClr val="white"/>
-                </a:duotone>
-                <a:extLst>
-                  <a:ext uri="{BEBA8EAE-BF5A-486C-A8C5-ECC9F3942E4B}">
-                    <a14:imgProps xmlns:a14="http://schemas.microsoft.com/office/drawing/2010/main">
-                      <a14:imgLayer r:embed="rId5">
-                        <a14:imgEffect>
-                          <a14:saturation sat="95000"/>
-                        </a14:imgEffect>
-                        <a14:imgEffect>
-                          <a14:brightnessContrast bright="-40000" contrast="20000"/>
-                        </a14:imgEffect>
-                      </a14:imgLayer>
-                    </a14:imgProps>
-                  </a:ext>
-                </a:extLst>
-              </a:blip>
-              <a:srcRect/>
-              <a:tile tx="50800" ty="0" sx="85000" sy="85000" flip="none" algn="tl"/>
-            </a:blipFill>
-            <a:ln w="25400" cap="flat" cmpd="sng" algn="ctr">
-              <a:noFill/>
-              <a:prstDash val="solid"/>
-            </a:ln>
-            <a:effectLst/>
-          </p:spPr>
-        </p:sp>
-        <p:sp>
-          <p:nvSpPr>
-            <p:cNvPr id="11" name="Oval 10"/>
-            <p:cNvSpPr/>
-            <p:nvPr/>
-          </p:nvSpPr>
-          <p:spPr>
-            <a:xfrm>
-              <a:off x="11396488" y="6230844"/>
-              <a:ext cx="478576" cy="478578"/>
-            </a:xfrm>
-            <a:prstGeom prst="ellipse">
-              <a:avLst/>
-            </a:prstGeom>
-            <a:noFill/>
-            <a:ln w="12700" cap="flat" cmpd="sng" algn="ctr">
-              <a:solidFill>
-                <a:sysClr val="window" lastClr="FFFFFF"/>
-              </a:solidFill>
-              <a:prstDash val="solid"/>
-            </a:ln>
-            <a:effectLst/>
-          </p:spPr>
-        </p:sp>
-      </p:grpSp>
       <p:sp>
         <p:nvSpPr>
           <p:cNvPr id="7" name="Slide Number Placeholder 6"/>
@@ -2890,7 +4342,7 @@
     </p:spTree>
     <p:extLst>
       <p:ext uri="{BB962C8B-B14F-4D97-AF65-F5344CB8AC3E}">
-        <p14:creationId xmlns:p14="http://schemas.microsoft.com/office/powerpoint/2010/main" val="4069270074"/>
+        <p14:creationId xmlns:p14="http://schemas.microsoft.com/office/powerpoint/2010/main" val="1864172126"/>
       </p:ext>
     </p:extLst>
   </p:cSld>
@@ -2901,7 +4353,7 @@
 </file>
 
 <file path=ppt/slideLayouts/slideLayout9.xml><?xml version="1.0" encoding="utf-8"?>
-<p:sldLayout xmlns:a="http://schemas.openxmlformats.org/drawingml/2006/main" xmlns:r="http://schemas.openxmlformats.org/officeDocument/2006/relationships" xmlns:p="http://schemas.openxmlformats.org/presentationml/2006/main" showMasterSp="0" type="picTx" preserve="1">
+<p:sldLayout xmlns:a="http://schemas.openxmlformats.org/drawingml/2006/main" xmlns:r="http://schemas.openxmlformats.org/officeDocument/2006/relationships" xmlns:p="http://schemas.openxmlformats.org/presentationml/2006/main" type="picTx" preserve="1">
   <p:cSld name="Picture with Caption">
     <p:spTree>
       <p:nvGrpSpPr>
@@ -2919,75 +4371,18 @@
       </p:grpSpPr>
       <p:sp>
         <p:nvSpPr>
-          <p:cNvPr id="11" name="Rectangle 10"/>
-          <p:cNvSpPr/>
-          <p:nvPr/>
+          <p:cNvPr id="2" name="Title 1"/>
+          <p:cNvSpPr>
+            <a:spLocks noGrp="1"/>
+          </p:cNvSpPr>
+          <p:nvPr>
+            <p:ph type="title"/>
+          </p:nvPr>
         </p:nvSpPr>
         <p:spPr>
           <a:xfrm>
-            <a:off x="8303740" y="0"/>
-            <a:ext cx="3888259" cy="6857999"/>
-          </a:xfrm>
-          <a:prstGeom prst="rect">
-            <a:avLst/>
-          </a:prstGeom>
-          <a:blipFill dpi="0" rotWithShape="1">
-            <a:blip r:embed="rId2">
-              <a:alphaModFix amt="60000"/>
-              <a:lum bright="70000" contrast="-70000"/>
-              <a:extLst>
-                <a:ext uri="{BEBA8EAE-BF5A-486C-A8C5-ECC9F3942E4B}">
-                  <a14:imgProps xmlns:a14="http://schemas.microsoft.com/office/drawing/2010/main">
-                    <a14:imgLayer r:embed="rId3">
-                      <a14:imgEffect>
-                        <a14:sharpenSoften amount="61000"/>
-                      </a14:imgEffect>
-                    </a14:imgLayer>
-                  </a14:imgProps>
-                </a:ext>
-                <a:ext uri="{28A0092B-C50C-407E-A947-70E740481C1C}">
-                  <a14:useLocalDpi xmlns:a14="http://schemas.microsoft.com/office/drawing/2010/main" val="0"/>
-                </a:ext>
-              </a:extLst>
-            </a:blip>
-            <a:srcRect/>
-            <a:tile tx="0" ty="-704850" sx="92000" sy="89000" flip="xy" algn="ctr"/>
-          </a:blipFill>
-          <a:ln>
-            <a:noFill/>
-          </a:ln>
-        </p:spPr>
-        <p:style>
-          <a:lnRef idx="2">
-            <a:schemeClr val="accent1">
-              <a:shade val="50000"/>
-            </a:schemeClr>
-          </a:lnRef>
-          <a:fillRef idx="1">
-            <a:schemeClr val="accent1"/>
-          </a:fillRef>
-          <a:effectRef idx="0">
-            <a:schemeClr val="accent1"/>
-          </a:effectRef>
-          <a:fontRef idx="minor">
-            <a:schemeClr val="lt1"/>
-          </a:fontRef>
-        </p:style>
-      </p:sp>
-      <p:sp>
-        <p:nvSpPr>
-          <p:cNvPr id="2" name="Title 1"/>
-          <p:cNvSpPr>
-            <a:spLocks noGrp="1"/>
-          </p:cNvSpPr>
-          <p:nvPr>
-            <p:ph type="title"/>
-          </p:nvPr>
-        </p:nvSpPr>
-        <p:spPr>
-          <a:xfrm>
-            <a:off x="8549640" y="685800"/>
-            <a:ext cx="3200400" cy="1737360"/>
+            <a:off x="677334" y="4800600"/>
+            <a:ext cx="8596667" cy="566738"/>
           </a:xfrm>
         </p:spPr>
         <p:txBody>
@@ -2995,8 +4390,8 @@
             <a:normAutofit/>
           </a:bodyPr>
           <a:lstStyle>
-            <a:lvl1pPr>
-              <a:defRPr sz="3200" b="1"/>
+            <a:lvl1pPr algn="l">
+              <a:defRPr sz="2400" b="0"/>
             </a:lvl1pPr>
           </a:lstStyle>
           <a:p>
@@ -3020,54 +4415,50 @@
         </p:nvSpPr>
         <p:spPr>
           <a:xfrm>
-            <a:off x="0" y="0"/>
-            <a:ext cx="8303740" cy="6858000"/>
+            <a:off x="677334" y="609600"/>
+            <a:ext cx="8596668" cy="3845718"/>
           </a:xfrm>
-          <a:solidFill>
-            <a:schemeClr val="tx2">
-              <a:lumMod val="20000"/>
-              <a:lumOff val="80000"/>
-            </a:schemeClr>
-          </a:solidFill>
         </p:spPr>
         <p:txBody>
-          <a:bodyPr anchor="t"/>
+          <a:bodyPr anchor="t">
+            <a:normAutofit/>
+          </a:bodyPr>
           <a:lstStyle>
-            <a:lvl1pPr marL="0" indent="0">
-              <a:buNone/>
-              <a:defRPr sz="3200"/>
+            <a:lvl1pPr marL="0" indent="0" algn="ctr">
+              <a:buNone/>
+              <a:defRPr sz="1600"/>
             </a:lvl1pPr>
             <a:lvl2pPr marL="457200" indent="0">
               <a:buNone/>
-              <a:defRPr sz="2800"/>
+              <a:defRPr sz="1600"/>
             </a:lvl2pPr>
             <a:lvl3pPr marL="914400" indent="0">
               <a:buNone/>
-              <a:defRPr sz="2400"/>
+              <a:defRPr sz="1600"/>
             </a:lvl3pPr>
             <a:lvl4pPr marL="1371600" indent="0">
               <a:buNone/>
-              <a:defRPr sz="2000"/>
+              <a:defRPr sz="1600"/>
             </a:lvl4pPr>
             <a:lvl5pPr marL="1828800" indent="0">
               <a:buNone/>
-              <a:defRPr sz="2000"/>
+              <a:defRPr sz="1600"/>
             </a:lvl5pPr>
             <a:lvl6pPr marL="2286000" indent="0">
               <a:buNone/>
-              <a:defRPr sz="2000"/>
+              <a:defRPr sz="1600"/>
             </a:lvl6pPr>
             <a:lvl7pPr marL="2743200" indent="0">
               <a:buNone/>
-              <a:defRPr sz="2000"/>
+              <a:defRPr sz="1600"/>
             </a:lvl7pPr>
             <a:lvl8pPr marL="3200400" indent="0">
               <a:buNone/>
-              <a:defRPr sz="2000"/>
+              <a:defRPr sz="1600"/>
             </a:lvl8pPr>
             <a:lvl9pPr marL="3657600" indent="0">
               <a:buNone/>
-              <a:defRPr sz="2000"/>
+              <a:defRPr sz="1600"/>
             </a:lvl9pPr>
           </a:lstStyle>
           <a:p>
@@ -3091,8 +4482,8 @@
         </p:nvSpPr>
         <p:spPr>
           <a:xfrm>
-            <a:off x="8549640" y="2423160"/>
-            <a:ext cx="3200400" cy="3291840"/>
+            <a:off x="677334" y="5367338"/>
+            <a:ext cx="8596667" cy="674024"/>
           </a:xfrm>
         </p:spPr>
         <p:txBody>
@@ -3101,20 +4492,8 @@
           </a:bodyPr>
           <a:lstStyle>
             <a:lvl1pPr marL="0" indent="0">
-              <a:lnSpc>
-                <a:spcPct val="100000"/>
-              </a:lnSpc>
-              <a:spcBef>
-                <a:spcPts val="1000"/>
-              </a:spcBef>
-              <a:buNone/>
-              <a:defRPr sz="1400">
-                <a:solidFill>
-                  <a:schemeClr val="accent1">
-                    <a:lumMod val="75000"/>
-                  </a:schemeClr>
-                </a:solidFill>
-              </a:defRPr>
+              <a:buNone/>
+              <a:defRPr sz="1200"/>
             </a:lvl1pPr>
             <a:lvl2pPr marL="457200" indent="0">
               <a:buNone/>
@@ -3175,101 +4554,31 @@
           <a:p>
             <a:fld id="{AA69BB30-8325-4345-8DFA-998A30CB2488}" type="datetimeFigureOut">
               <a:rPr lang="en-US" smtClean="0"/>
-              <a:t>9/11/2025</a:t>
+              <a:t>9/16/2025</a:t>
             </a:fld>
             <a:endParaRPr lang="en-US"/>
           </a:p>
         </p:txBody>
       </p:sp>
-      <p:grpSp>
-        <p:nvGrpSpPr>
-          <p:cNvPr id="8" name="Group 7"/>
-          <p:cNvGrpSpPr>
-            <a:grpSpLocks noChangeAspect="1"/>
-          </p:cNvGrpSpPr>
-          <p:nvPr/>
-        </p:nvGrpSpPr>
-        <p:grpSpPr>
-          <a:xfrm>
-            <a:off x="11401725" y="6229681"/>
-            <a:ext cx="457200" cy="457200"/>
-            <a:chOff x="11361456" y="6195813"/>
-            <a:chExt cx="548640" cy="548640"/>
-          </a:xfrm>
-        </p:grpSpPr>
-        <p:sp>
-          <p:nvSpPr>
-            <p:cNvPr id="9" name="Oval 8"/>
-            <p:cNvSpPr/>
-            <p:nvPr/>
-          </p:nvSpPr>
-          <p:spPr>
-            <a:xfrm>
-              <a:off x="11361456" y="6195813"/>
-              <a:ext cx="548640" cy="548640"/>
-            </a:xfrm>
-            <a:prstGeom prst="ellipse">
-              <a:avLst/>
-            </a:prstGeom>
-            <a:blipFill dpi="0" rotWithShape="1">
-              <a:blip r:embed="rId4">
-                <a:duotone>
-                  <a:schemeClr val="accent1">
-                    <a:shade val="45000"/>
-                    <a:satMod val="135000"/>
-                  </a:schemeClr>
-                  <a:prstClr val="white"/>
-                </a:duotone>
-                <a:extLst>
-                  <a:ext uri="{BEBA8EAE-BF5A-486C-A8C5-ECC9F3942E4B}">
-                    <a14:imgProps xmlns:a14="http://schemas.microsoft.com/office/drawing/2010/main">
-                      <a14:imgLayer r:embed="rId5">
-                        <a14:imgEffect>
-                          <a14:saturation sat="95000"/>
-                        </a14:imgEffect>
-                        <a14:imgEffect>
-                          <a14:brightnessContrast bright="-40000" contrast="20000"/>
-                        </a14:imgEffect>
-                      </a14:imgLayer>
-                    </a14:imgProps>
-                  </a:ext>
-                </a:extLst>
-              </a:blip>
-              <a:srcRect/>
-              <a:tile tx="50800" ty="0" sx="85000" sy="85000" flip="none" algn="tl"/>
-            </a:blipFill>
-            <a:ln w="25400" cap="flat" cmpd="sng" algn="ctr">
-              <a:noFill/>
-              <a:prstDash val="solid"/>
-            </a:ln>
-            <a:effectLst/>
-          </p:spPr>
-        </p:sp>
-        <p:sp>
-          <p:nvSpPr>
-            <p:cNvPr id="10" name="Oval 9"/>
-            <p:cNvSpPr/>
-            <p:nvPr/>
-          </p:nvSpPr>
-          <p:spPr>
-            <a:xfrm>
-              <a:off x="11396488" y="6230844"/>
-              <a:ext cx="478576" cy="478578"/>
-            </a:xfrm>
-            <a:prstGeom prst="ellipse">
-              <a:avLst/>
-            </a:prstGeom>
-            <a:noFill/>
-            <a:ln w="12700" cap="flat" cmpd="sng" algn="ctr">
-              <a:solidFill>
-                <a:sysClr val="window" lastClr="FFFFFF"/>
-              </a:solidFill>
-              <a:prstDash val="solid"/>
-            </a:ln>
-            <a:effectLst/>
-          </p:spPr>
-        </p:sp>
-      </p:grpSp>
+      <p:sp>
+        <p:nvSpPr>
+          <p:cNvPr id="6" name="Footer Placeholder 5"/>
+          <p:cNvSpPr>
+            <a:spLocks noGrp="1"/>
+          </p:cNvSpPr>
+          <p:nvPr>
+            <p:ph type="ftr" sz="quarter" idx="11"/>
+          </p:nvPr>
+        </p:nvSpPr>
+        <p:spPr/>
+        <p:txBody>
+          <a:bodyPr/>
+          <a:lstStyle/>
+          <a:p>
+            <a:endParaRPr lang="en-US"/>
+          </a:p>
+        </p:txBody>
+      </p:sp>
       <p:sp>
         <p:nvSpPr>
           <p:cNvPr id="7" name="Slide Number Placeholder 6"/>
@@ -3296,7 +4605,7 @@
     </p:spTree>
     <p:extLst>
       <p:ext uri="{BB962C8B-B14F-4D97-AF65-F5344CB8AC3E}">
-        <p14:creationId xmlns:p14="http://schemas.microsoft.com/office/powerpoint/2010/main" val="3021722042"/>
+        <p14:creationId xmlns:p14="http://schemas.microsoft.com/office/powerpoint/2010/main" val="228603690"/>
       </p:ext>
     </p:extLst>
   </p:cSld>
@@ -3311,7 +4620,7 @@
   <p:cSld>
     <p:bg>
       <p:bgRef idx="1001">
-        <a:schemeClr val="bg1"/>
+        <a:schemeClr val="bg2"/>
       </p:bgRef>
     </p:bg>
     <p:spTree>
@@ -3328,6 +4637,538 @@
           <a:chExt cx="0" cy="0"/>
         </a:xfrm>
       </p:grpSpPr>
+      <p:grpSp>
+        <p:nvGrpSpPr>
+          <p:cNvPr id="8" name="Group 7"/>
+          <p:cNvGrpSpPr/>
+          <p:nvPr/>
+        </p:nvGrpSpPr>
+        <p:grpSpPr>
+          <a:xfrm>
+            <a:off x="0" y="-8467"/>
+            <a:ext cx="12192000" cy="6866467"/>
+            <a:chOff x="0" y="-8467"/>
+            <a:chExt cx="12192000" cy="6866467"/>
+          </a:xfrm>
+        </p:grpSpPr>
+        <p:cxnSp>
+          <p:nvCxnSpPr>
+            <p:cNvPr id="20" name="Straight Connector 19"/>
+            <p:cNvCxnSpPr/>
+            <p:nvPr/>
+          </p:nvCxnSpPr>
+          <p:spPr>
+            <a:xfrm>
+              <a:off x="9371012" y="0"/>
+              <a:ext cx="1219200" cy="6858000"/>
+            </a:xfrm>
+            <a:prstGeom prst="line">
+              <a:avLst/>
+            </a:prstGeom>
+            <a:ln w="9525">
+              <a:solidFill>
+                <a:schemeClr val="bg1">
+                  <a:lumMod val="85000"/>
+                  <a:lumOff val="15000"/>
+                </a:schemeClr>
+              </a:solidFill>
+            </a:ln>
+          </p:spPr>
+          <p:style>
+            <a:lnRef idx="2">
+              <a:schemeClr val="accent1"/>
+            </a:lnRef>
+            <a:fillRef idx="0">
+              <a:schemeClr val="accent1"/>
+            </a:fillRef>
+            <a:effectRef idx="1">
+              <a:schemeClr val="accent1"/>
+            </a:effectRef>
+            <a:fontRef idx="minor">
+              <a:schemeClr val="tx1"/>
+            </a:fontRef>
+          </p:style>
+        </p:cxnSp>
+        <p:cxnSp>
+          <p:nvCxnSpPr>
+            <p:cNvPr id="21" name="Straight Connector 20"/>
+            <p:cNvCxnSpPr/>
+            <p:nvPr/>
+          </p:nvCxnSpPr>
+          <p:spPr>
+            <a:xfrm flipH="1">
+              <a:off x="7425267" y="3681413"/>
+              <a:ext cx="4763558" cy="3176587"/>
+            </a:xfrm>
+            <a:prstGeom prst="line">
+              <a:avLst/>
+            </a:prstGeom>
+            <a:ln w="9525">
+              <a:solidFill>
+                <a:schemeClr val="bg1">
+                  <a:lumMod val="85000"/>
+                  <a:lumOff val="15000"/>
+                </a:schemeClr>
+              </a:solidFill>
+            </a:ln>
+          </p:spPr>
+          <p:style>
+            <a:lnRef idx="2">
+              <a:schemeClr val="accent1"/>
+            </a:lnRef>
+            <a:fillRef idx="0">
+              <a:schemeClr val="accent1"/>
+            </a:fillRef>
+            <a:effectRef idx="1">
+              <a:schemeClr val="accent1"/>
+            </a:effectRef>
+            <a:fontRef idx="minor">
+              <a:schemeClr val="tx1"/>
+            </a:fontRef>
+          </p:style>
+        </p:cxnSp>
+        <p:sp>
+          <p:nvSpPr>
+            <p:cNvPr id="22" name="Rectangle 23"/>
+            <p:cNvSpPr/>
+            <p:nvPr/>
+          </p:nvSpPr>
+          <p:spPr>
+            <a:xfrm>
+              <a:off x="9181476" y="-8467"/>
+              <a:ext cx="3007349" cy="6866467"/>
+            </a:xfrm>
+            <a:custGeom>
+              <a:avLst/>
+              <a:gdLst/>
+              <a:ahLst/>
+              <a:cxnLst/>
+              <a:rect l="l" t="t" r="r" b="b"/>
+              <a:pathLst>
+                <a:path w="3007349" h="6866467">
+                  <a:moveTo>
+                    <a:pt x="2045532" y="0"/>
+                  </a:moveTo>
+                  <a:lnTo>
+                    <a:pt x="3007349" y="0"/>
+                  </a:lnTo>
+                  <a:lnTo>
+                    <a:pt x="3007349" y="6866467"/>
+                  </a:lnTo>
+                  <a:lnTo>
+                    <a:pt x="0" y="6866467"/>
+                  </a:lnTo>
+                  <a:lnTo>
+                    <a:pt x="2045532" y="0"/>
+                  </a:lnTo>
+                  <a:close/>
+                </a:path>
+              </a:pathLst>
+            </a:custGeom>
+            <a:solidFill>
+              <a:schemeClr val="accent1">
+                <a:alpha val="30000"/>
+              </a:schemeClr>
+            </a:solidFill>
+            <a:ln>
+              <a:noFill/>
+            </a:ln>
+            <a:effectLst/>
+          </p:spPr>
+          <p:style>
+            <a:lnRef idx="1">
+              <a:schemeClr val="accent1"/>
+            </a:lnRef>
+            <a:fillRef idx="3">
+              <a:schemeClr val="accent1"/>
+            </a:fillRef>
+            <a:effectRef idx="2">
+              <a:schemeClr val="accent1"/>
+            </a:effectRef>
+            <a:fontRef idx="minor">
+              <a:schemeClr val="lt1"/>
+            </a:fontRef>
+          </p:style>
+        </p:sp>
+        <p:sp>
+          <p:nvSpPr>
+            <p:cNvPr id="23" name="Rectangle 25"/>
+            <p:cNvSpPr/>
+            <p:nvPr/>
+          </p:nvSpPr>
+          <p:spPr>
+            <a:xfrm>
+              <a:off x="9603442" y="-8467"/>
+              <a:ext cx="2588558" cy="6866467"/>
+            </a:xfrm>
+            <a:custGeom>
+              <a:avLst/>
+              <a:gdLst/>
+              <a:ahLst/>
+              <a:cxnLst/>
+              <a:rect l="l" t="t" r="r" b="b"/>
+              <a:pathLst>
+                <a:path w="2573311" h="6866467">
+                  <a:moveTo>
+                    <a:pt x="0" y="0"/>
+                  </a:moveTo>
+                  <a:lnTo>
+                    <a:pt x="2573311" y="0"/>
+                  </a:lnTo>
+                  <a:lnTo>
+                    <a:pt x="2573311" y="6866467"/>
+                  </a:lnTo>
+                  <a:lnTo>
+                    <a:pt x="1202336" y="6866467"/>
+                  </a:lnTo>
+                  <a:lnTo>
+                    <a:pt x="0" y="0"/>
+                  </a:lnTo>
+                  <a:close/>
+                </a:path>
+              </a:pathLst>
+            </a:custGeom>
+            <a:solidFill>
+              <a:schemeClr val="accent1">
+                <a:alpha val="20000"/>
+              </a:schemeClr>
+            </a:solidFill>
+            <a:ln>
+              <a:noFill/>
+            </a:ln>
+            <a:effectLst/>
+          </p:spPr>
+          <p:style>
+            <a:lnRef idx="1">
+              <a:schemeClr val="accent1"/>
+            </a:lnRef>
+            <a:fillRef idx="3">
+              <a:schemeClr val="accent1"/>
+            </a:fillRef>
+            <a:effectRef idx="2">
+              <a:schemeClr val="accent1"/>
+            </a:effectRef>
+            <a:fontRef idx="minor">
+              <a:schemeClr val="lt1"/>
+            </a:fontRef>
+          </p:style>
+        </p:sp>
+        <p:sp>
+          <p:nvSpPr>
+            <p:cNvPr id="24" name="Isosceles Triangle 23"/>
+            <p:cNvSpPr/>
+            <p:nvPr/>
+          </p:nvSpPr>
+          <p:spPr>
+            <a:xfrm>
+              <a:off x="8932333" y="3048000"/>
+              <a:ext cx="3259667" cy="3810000"/>
+            </a:xfrm>
+            <a:prstGeom prst="triangle">
+              <a:avLst>
+                <a:gd name="adj" fmla="val 100000"/>
+              </a:avLst>
+            </a:prstGeom>
+            <a:solidFill>
+              <a:schemeClr val="accent2">
+                <a:alpha val="72000"/>
+              </a:schemeClr>
+            </a:solidFill>
+            <a:ln>
+              <a:noFill/>
+            </a:ln>
+            <a:effectLst/>
+          </p:spPr>
+          <p:style>
+            <a:lnRef idx="1">
+              <a:schemeClr val="accent1"/>
+            </a:lnRef>
+            <a:fillRef idx="3">
+              <a:schemeClr val="accent1"/>
+            </a:fillRef>
+            <a:effectRef idx="2">
+              <a:schemeClr val="accent1"/>
+            </a:effectRef>
+            <a:fontRef idx="minor">
+              <a:schemeClr val="lt1"/>
+            </a:fontRef>
+          </p:style>
+        </p:sp>
+        <p:sp>
+          <p:nvSpPr>
+            <p:cNvPr id="25" name="Rectangle 27"/>
+            <p:cNvSpPr/>
+            <p:nvPr/>
+          </p:nvSpPr>
+          <p:spPr>
+            <a:xfrm>
+              <a:off x="9334500" y="-8467"/>
+              <a:ext cx="2854326" cy="6866467"/>
+            </a:xfrm>
+            <a:custGeom>
+              <a:avLst/>
+              <a:gdLst/>
+              <a:ahLst/>
+              <a:cxnLst/>
+              <a:rect l="l" t="t" r="r" b="b"/>
+              <a:pathLst>
+                <a:path w="2858013" h="6866467">
+                  <a:moveTo>
+                    <a:pt x="0" y="0"/>
+                  </a:moveTo>
+                  <a:lnTo>
+                    <a:pt x="2858013" y="0"/>
+                  </a:lnTo>
+                  <a:lnTo>
+                    <a:pt x="2858013" y="6866467"/>
+                  </a:lnTo>
+                  <a:lnTo>
+                    <a:pt x="2473942" y="6866467"/>
+                  </a:lnTo>
+                  <a:lnTo>
+                    <a:pt x="0" y="0"/>
+                  </a:lnTo>
+                  <a:close/>
+                </a:path>
+              </a:pathLst>
+            </a:custGeom>
+            <a:solidFill>
+              <a:schemeClr val="accent2">
+                <a:lumMod val="75000"/>
+                <a:alpha val="70000"/>
+              </a:schemeClr>
+            </a:solidFill>
+            <a:ln>
+              <a:noFill/>
+            </a:ln>
+            <a:effectLst/>
+          </p:spPr>
+          <p:style>
+            <a:lnRef idx="1">
+              <a:schemeClr val="accent1"/>
+            </a:lnRef>
+            <a:fillRef idx="3">
+              <a:schemeClr val="accent1"/>
+            </a:fillRef>
+            <a:effectRef idx="2">
+              <a:schemeClr val="accent1"/>
+            </a:effectRef>
+            <a:fontRef idx="minor">
+              <a:schemeClr val="lt1"/>
+            </a:fontRef>
+          </p:style>
+        </p:sp>
+        <p:sp>
+          <p:nvSpPr>
+            <p:cNvPr id="26" name="Rectangle 28"/>
+            <p:cNvSpPr/>
+            <p:nvPr/>
+          </p:nvSpPr>
+          <p:spPr>
+            <a:xfrm>
+              <a:off x="10898730" y="-8467"/>
+              <a:ext cx="1290094" cy="6866467"/>
+            </a:xfrm>
+            <a:custGeom>
+              <a:avLst/>
+              <a:gdLst/>
+              <a:ahLst/>
+              <a:cxnLst/>
+              <a:rect l="l" t="t" r="r" b="b"/>
+              <a:pathLst>
+                <a:path w="1290094" h="6858000">
+                  <a:moveTo>
+                    <a:pt x="1019735" y="0"/>
+                  </a:moveTo>
+                  <a:lnTo>
+                    <a:pt x="1290094" y="0"/>
+                  </a:lnTo>
+                  <a:lnTo>
+                    <a:pt x="1290094" y="6858000"/>
+                  </a:lnTo>
+                  <a:lnTo>
+                    <a:pt x="0" y="6858000"/>
+                  </a:lnTo>
+                  <a:lnTo>
+                    <a:pt x="1019735" y="0"/>
+                  </a:lnTo>
+                  <a:close/>
+                </a:path>
+              </a:pathLst>
+            </a:custGeom>
+            <a:solidFill>
+              <a:schemeClr val="accent1">
+                <a:lumMod val="60000"/>
+                <a:lumOff val="40000"/>
+                <a:alpha val="70000"/>
+              </a:schemeClr>
+            </a:solidFill>
+            <a:ln>
+              <a:noFill/>
+            </a:ln>
+            <a:effectLst/>
+          </p:spPr>
+          <p:style>
+            <a:lnRef idx="1">
+              <a:schemeClr val="accent1"/>
+            </a:lnRef>
+            <a:fillRef idx="3">
+              <a:schemeClr val="accent1"/>
+            </a:fillRef>
+            <a:effectRef idx="2">
+              <a:schemeClr val="accent1"/>
+            </a:effectRef>
+            <a:fontRef idx="minor">
+              <a:schemeClr val="lt1"/>
+            </a:fontRef>
+          </p:style>
+        </p:sp>
+        <p:sp>
+          <p:nvSpPr>
+            <p:cNvPr id="27" name="Rectangle 29"/>
+            <p:cNvSpPr/>
+            <p:nvPr/>
+          </p:nvSpPr>
+          <p:spPr>
+            <a:xfrm>
+              <a:off x="10938999" y="-8467"/>
+              <a:ext cx="1249825" cy="6866467"/>
+            </a:xfrm>
+            <a:custGeom>
+              <a:avLst/>
+              <a:gdLst/>
+              <a:ahLst/>
+              <a:cxnLst/>
+              <a:rect l="l" t="t" r="r" b="b"/>
+              <a:pathLst>
+                <a:path w="1249825" h="6858000">
+                  <a:moveTo>
+                    <a:pt x="0" y="0"/>
+                  </a:moveTo>
+                  <a:lnTo>
+                    <a:pt x="1249825" y="0"/>
+                  </a:lnTo>
+                  <a:lnTo>
+                    <a:pt x="1249825" y="6858000"/>
+                  </a:lnTo>
+                  <a:lnTo>
+                    <a:pt x="1109382" y="6858000"/>
+                  </a:lnTo>
+                  <a:lnTo>
+                    <a:pt x="0" y="0"/>
+                  </a:lnTo>
+                  <a:close/>
+                </a:path>
+              </a:pathLst>
+            </a:custGeom>
+            <a:solidFill>
+              <a:schemeClr val="accent1">
+                <a:alpha val="65000"/>
+              </a:schemeClr>
+            </a:solidFill>
+            <a:ln>
+              <a:noFill/>
+            </a:ln>
+            <a:effectLst/>
+          </p:spPr>
+          <p:style>
+            <a:lnRef idx="1">
+              <a:schemeClr val="accent1"/>
+            </a:lnRef>
+            <a:fillRef idx="3">
+              <a:schemeClr val="accent1"/>
+            </a:fillRef>
+            <a:effectRef idx="2">
+              <a:schemeClr val="accent1"/>
+            </a:effectRef>
+            <a:fontRef idx="minor">
+              <a:schemeClr val="lt1"/>
+            </a:fontRef>
+          </p:style>
+        </p:sp>
+        <p:sp>
+          <p:nvSpPr>
+            <p:cNvPr id="28" name="Isosceles Triangle 27"/>
+            <p:cNvSpPr/>
+            <p:nvPr/>
+          </p:nvSpPr>
+          <p:spPr>
+            <a:xfrm>
+              <a:off x="10371666" y="3589867"/>
+              <a:ext cx="1817159" cy="3268133"/>
+            </a:xfrm>
+            <a:prstGeom prst="triangle">
+              <a:avLst>
+                <a:gd name="adj" fmla="val 100000"/>
+              </a:avLst>
+            </a:prstGeom>
+            <a:solidFill>
+              <a:schemeClr val="accent1">
+                <a:alpha val="80000"/>
+              </a:schemeClr>
+            </a:solidFill>
+            <a:ln>
+              <a:noFill/>
+            </a:ln>
+            <a:effectLst/>
+          </p:spPr>
+          <p:style>
+            <a:lnRef idx="1">
+              <a:schemeClr val="accent1"/>
+            </a:lnRef>
+            <a:fillRef idx="3">
+              <a:schemeClr val="accent1"/>
+            </a:fillRef>
+            <a:effectRef idx="2">
+              <a:schemeClr val="accent1"/>
+            </a:effectRef>
+            <a:fontRef idx="minor">
+              <a:schemeClr val="lt1"/>
+            </a:fontRef>
+          </p:style>
+        </p:sp>
+        <p:sp>
+          <p:nvSpPr>
+            <p:cNvPr id="29" name="Isosceles Triangle 28"/>
+            <p:cNvSpPr/>
+            <p:nvPr/>
+          </p:nvSpPr>
+          <p:spPr>
+            <a:xfrm>
+              <a:off x="0" y="4013200"/>
+              <a:ext cx="448733" cy="2844800"/>
+            </a:xfrm>
+            <a:prstGeom prst="triangle">
+              <a:avLst>
+                <a:gd name="adj" fmla="val 0"/>
+              </a:avLst>
+            </a:prstGeom>
+            <a:solidFill>
+              <a:schemeClr val="accent1">
+                <a:alpha val="85000"/>
+              </a:schemeClr>
+            </a:solidFill>
+            <a:ln>
+              <a:noFill/>
+            </a:ln>
+            <a:effectLst/>
+          </p:spPr>
+          <p:style>
+            <a:lnRef idx="1">
+              <a:schemeClr val="accent1"/>
+            </a:lnRef>
+            <a:fillRef idx="3">
+              <a:schemeClr val="accent1"/>
+            </a:fillRef>
+            <a:effectRef idx="2">
+              <a:schemeClr val="accent1"/>
+            </a:effectRef>
+            <a:fontRef idx="minor">
+              <a:schemeClr val="lt1"/>
+            </a:fontRef>
+          </p:style>
+        </p:sp>
+      </p:grpSp>
       <p:sp>
         <p:nvSpPr>
           <p:cNvPr id="2" name="Title Placeholder 1"/>
@@ -3340,15 +5181,15 @@
         </p:nvSpPr>
         <p:spPr>
           <a:xfrm>
-            <a:off x="1069848" y="484632"/>
-            <a:ext cx="10058400" cy="1609344"/>
+            <a:off x="677334" y="609600"/>
+            <a:ext cx="8596668" cy="1320800"/>
           </a:xfrm>
           <a:prstGeom prst="rect">
             <a:avLst/>
           </a:prstGeom>
         </p:spPr>
         <p:txBody>
-          <a:bodyPr vert="horz" lIns="91440" tIns="45720" rIns="91440" bIns="45720" rtlCol="0" anchor="ctr">
+          <a:bodyPr vert="horz" lIns="91440" tIns="45720" rIns="91440" bIns="45720" rtlCol="0" anchor="t">
             <a:normAutofit/>
           </a:bodyPr>
           <a:lstStyle/>
@@ -3373,8 +5214,8 @@
         </p:nvSpPr>
         <p:spPr>
           <a:xfrm>
-            <a:off x="1069848" y="2121408"/>
-            <a:ext cx="10058400" cy="4050792"/>
+            <a:off x="677334" y="2160589"/>
+            <a:ext cx="8596668" cy="3880773"/>
           </a:xfrm>
           <a:prstGeom prst="rect">
             <a:avLst/>
@@ -3435,8 +5276,8 @@
         </p:nvSpPr>
         <p:spPr>
           <a:xfrm>
-            <a:off x="7964424" y="6272784"/>
-            <a:ext cx="3273552" cy="365125"/>
+            <a:off x="7205133" y="6041362"/>
+            <a:ext cx="911939" cy="365125"/>
           </a:xfrm>
           <a:prstGeom prst="rect">
             <a:avLst/>
@@ -3446,9 +5287,11 @@
           <a:bodyPr vert="horz" lIns="91440" tIns="45720" rIns="91440" bIns="45720" rtlCol="0" anchor="ctr"/>
           <a:lstStyle>
             <a:lvl1pPr algn="r">
-              <a:defRPr sz="1100">
-                <a:solidFill>
-                  <a:schemeClr val="tx2"/>
+              <a:defRPr sz="900">
+                <a:solidFill>
+                  <a:schemeClr val="tx1">
+                    <a:tint val="75000"/>
+                  </a:schemeClr>
                 </a:solidFill>
               </a:defRPr>
             </a:lvl1pPr>
@@ -3456,7 +5299,7 @@
           <a:p>
             <a:fld id="{AA69BB30-8325-4345-8DFA-998A30CB2488}" type="datetimeFigureOut">
               <a:rPr lang="en-US" smtClean="0"/>
-              <a:t>9/11/2025</a:t>
+              <a:t>9/16/2025</a:t>
             </a:fld>
             <a:endParaRPr lang="en-US"/>
           </a:p>
@@ -3474,8 +5317,8 @@
         </p:nvSpPr>
         <p:spPr>
           <a:xfrm>
-            <a:off x="1088136" y="6272784"/>
-            <a:ext cx="6327648" cy="365125"/>
+            <a:off x="677334" y="6041362"/>
+            <a:ext cx="6297612" cy="365125"/>
           </a:xfrm>
           <a:prstGeom prst="rect">
             <a:avLst/>
@@ -3485,9 +5328,11 @@
           <a:bodyPr vert="horz" lIns="91440" tIns="45720" rIns="91440" bIns="45720" rtlCol="0" anchor="ctr"/>
           <a:lstStyle>
             <a:lvl1pPr algn="l">
-              <a:defRPr sz="1100">
-                <a:solidFill>
-                  <a:schemeClr val="tx2"/>
+              <a:defRPr sz="900">
+                <a:solidFill>
+                  <a:schemeClr val="tx1">
+                    <a:tint val="75000"/>
+                  </a:schemeClr>
                 </a:solidFill>
               </a:defRPr>
             </a:lvl1pPr>
@@ -3497,95 +5342,6 @@
           </a:p>
         </p:txBody>
       </p:sp>
-      <p:grpSp>
-        <p:nvGrpSpPr>
-          <p:cNvPr id="7" name="Group 6"/>
-          <p:cNvGrpSpPr>
-            <a:grpSpLocks noChangeAspect="1"/>
-          </p:cNvGrpSpPr>
-          <p:nvPr/>
-        </p:nvGrpSpPr>
-        <p:grpSpPr>
-          <a:xfrm>
-            <a:off x="11401725" y="6229681"/>
-            <a:ext cx="457200" cy="457200"/>
-            <a:chOff x="11361456" y="6195813"/>
-            <a:chExt cx="548640" cy="548640"/>
-          </a:xfrm>
-        </p:grpSpPr>
-        <p:sp>
-          <p:nvSpPr>
-            <p:cNvPr id="8" name="Oval 7"/>
-            <p:cNvSpPr/>
-            <p:nvPr/>
-          </p:nvSpPr>
-          <p:spPr>
-            <a:xfrm>
-              <a:off x="11361456" y="6195813"/>
-              <a:ext cx="548640" cy="548640"/>
-            </a:xfrm>
-            <a:prstGeom prst="ellipse">
-              <a:avLst/>
-            </a:prstGeom>
-            <a:blipFill dpi="0" rotWithShape="1">
-              <a:blip r:embed="rId13">
-                <a:duotone>
-                  <a:schemeClr val="accent1">
-                    <a:shade val="45000"/>
-                    <a:satMod val="135000"/>
-                  </a:schemeClr>
-                  <a:prstClr val="white"/>
-                </a:duotone>
-                <a:extLst>
-                  <a:ext uri="{BEBA8EAE-BF5A-486C-A8C5-ECC9F3942E4B}">
-                    <a14:imgProps xmlns:a14="http://schemas.microsoft.com/office/drawing/2010/main">
-                      <a14:imgLayer r:embed="rId14">
-                        <a14:imgEffect>
-                          <a14:saturation sat="95000"/>
-                        </a14:imgEffect>
-                        <a14:imgEffect>
-                          <a14:brightnessContrast bright="-40000" contrast="20000"/>
-                        </a14:imgEffect>
-                      </a14:imgLayer>
-                    </a14:imgProps>
-                  </a:ext>
-                </a:extLst>
-              </a:blip>
-              <a:srcRect/>
-              <a:tile tx="50800" ty="0" sx="85000" sy="85000" flip="none" algn="tl"/>
-            </a:blipFill>
-            <a:ln w="25400" cap="flat" cmpd="sng" algn="ctr">
-              <a:noFill/>
-              <a:prstDash val="solid"/>
-            </a:ln>
-            <a:effectLst/>
-          </p:spPr>
-        </p:sp>
-        <p:sp>
-          <p:nvSpPr>
-            <p:cNvPr id="9" name="Oval 8"/>
-            <p:cNvSpPr/>
-            <p:nvPr/>
-          </p:nvSpPr>
-          <p:spPr>
-            <a:xfrm>
-              <a:off x="11396488" y="6230844"/>
-              <a:ext cx="478576" cy="478578"/>
-            </a:xfrm>
-            <a:prstGeom prst="ellipse">
-              <a:avLst/>
-            </a:prstGeom>
-            <a:noFill/>
-            <a:ln w="12700" cap="flat" cmpd="sng" algn="ctr">
-              <a:solidFill>
-                <a:srgbClr val="FFFFFF"/>
-              </a:solidFill>
-              <a:prstDash val="solid"/>
-            </a:ln>
-            <a:effectLst/>
-          </p:spPr>
-        </p:sp>
-      </p:grpSp>
       <p:sp>
         <p:nvSpPr>
           <p:cNvPr id="6" name="Slide Number Placeholder 5"/>
@@ -3598,8 +5354,8 @@
         </p:nvSpPr>
         <p:spPr>
           <a:xfrm>
-            <a:off x="11311128" y="6272784"/>
-            <a:ext cx="640080" cy="365125"/>
+            <a:off x="8590663" y="6041362"/>
+            <a:ext cx="683339" cy="365125"/>
           </a:xfrm>
           <a:prstGeom prst="rect">
             <a:avLst/>
@@ -3608,12 +5364,11 @@
         <p:txBody>
           <a:bodyPr vert="horz" lIns="91440" tIns="45720" rIns="91440" bIns="45720" rtlCol="0" anchor="ctr"/>
           <a:lstStyle>
-            <a:lvl1pPr algn="ctr">
-              <a:defRPr sz="1400" b="1">
-                <a:solidFill>
-                  <a:srgbClr val="FFFFFF"/>
-                </a:solidFill>
-                <a:latin typeface="+mj-lt"/>
+            <a:lvl1pPr algn="r">
+              <a:defRPr sz="900">
+                <a:solidFill>
+                  <a:schemeClr val="accent1"/>
+                </a:solidFill>
               </a:defRPr>
             </a:lvl1pPr>
           </a:lstStyle>
@@ -3629,286 +5384,322 @@
     </p:spTree>
     <p:extLst>
       <p:ext uri="{BB962C8B-B14F-4D97-AF65-F5344CB8AC3E}">
-        <p14:creationId xmlns:p14="http://schemas.microsoft.com/office/powerpoint/2010/main" val="193268173"/>
+        <p14:creationId xmlns:p14="http://schemas.microsoft.com/office/powerpoint/2010/main" val="724208102"/>
       </p:ext>
     </p:extLst>
   </p:cSld>
-  <p:clrMap bg1="lt1" tx1="dk1" bg2="lt2" tx2="dk2" accent1="accent1" accent2="accent2" accent3="accent3" accent4="accent4" accent5="accent5" accent6="accent6" hlink="hlink" folHlink="folHlink"/>
+  <p:clrMap bg1="dk1" tx1="lt1" bg2="dk2" tx2="lt2" accent1="accent1" accent2="accent2" accent3="accent3" accent4="accent4" accent5="accent5" accent6="accent6" hlink="hlink" folHlink="folHlink"/>
   <p:sldLayoutIdLst>
-    <p:sldLayoutId id="2147483789" r:id="rId1"/>
-    <p:sldLayoutId id="2147483790" r:id="rId2"/>
-    <p:sldLayoutId id="2147483791" r:id="rId3"/>
-    <p:sldLayoutId id="2147483792" r:id="rId4"/>
-    <p:sldLayoutId id="2147483793" r:id="rId5"/>
-    <p:sldLayoutId id="2147483794" r:id="rId6"/>
-    <p:sldLayoutId id="2147483795" r:id="rId7"/>
-    <p:sldLayoutId id="2147483796" r:id="rId8"/>
-    <p:sldLayoutId id="2147483797" r:id="rId9"/>
-    <p:sldLayoutId id="2147483798" r:id="rId10"/>
-    <p:sldLayoutId id="2147483799" r:id="rId11"/>
+    <p:sldLayoutId id="2147483755" r:id="rId1"/>
+    <p:sldLayoutId id="2147483756" r:id="rId2"/>
+    <p:sldLayoutId id="2147483757" r:id="rId3"/>
+    <p:sldLayoutId id="2147483758" r:id="rId4"/>
+    <p:sldLayoutId id="2147483759" r:id="rId5"/>
+    <p:sldLayoutId id="2147483760" r:id="rId6"/>
+    <p:sldLayoutId id="2147483761" r:id="rId7"/>
+    <p:sldLayoutId id="2147483762" r:id="rId8"/>
+    <p:sldLayoutId id="2147483763" r:id="rId9"/>
+    <p:sldLayoutId id="2147483764" r:id="rId10"/>
+    <p:sldLayoutId id="2147483765" r:id="rId11"/>
+    <p:sldLayoutId id="2147483766" r:id="rId12"/>
+    <p:sldLayoutId id="2147483767" r:id="rId13"/>
+    <p:sldLayoutId id="2147483768" r:id="rId14"/>
+    <p:sldLayoutId id="2147483769" r:id="rId15"/>
+    <p:sldLayoutId id="2147483770" r:id="rId16"/>
   </p:sldLayoutIdLst>
   <p:txStyles>
     <p:titleStyle>
-      <a:lvl1pPr algn="l" defTabSz="914400" rtl="0" eaLnBrk="1" latinLnBrk="0" hangingPunct="1">
-        <a:lnSpc>
-          <a:spcPct val="90000"/>
-        </a:lnSpc>
+      <a:lvl1pPr algn="l" defTabSz="457200" rtl="0" eaLnBrk="1" latinLnBrk="0" hangingPunct="1">
         <a:spcBef>
           <a:spcPct val="0"/>
         </a:spcBef>
         <a:buNone/>
-        <a:defRPr sz="5400" kern="1200" cap="all" baseline="0">
-          <a:blipFill>
-            <a:blip r:embed="rId15">
-              <a:extLst>
-                <a:ext uri="{28A0092B-C50C-407E-A947-70E740481C1C}">
-                  <a14:useLocalDpi xmlns:a14="http://schemas.microsoft.com/office/drawing/2010/main" val="0"/>
-                </a:ext>
-              </a:extLst>
-            </a:blip>
-            <a:tile tx="6350" ty="-127000" sx="65000" sy="64000" flip="none" algn="tl"/>
-          </a:blipFill>
+        <a:defRPr sz="3600" kern="1200">
+          <a:solidFill>
+            <a:schemeClr val="accent1"/>
+          </a:solidFill>
           <a:latin typeface="+mj-lt"/>
           <a:ea typeface="+mj-ea"/>
           <a:cs typeface="+mj-cs"/>
         </a:defRPr>
       </a:lvl1pPr>
+      <a:lvl2pPr eaLnBrk="1" hangingPunct="1">
+        <a:defRPr>
+          <a:solidFill>
+            <a:schemeClr val="tx2"/>
+          </a:solidFill>
+        </a:defRPr>
+      </a:lvl2pPr>
+      <a:lvl3pPr eaLnBrk="1" hangingPunct="1">
+        <a:defRPr>
+          <a:solidFill>
+            <a:schemeClr val="tx2"/>
+          </a:solidFill>
+        </a:defRPr>
+      </a:lvl3pPr>
+      <a:lvl4pPr eaLnBrk="1" hangingPunct="1">
+        <a:defRPr>
+          <a:solidFill>
+            <a:schemeClr val="tx2"/>
+          </a:solidFill>
+        </a:defRPr>
+      </a:lvl4pPr>
+      <a:lvl5pPr eaLnBrk="1" hangingPunct="1">
+        <a:defRPr>
+          <a:solidFill>
+            <a:schemeClr val="tx2"/>
+          </a:solidFill>
+        </a:defRPr>
+      </a:lvl5pPr>
+      <a:lvl6pPr eaLnBrk="1" hangingPunct="1">
+        <a:defRPr>
+          <a:solidFill>
+            <a:schemeClr val="tx2"/>
+          </a:solidFill>
+        </a:defRPr>
+      </a:lvl6pPr>
+      <a:lvl7pPr eaLnBrk="1" hangingPunct="1">
+        <a:defRPr>
+          <a:solidFill>
+            <a:schemeClr val="tx2"/>
+          </a:solidFill>
+        </a:defRPr>
+      </a:lvl7pPr>
+      <a:lvl8pPr eaLnBrk="1" hangingPunct="1">
+        <a:defRPr>
+          <a:solidFill>
+            <a:schemeClr val="tx2"/>
+          </a:solidFill>
+        </a:defRPr>
+      </a:lvl8pPr>
+      <a:lvl9pPr eaLnBrk="1" hangingPunct="1">
+        <a:defRPr>
+          <a:solidFill>
+            <a:schemeClr val="tx2"/>
+          </a:solidFill>
+        </a:defRPr>
+      </a:lvl9pPr>
     </p:titleStyle>
     <p:bodyStyle>
-      <a:lvl1pPr marL="182880" indent="-182880" algn="l" defTabSz="914400" rtl="0" eaLnBrk="1" latinLnBrk="0" hangingPunct="1">
-        <a:lnSpc>
-          <a:spcPct val="90000"/>
-        </a:lnSpc>
+      <a:lvl1pPr marL="342900" indent="-342900" algn="l" defTabSz="457200" rtl="0" eaLnBrk="1" latinLnBrk="0" hangingPunct="1">
         <a:spcBef>
-          <a:spcPts val="1200"/>
+          <a:spcPts val="1000"/>
         </a:spcBef>
+        <a:spcAft>
+          <a:spcPts val="0"/>
+        </a:spcAft>
         <a:buClr>
-          <a:schemeClr val="accent1">
-            <a:lumMod val="75000"/>
-          </a:schemeClr>
+          <a:schemeClr val="accent1"/>
         </a:buClr>
-        <a:buSzPct val="85000"/>
-        <a:buFont typeface="Wingdings" pitchFamily="2" charset="2"/>
-        <a:buChar char="§"/>
-        <a:defRPr sz="2000" kern="1200">
+        <a:buSzPct val="80000"/>
+        <a:buFont typeface="Wingdings 3" charset="2"/>
+        <a:buChar char=""/>
+        <a:defRPr sz="1800" kern="1200">
           <a:solidFill>
-            <a:schemeClr val="tx1"/>
+            <a:schemeClr val="tx1">
+              <a:lumMod val="75000"/>
+              <a:lumOff val="25000"/>
+            </a:schemeClr>
           </a:solidFill>
           <a:latin typeface="+mn-lt"/>
           <a:ea typeface="+mn-ea"/>
           <a:cs typeface="+mn-cs"/>
         </a:defRPr>
       </a:lvl1pPr>
-      <a:lvl2pPr marL="457200" indent="-182880" algn="l" defTabSz="914400" rtl="0" eaLnBrk="1" latinLnBrk="0" hangingPunct="1">
-        <a:lnSpc>
-          <a:spcPct val="90000"/>
-        </a:lnSpc>
+      <a:lvl2pPr marL="742950" indent="-285750" algn="l" defTabSz="457200" rtl="0" eaLnBrk="1" latinLnBrk="0" hangingPunct="1">
         <a:spcBef>
-          <a:spcPts val="400"/>
+          <a:spcPts val="1000"/>
         </a:spcBef>
         <a:spcAft>
-          <a:spcPts val="200"/>
+          <a:spcPts val="0"/>
         </a:spcAft>
         <a:buClr>
-          <a:schemeClr val="accent1">
-            <a:lumMod val="75000"/>
-          </a:schemeClr>
+          <a:schemeClr val="accent1"/>
         </a:buClr>
-        <a:buSzPct val="85000"/>
-        <a:buFont typeface="Wingdings" pitchFamily="2" charset="2"/>
-        <a:buChar char="§"/>
-        <a:defRPr sz="1800" kern="1200">
+        <a:buSzPct val="80000"/>
+        <a:buFont typeface="Wingdings 3" charset="2"/>
+        <a:buChar char=""/>
+        <a:defRPr sz="1600" kern="1200">
           <a:solidFill>
-            <a:schemeClr val="tx1"/>
+            <a:schemeClr val="tx1">
+              <a:lumMod val="75000"/>
+              <a:lumOff val="25000"/>
+            </a:schemeClr>
           </a:solidFill>
           <a:latin typeface="+mn-lt"/>
           <a:ea typeface="+mn-ea"/>
           <a:cs typeface="+mn-cs"/>
         </a:defRPr>
       </a:lvl2pPr>
-      <a:lvl3pPr marL="731520" indent="-182880" algn="l" defTabSz="914400" rtl="0" eaLnBrk="1" latinLnBrk="0" hangingPunct="1">
-        <a:lnSpc>
-          <a:spcPct val="90000"/>
-        </a:lnSpc>
+      <a:lvl3pPr marL="1143000" indent="-228600" algn="l" defTabSz="457200" rtl="0" eaLnBrk="1" latinLnBrk="0" hangingPunct="1">
         <a:spcBef>
-          <a:spcPts val="400"/>
+          <a:spcPts val="1000"/>
         </a:spcBef>
         <a:spcAft>
-          <a:spcPts val="200"/>
+          <a:spcPts val="0"/>
         </a:spcAft>
         <a:buClr>
-          <a:schemeClr val="accent1">
-            <a:lumMod val="75000"/>
-          </a:schemeClr>
+          <a:schemeClr val="accent1"/>
         </a:buClr>
-        <a:buSzPct val="85000"/>
-        <a:buFont typeface="Wingdings" pitchFamily="2" charset="2"/>
-        <a:buChar char="§"/>
-        <a:defRPr sz="1600" kern="1200">
+        <a:buSzPct val="80000"/>
+        <a:buFont typeface="Wingdings 3" charset="2"/>
+        <a:buChar char=""/>
+        <a:defRPr sz="1400" kern="1200">
           <a:solidFill>
-            <a:schemeClr val="tx1"/>
+            <a:schemeClr val="tx1">
+              <a:lumMod val="75000"/>
+              <a:lumOff val="25000"/>
+            </a:schemeClr>
           </a:solidFill>
           <a:latin typeface="+mn-lt"/>
           <a:ea typeface="+mn-ea"/>
           <a:cs typeface="+mn-cs"/>
         </a:defRPr>
       </a:lvl3pPr>
-      <a:lvl4pPr marL="1005840" indent="-182880" algn="l" defTabSz="914400" rtl="0" eaLnBrk="1" latinLnBrk="0" hangingPunct="1">
-        <a:lnSpc>
-          <a:spcPct val="90000"/>
-        </a:lnSpc>
+      <a:lvl4pPr marL="1600200" indent="-228600" algn="l" defTabSz="457200" rtl="0" eaLnBrk="1" latinLnBrk="0" hangingPunct="1">
         <a:spcBef>
-          <a:spcPts val="400"/>
+          <a:spcPts val="1000"/>
         </a:spcBef>
         <a:spcAft>
-          <a:spcPts val="200"/>
+          <a:spcPts val="0"/>
         </a:spcAft>
         <a:buClr>
-          <a:schemeClr val="accent1">
-            <a:lumMod val="75000"/>
-          </a:schemeClr>
+          <a:schemeClr val="accent1"/>
         </a:buClr>
-        <a:buSzPct val="85000"/>
-        <a:buFont typeface="Wingdings" pitchFamily="2" charset="2"/>
-        <a:buChar char="§"/>
-        <a:defRPr sz="1600" kern="1200">
+        <a:buSzPct val="80000"/>
+        <a:buFont typeface="Wingdings 3" charset="2"/>
+        <a:buChar char=""/>
+        <a:defRPr sz="1200" kern="1200">
           <a:solidFill>
-            <a:schemeClr val="tx1"/>
+            <a:schemeClr val="tx1">
+              <a:lumMod val="75000"/>
+              <a:lumOff val="25000"/>
+            </a:schemeClr>
           </a:solidFill>
           <a:latin typeface="+mn-lt"/>
           <a:ea typeface="+mn-ea"/>
           <a:cs typeface="+mn-cs"/>
         </a:defRPr>
       </a:lvl4pPr>
-      <a:lvl5pPr marL="1280160" indent="-182880" algn="l" defTabSz="914400" rtl="0" eaLnBrk="1" latinLnBrk="0" hangingPunct="1">
-        <a:lnSpc>
-          <a:spcPct val="90000"/>
-        </a:lnSpc>
+      <a:lvl5pPr marL="2057400" indent="-228600" algn="l" defTabSz="457200" rtl="0" eaLnBrk="1" latinLnBrk="0" hangingPunct="1">
         <a:spcBef>
-          <a:spcPts val="400"/>
+          <a:spcPts val="1000"/>
         </a:spcBef>
         <a:spcAft>
-          <a:spcPts val="200"/>
+          <a:spcPts val="0"/>
         </a:spcAft>
         <a:buClr>
-          <a:schemeClr val="accent1">
-            <a:lumMod val="75000"/>
-          </a:schemeClr>
+          <a:schemeClr val="accent1"/>
         </a:buClr>
-        <a:buSzPct val="85000"/>
-        <a:buFont typeface="Wingdings" pitchFamily="2" charset="2"/>
-        <a:buChar char="§"/>
-        <a:defRPr sz="1600" kern="1200">
+        <a:buSzPct val="80000"/>
+        <a:buFont typeface="Wingdings 3" charset="2"/>
+        <a:buChar char=""/>
+        <a:defRPr sz="1200" kern="1200">
           <a:solidFill>
-            <a:schemeClr val="tx1"/>
+            <a:schemeClr val="tx1">
+              <a:lumMod val="75000"/>
+              <a:lumOff val="25000"/>
+            </a:schemeClr>
           </a:solidFill>
           <a:latin typeface="+mn-lt"/>
           <a:ea typeface="+mn-ea"/>
           <a:cs typeface="+mn-cs"/>
         </a:defRPr>
       </a:lvl5pPr>
-      <a:lvl6pPr marL="1600000" indent="-228600" algn="l" defTabSz="914400" rtl="0" eaLnBrk="1" latinLnBrk="0" hangingPunct="1">
-        <a:lnSpc>
-          <a:spcPct val="90000"/>
-        </a:lnSpc>
+      <a:lvl6pPr marL="2514600" indent="-228600" algn="l" defTabSz="457200" rtl="0" eaLnBrk="1" latinLnBrk="0" hangingPunct="1">
         <a:spcBef>
-          <a:spcPts val="400"/>
+          <a:spcPts val="1000"/>
         </a:spcBef>
         <a:spcAft>
-          <a:spcPts val="200"/>
+          <a:spcPts val="0"/>
         </a:spcAft>
         <a:buClr>
-          <a:schemeClr val="accent1">
-            <a:lumMod val="75000"/>
-          </a:schemeClr>
+          <a:schemeClr val="accent1"/>
         </a:buClr>
-        <a:buSzPct val="85000"/>
-        <a:buFont typeface="Wingdings" pitchFamily="2" charset="2"/>
-        <a:buChar char="§"/>
-        <a:defRPr sz="1600" kern="1200">
+        <a:buSzPct val="80000"/>
+        <a:buFont typeface="Wingdings 3" charset="2"/>
+        <a:buChar char=""/>
+        <a:defRPr sz="1200" kern="1200">
           <a:solidFill>
-            <a:schemeClr val="tx1"/>
+            <a:schemeClr val="tx1">
+              <a:lumMod val="75000"/>
+              <a:lumOff val="25000"/>
+            </a:schemeClr>
           </a:solidFill>
           <a:latin typeface="+mn-lt"/>
           <a:ea typeface="+mn-ea"/>
           <a:cs typeface="+mn-cs"/>
         </a:defRPr>
       </a:lvl6pPr>
-      <a:lvl7pPr marL="1900000" indent="-228600" algn="l" defTabSz="914400" rtl="0" eaLnBrk="1" latinLnBrk="0" hangingPunct="1">
-        <a:lnSpc>
-          <a:spcPct val="90000"/>
-        </a:lnSpc>
+      <a:lvl7pPr marL="2971800" indent="-228600" algn="l" defTabSz="457200" rtl="0" eaLnBrk="1" latinLnBrk="0" hangingPunct="1">
         <a:spcBef>
-          <a:spcPts val="400"/>
+          <a:spcPts val="1000"/>
         </a:spcBef>
         <a:spcAft>
-          <a:spcPts val="200"/>
+          <a:spcPts val="0"/>
         </a:spcAft>
         <a:buClr>
-          <a:schemeClr val="accent1">
-            <a:lumMod val="75000"/>
-          </a:schemeClr>
+          <a:schemeClr val="accent1"/>
         </a:buClr>
-        <a:buSzPct val="85000"/>
-        <a:buFont typeface="Wingdings" pitchFamily="2" charset="2"/>
-        <a:buChar char="§"/>
-        <a:defRPr sz="1600" kern="1200">
+        <a:buSzPct val="80000"/>
+        <a:buFont typeface="Wingdings 3" charset="2"/>
+        <a:buChar char=""/>
+        <a:defRPr sz="1200" kern="1200">
           <a:solidFill>
-            <a:schemeClr val="tx1"/>
+            <a:schemeClr val="tx1">
+              <a:lumMod val="75000"/>
+              <a:lumOff val="25000"/>
+            </a:schemeClr>
           </a:solidFill>
           <a:latin typeface="+mn-lt"/>
           <a:ea typeface="+mn-ea"/>
           <a:cs typeface="+mn-cs"/>
         </a:defRPr>
       </a:lvl7pPr>
-      <a:lvl8pPr marL="2200000" indent="-228600" algn="l" defTabSz="914400" rtl="0" eaLnBrk="1" latinLnBrk="0" hangingPunct="1">
-        <a:lnSpc>
-          <a:spcPct val="90000"/>
-        </a:lnSpc>
+      <a:lvl8pPr marL="3429000" indent="-228600" algn="l" defTabSz="457200" rtl="0" eaLnBrk="1" latinLnBrk="0" hangingPunct="1">
         <a:spcBef>
-          <a:spcPts val="400"/>
+          <a:spcPts val="1000"/>
         </a:spcBef>
         <a:spcAft>
-          <a:spcPts val="200"/>
+          <a:spcPts val="0"/>
         </a:spcAft>
         <a:buClr>
-          <a:schemeClr val="accent1">
-            <a:lumMod val="75000"/>
-          </a:schemeClr>
+          <a:schemeClr val="accent1"/>
         </a:buClr>
-        <a:buSzPct val="85000"/>
-        <a:buFont typeface="Wingdings" pitchFamily="2" charset="2"/>
-        <a:buChar char="§"/>
-        <a:defRPr sz="1600" kern="1200">
+        <a:buSzPct val="80000"/>
+        <a:buFont typeface="Wingdings 3" charset="2"/>
+        <a:buChar char=""/>
+        <a:defRPr sz="1200" kern="1200">
           <a:solidFill>
-            <a:schemeClr val="tx1"/>
+            <a:schemeClr val="tx1">
+              <a:lumMod val="75000"/>
+              <a:lumOff val="25000"/>
+            </a:schemeClr>
           </a:solidFill>
           <a:latin typeface="+mn-lt"/>
           <a:ea typeface="+mn-ea"/>
           <a:cs typeface="+mn-cs"/>
         </a:defRPr>
       </a:lvl8pPr>
-      <a:lvl9pPr marL="2500000" indent="-228600" algn="l" defTabSz="914400" rtl="0" eaLnBrk="1" latinLnBrk="0" hangingPunct="1">
-        <a:lnSpc>
-          <a:spcPct val="90000"/>
-        </a:lnSpc>
+      <a:lvl9pPr marL="3886200" indent="-228600" algn="l" defTabSz="457200" rtl="0" eaLnBrk="1" latinLnBrk="0" hangingPunct="1">
         <a:spcBef>
-          <a:spcPts val="400"/>
+          <a:spcPts val="1000"/>
         </a:spcBef>
         <a:spcAft>
-          <a:spcPts val="200"/>
+          <a:spcPts val="0"/>
         </a:spcAft>
         <a:buClr>
-          <a:schemeClr val="accent1">
-            <a:lumMod val="75000"/>
-          </a:schemeClr>
+          <a:schemeClr val="accent1"/>
         </a:buClr>
-        <a:buSzPct val="85000"/>
-        <a:buFont typeface="Wingdings" pitchFamily="2" charset="2"/>
-        <a:buChar char="§"/>
-        <a:defRPr sz="1600" kern="1200">
+        <a:buSzPct val="80000"/>
+        <a:buFont typeface="Wingdings 3" charset="2"/>
+        <a:buChar char=""/>
+        <a:defRPr sz="1200" kern="1200">
           <a:solidFill>
-            <a:schemeClr val="tx1"/>
+            <a:schemeClr val="tx1">
+              <a:lumMod val="75000"/>
+              <a:lumOff val="25000"/>
+            </a:schemeClr>
           </a:solidFill>
           <a:latin typeface="+mn-lt"/>
           <a:ea typeface="+mn-ea"/>
@@ -3920,7 +5711,7 @@
       <a:defPPr>
         <a:defRPr lang="en-US"/>
       </a:defPPr>
-      <a:lvl1pPr marL="0" algn="l" defTabSz="914400" rtl="0" eaLnBrk="1" latinLnBrk="0" hangingPunct="1">
+      <a:lvl1pPr marL="0" algn="l" defTabSz="457200" rtl="0" eaLnBrk="1" latinLnBrk="0" hangingPunct="1">
         <a:defRPr sz="1800" kern="1200">
           <a:solidFill>
             <a:schemeClr val="tx1"/>
@@ -3930,7 +5721,7 @@
           <a:cs typeface="+mn-cs"/>
         </a:defRPr>
       </a:lvl1pPr>
-      <a:lvl2pPr marL="457200" algn="l" defTabSz="914400" rtl="0" eaLnBrk="1" latinLnBrk="0" hangingPunct="1">
+      <a:lvl2pPr marL="457200" algn="l" defTabSz="457200" rtl="0" eaLnBrk="1" latinLnBrk="0" hangingPunct="1">
         <a:defRPr sz="1800" kern="1200">
           <a:solidFill>
             <a:schemeClr val="tx1"/>
@@ -3940,7 +5731,7 @@
           <a:cs typeface="+mn-cs"/>
         </a:defRPr>
       </a:lvl2pPr>
-      <a:lvl3pPr marL="914400" algn="l" defTabSz="914400" rtl="0" eaLnBrk="1" latinLnBrk="0" hangingPunct="1">
+      <a:lvl3pPr marL="914400" algn="l" defTabSz="457200" rtl="0" eaLnBrk="1" latinLnBrk="0" hangingPunct="1">
         <a:defRPr sz="1800" kern="1200">
           <a:solidFill>
             <a:schemeClr val="tx1"/>
@@ -3950,7 +5741,7 @@
           <a:cs typeface="+mn-cs"/>
         </a:defRPr>
       </a:lvl3pPr>
-      <a:lvl4pPr marL="1371600" algn="l" defTabSz="914400" rtl="0" eaLnBrk="1" latinLnBrk="0" hangingPunct="1">
+      <a:lvl4pPr marL="1371600" algn="l" defTabSz="457200" rtl="0" eaLnBrk="1" latinLnBrk="0" hangingPunct="1">
         <a:defRPr sz="1800" kern="1200">
           <a:solidFill>
             <a:schemeClr val="tx1"/>
@@ -3960,7 +5751,7 @@
           <a:cs typeface="+mn-cs"/>
         </a:defRPr>
       </a:lvl4pPr>
-      <a:lvl5pPr marL="1828800" algn="l" defTabSz="914400" rtl="0" eaLnBrk="1" latinLnBrk="0" hangingPunct="1">
+      <a:lvl5pPr marL="1828800" algn="l" defTabSz="457200" rtl="0" eaLnBrk="1" latinLnBrk="0" hangingPunct="1">
         <a:defRPr sz="1800" kern="1200">
           <a:solidFill>
             <a:schemeClr val="tx1"/>
@@ -3970,7 +5761,7 @@
           <a:cs typeface="+mn-cs"/>
         </a:defRPr>
       </a:lvl5pPr>
-      <a:lvl6pPr marL="2286000" algn="l" defTabSz="914400" rtl="0" eaLnBrk="1" latinLnBrk="0" hangingPunct="1">
+      <a:lvl6pPr marL="2286000" algn="l" defTabSz="457200" rtl="0" eaLnBrk="1" latinLnBrk="0" hangingPunct="1">
         <a:defRPr sz="1800" kern="1200">
           <a:solidFill>
             <a:schemeClr val="tx1"/>
@@ -3980,7 +5771,7 @@
           <a:cs typeface="+mn-cs"/>
         </a:defRPr>
       </a:lvl6pPr>
-      <a:lvl7pPr marL="2743200" algn="l" defTabSz="914400" rtl="0" eaLnBrk="1" latinLnBrk="0" hangingPunct="1">
+      <a:lvl7pPr marL="2743200" algn="l" defTabSz="457200" rtl="0" eaLnBrk="1" latinLnBrk="0" hangingPunct="1">
         <a:defRPr sz="1800" kern="1200">
           <a:solidFill>
             <a:schemeClr val="tx1"/>
@@ -3990,7 +5781,7 @@
           <a:cs typeface="+mn-cs"/>
         </a:defRPr>
       </a:lvl7pPr>
-      <a:lvl8pPr marL="3200400" algn="l" defTabSz="914400" rtl="0" eaLnBrk="1" latinLnBrk="0" hangingPunct="1">
+      <a:lvl8pPr marL="3200400" algn="l" defTabSz="457200" rtl="0" eaLnBrk="1" latinLnBrk="0" hangingPunct="1">
         <a:defRPr sz="1800" kern="1200">
           <a:solidFill>
             <a:schemeClr val="tx1"/>
@@ -4000,7 +5791,7 @@
           <a:cs typeface="+mn-cs"/>
         </a:defRPr>
       </a:lvl8pPr>
-      <a:lvl9pPr marL="3657600" algn="l" defTabSz="914400" rtl="0" eaLnBrk="1" latinLnBrk="0" hangingPunct="1">
+      <a:lvl9pPr marL="3657600" algn="l" defTabSz="457200" rtl="0" eaLnBrk="1" latinLnBrk="0" hangingPunct="1">
         <a:defRPr sz="1800" kern="1200">
           <a:solidFill>
             <a:schemeClr val="tx1"/>
@@ -4034,13 +5825,7 @@
       </p:grpSpPr>
       <p:sp>
         <p:nvSpPr>
-          <p:cNvPr id="2" name="Title 1">
-            <a:extLst>
-              <a:ext uri="{FF2B5EF4-FFF2-40B4-BE49-F238E27FC236}">
-                <a16:creationId xmlns:a16="http://schemas.microsoft.com/office/drawing/2014/main" id="{AC10EDF4-686F-F8EB-286F-3FC8FB789068}"/>
-              </a:ext>
-            </a:extLst>
-          </p:cNvPr>
+          <p:cNvPr id="2" name="Title 1"/>
           <p:cNvSpPr>
             <a:spLocks noGrp="1"/>
           </p:cNvSpPr>
@@ -4053,19 +5838,15 @@
           <a:bodyPr/>
           <a:lstStyle/>
           <a:p>
-            <a:endParaRPr lang="en-US"/>
-          </a:p>
-        </p:txBody>
-      </p:sp>
-      <p:sp>
-        <p:nvSpPr>
-          <p:cNvPr id="3" name="Subtitle 2">
-            <a:extLst>
-              <a:ext uri="{FF2B5EF4-FFF2-40B4-BE49-F238E27FC236}">
-                <a16:creationId xmlns:a16="http://schemas.microsoft.com/office/drawing/2014/main" id="{D29FF052-96FD-5FE1-B187-2C0A35ACF5CA}"/>
-              </a:ext>
-            </a:extLst>
-          </p:cNvPr>
+            <a:r>
+              <a:t>History of France in Football</a:t>
+            </a:r>
+          </a:p>
+        </p:txBody>
+      </p:sp>
+      <p:sp>
+        <p:nvSpPr>
+          <p:cNvPr id="3" name="Subtitle 2"/>
           <p:cNvSpPr>
             <a:spLocks noGrp="1"/>
           </p:cNvSpPr>
@@ -4078,16 +5859,13 @@
           <a:bodyPr/>
           <a:lstStyle/>
           <a:p>
-            <a:endParaRPr lang="en-US"/>
+            <a:r>
+              <a:t>Created with AI Presentation Generator</a:t>
+            </a:r>
           </a:p>
         </p:txBody>
       </p:sp>
     </p:spTree>
-    <p:extLst>
-      <p:ext uri="{BB962C8B-B14F-4D97-AF65-F5344CB8AC3E}">
-        <p14:creationId xmlns:p14="http://schemas.microsoft.com/office/powerpoint/2010/main" val="1947262446"/>
-      </p:ext>
-    </p:extLst>
   </p:cSld>
   <p:clrMapOvr>
     <a:masterClrMapping/>
@@ -4096,7 +5874,7 @@
 </file>
 
 <file path=ppt/slides/slide10.xml><?xml version="1.0" encoding="utf-8"?>
-<p:sld xmlns:a="http://schemas.openxmlformats.org/drawingml/2006/main" xmlns:p="http://schemas.openxmlformats.org/presentationml/2006/main" xmlns:r="http://schemas.openxmlformats.org/officeDocument/2006/relationships">
+<p:sld xmlns:a="http://schemas.openxmlformats.org/drawingml/2006/main" xmlns:r="http://schemas.openxmlformats.org/officeDocument/2006/relationships" xmlns:p="http://schemas.openxmlformats.org/presentationml/2006/main">
   <p:cSld>
     <p:spTree>
       <p:nvGrpSpPr>
@@ -4104,7 +5882,14 @@
         <p:cNvGrpSpPr/>
         <p:nvPr/>
       </p:nvGrpSpPr>
-      <p:grpSpPr/>
+      <p:grpSpPr>
+        <a:xfrm>
+          <a:off x="0" y="0"/>
+          <a:ext cx="0" cy="0"/>
+          <a:chOff x="0" y="0"/>
+          <a:chExt cx="0" cy="0"/>
+        </a:xfrm>
+      </p:grpSpPr>
       <p:sp>
         <p:nvSpPr>
           <p:cNvPr id="2" name="Title 1"/>
@@ -4121,7 +5906,7 @@
           <a:lstStyle/>
           <a:p>
             <a:r>
-              <a:t>French Football and Global Influence</a:t>
+              <a:t>Future Prospects</a:t>
             </a:r>
           </a:p>
         </p:txBody>
@@ -4143,21 +5928,18 @@
           </a:bodyPr>
           <a:lstStyle/>
           <a:p>
-            <a:pPr/>
-            <a:r>
-              <a:t>French football has had a significant impact on the global game, with the country's style of play and coaching methods influencing clubs and national teams around the world.</a:t>
-            </a:r>
-          </a:p>
-          <a:p>
-            <a:pPr/>
-            <a:r>
-              <a:t>The success of French players in international competitions has also helped to promote the sport and attract new fans to the country.</a:t>
-            </a:r>
-          </a:p>
-          <a:p>
-            <a:pPr/>
-            <a:r>
-              <a:t>The French Football Federation's commitment to youth development and grassroots initiatives has also helped to spread the sport globally.</a:t>
+            <a:r>
+              <a:t>France's success in the 2018 World Cup has created a strong foundation for future success, with a talented group of players and a experienced coaching staff.</a:t>
+            </a:r>
+          </a:p>
+          <a:p>
+            <a:r>
+              <a:t>The emergence of young players such as Kylian Mbappé and Dayot Upamecano has given France a bright future, as they look to build on their World Cup victory.</a:t>
+            </a:r>
+          </a:p>
+          <a:p>
+            <a:r>
+              <a:t>However, the team will face stiff competition from other European nations, including England, Germany, and Portugal, as they bid to retain their World Cup title in 2022.</a:t>
             </a:r>
           </a:p>
         </p:txBody>
@@ -4171,7 +5953,7 @@
 </file>
 
 <file path=ppt/slides/slide11.xml><?xml version="1.0" encoding="utf-8"?>
-<p:sld xmlns:a="http://schemas.openxmlformats.org/drawingml/2006/main" xmlns:p="http://schemas.openxmlformats.org/presentationml/2006/main" xmlns:r="http://schemas.openxmlformats.org/officeDocument/2006/relationships">
+<p:sld xmlns:a="http://schemas.openxmlformats.org/drawingml/2006/main" xmlns:r="http://schemas.openxmlformats.org/officeDocument/2006/relationships" xmlns:p="http://schemas.openxmlformats.org/presentationml/2006/main">
   <p:cSld>
     <p:spTree>
       <p:nvGrpSpPr>
@@ -4179,7 +5961,172 @@
         <p:cNvGrpSpPr/>
         <p:nvPr/>
       </p:nvGrpSpPr>
-      <p:grpSpPr/>
+      <p:grpSpPr>
+        <a:xfrm>
+          <a:off x="0" y="0"/>
+          <a:ext cx="0" cy="0"/>
+          <a:chOff x="0" y="0"/>
+          <a:chExt cx="0" cy="0"/>
+        </a:xfrm>
+      </p:grpSpPr>
+      <p:sp>
+        <p:nvSpPr>
+          <p:cNvPr id="2" name="Title 1"/>
+          <p:cNvSpPr>
+            <a:spLocks noGrp="1"/>
+          </p:cNvSpPr>
+          <p:nvPr>
+            <p:ph type="title"/>
+          </p:nvPr>
+        </p:nvSpPr>
+        <p:spPr/>
+        <p:txBody>
+          <a:bodyPr/>
+          <a:lstStyle/>
+          <a:p>
+            <a:r>
+              <a:t>Conclusion</a:t>
+            </a:r>
+          </a:p>
+        </p:txBody>
+      </p:sp>
+      <p:sp>
+        <p:nvSpPr>
+          <p:cNvPr id="3" name="Content Placeholder 2"/>
+          <p:cNvSpPr>
+            <a:spLocks noGrp="1"/>
+          </p:cNvSpPr>
+          <p:nvPr>
+            <p:ph idx="1"/>
+          </p:nvPr>
+        </p:nvSpPr>
+        <p:spPr/>
+        <p:txBody>
+          <a:bodyPr wrap="square">
+            <a:normAutofit/>
+          </a:bodyPr>
+          <a:lstStyle/>
+          <a:p>
+            <a:r>
+              <a:t>Summary of key points and takeaways</a:t>
+            </a:r>
+          </a:p>
+          <a:p>
+            <a:r>
+              <a:t>Future outlook and recommendations</a:t>
+            </a:r>
+          </a:p>
+          <a:p>
+            <a:r>
+              <a:t>Q&amp;A and discussion</a:t>
+            </a:r>
+          </a:p>
+        </p:txBody>
+      </p:sp>
+    </p:spTree>
+  </p:cSld>
+  <p:clrMapOvr>
+    <a:masterClrMapping/>
+  </p:clrMapOvr>
+</p:sld>
+</file>
+
+<file path=ppt/slides/slide2.xml><?xml version="1.0" encoding="utf-8"?>
+<p:sld xmlns:a="http://schemas.openxmlformats.org/drawingml/2006/main" xmlns:r="http://schemas.openxmlformats.org/officeDocument/2006/relationships" xmlns:p="http://schemas.openxmlformats.org/presentationml/2006/main">
+  <p:cSld>
+    <p:spTree>
+      <p:nvGrpSpPr>
+        <p:cNvPr id="1" name=""/>
+        <p:cNvGrpSpPr/>
+        <p:nvPr/>
+      </p:nvGrpSpPr>
+      <p:grpSpPr>
+        <a:xfrm>
+          <a:off x="0" y="0"/>
+          <a:ext cx="0" cy="0"/>
+          <a:chOff x="0" y="0"/>
+          <a:chExt cx="0" cy="0"/>
+        </a:xfrm>
+      </p:grpSpPr>
+      <p:sp>
+        <p:nvSpPr>
+          <p:cNvPr id="2" name="Title 1"/>
+          <p:cNvSpPr>
+            <a:spLocks noGrp="1"/>
+          </p:cNvSpPr>
+          <p:nvPr>
+            <p:ph type="title"/>
+          </p:nvPr>
+        </p:nvSpPr>
+        <p:spPr/>
+        <p:txBody>
+          <a:bodyPr/>
+          <a:lstStyle/>
+          <a:p>
+            <a:r>
+              <a:t>Introduction</a:t>
+            </a:r>
+          </a:p>
+        </p:txBody>
+      </p:sp>
+      <p:sp>
+        <p:nvSpPr>
+          <p:cNvPr id="3" name="Content Placeholder 2"/>
+          <p:cNvSpPr>
+            <a:spLocks noGrp="1"/>
+          </p:cNvSpPr>
+          <p:nvPr>
+            <p:ph idx="1"/>
+          </p:nvPr>
+        </p:nvSpPr>
+        <p:spPr/>
+        <p:txBody>
+          <a:bodyPr wrap="square">
+            <a:normAutofit/>
+          </a:bodyPr>
+          <a:lstStyle/>
+          <a:p>
+            <a:r>
+              <a:t>The history of France in football spans over a century, with the country's national team first competing in the 1920 Summer Olympics.</a:t>
+            </a:r>
+          </a:p>
+          <a:p>
+            <a:r>
+              <a:t>France has experienced periods of great success and failure, shaping the nation's identity and passion for the sport.</a:t>
+            </a:r>
+          </a:p>
+          <a:p>
+            <a:r>
+              <a:t>This presentation will explore the major milestones, achievements, and influential figures that have contributed to France's rich football heritage.</a:t>
+            </a:r>
+          </a:p>
+        </p:txBody>
+      </p:sp>
+    </p:spTree>
+  </p:cSld>
+  <p:clrMapOvr>
+    <a:masterClrMapping/>
+  </p:clrMapOvr>
+</p:sld>
+</file>
+
+<file path=ppt/slides/slide3.xml><?xml version="1.0" encoding="utf-8"?>
+<p:sld xmlns:a="http://schemas.openxmlformats.org/drawingml/2006/main" xmlns:r="http://schemas.openxmlformats.org/officeDocument/2006/relationships" xmlns:p="http://schemas.openxmlformats.org/presentationml/2006/main">
+  <p:cSld>
+    <p:spTree>
+      <p:nvGrpSpPr>
+        <p:cNvPr id="1" name=""/>
+        <p:cNvGrpSpPr/>
+        <p:nvPr/>
+      </p:nvGrpSpPr>
+      <p:grpSpPr>
+        <a:xfrm>
+          <a:off x="0" y="0"/>
+          <a:ext cx="0" cy="0"/>
+          <a:chOff x="0" y="0"/>
+          <a:chExt cx="0" cy="0"/>
+        </a:xfrm>
+      </p:grpSpPr>
       <p:sp>
         <p:nvSpPr>
           <p:cNvPr id="2" name="TextBox 1"/>
@@ -4206,234 +6153,7 @@
               <a:defRPr sz="3200" b="1"/>
             </a:pPr>
             <a:r>
-              <a:t>Conclusion</a:t>
-            </a:r>
-          </a:p>
-        </p:txBody>
-      </p:sp>
-      <p:pic>
-        <p:nvPicPr>
-          <p:cNvPr id="3" name="Picture 2" descr="Conclusion_WC0op_7ui18.jpg"/>
-          <p:cNvPicPr>
-            <a:picLocks noChangeAspect="1"/>
-          </p:cNvPicPr>
-          <p:nvPr/>
-        </p:nvPicPr>
-        <p:blipFill>
-          <a:blip r:embed="rId2"/>
-          <a:stretch>
-            <a:fillRect/>
-          </a:stretch>
-        </p:blipFill>
-        <p:spPr>
-          <a:xfrm>
-            <a:off x="457200" y="1371600"/>
-            <a:ext cx="4114800" cy="5029200"/>
-          </a:xfrm>
-          <a:prstGeom prst="rect">
-            <a:avLst/>
-          </a:prstGeom>
-        </p:spPr>
-      </p:pic>
-      <p:sp>
-        <p:nvSpPr>
-          <p:cNvPr id="4" name="TextBox 3"/>
-          <p:cNvSpPr txBox="1"/>
-          <p:nvPr/>
-        </p:nvSpPr>
-        <p:spPr>
-          <a:xfrm>
-            <a:off x="5029200" y="1371600"/>
-            <a:ext cx="4114800" cy="5029200"/>
-          </a:xfrm>
-          <a:prstGeom prst="rect">
-            <a:avLst/>
-          </a:prstGeom>
-          <a:noFill/>
-        </p:spPr>
-        <p:txBody>
-          <a:bodyPr wrap="square">
-            <a:spAutoFit/>
-          </a:bodyPr>
-          <a:lstStyle/>
-          <a:p>
-            <a:pPr>
-              <a:defRPr sz="1400"/>
-            </a:pPr>
-            <a:r>
-              <a:t>France's rich history in football is a testament to the country's passion and dedication to the sport. From its early beginnings to its current status as a global football powerhouse, France has consistently produced top talent and achieved significant success on the international stage.</a:t>
-            </a:r>
-          </a:p>
-        </p:txBody>
-      </p:sp>
-    </p:spTree>
-  </p:cSld>
-  <p:clrMapOvr>
-    <a:masterClrMapping/>
-  </p:clrMapOvr>
-</p:sld>
-</file>
-
-<file path=ppt/slides/slide2.xml><?xml version="1.0" encoding="utf-8"?>
-<p:sld xmlns:a="http://schemas.openxmlformats.org/drawingml/2006/main" xmlns:p="http://schemas.openxmlformats.org/presentationml/2006/main" xmlns:r="http://schemas.openxmlformats.org/officeDocument/2006/relationships">
-  <p:cSld>
-    <p:spTree>
-      <p:nvGrpSpPr>
-        <p:cNvPr id="1" name=""/>
-        <p:cNvGrpSpPr/>
-        <p:nvPr/>
-      </p:nvGrpSpPr>
-      <p:grpSpPr/>
-      <p:sp>
-        <p:nvSpPr>
-          <p:cNvPr id="2" name="Title 1"/>
-          <p:cNvSpPr>
-            <a:spLocks noGrp="1"/>
-          </p:cNvSpPr>
-          <p:nvPr>
-            <p:ph type="ctrTitle"/>
-          </p:nvPr>
-        </p:nvSpPr>
-        <p:spPr/>
-        <p:txBody>
-          <a:bodyPr/>
-          <a:lstStyle/>
-          <a:p>
-            <a:r>
-              <a:t>The History of France in Football</a:t>
-            </a:r>
-          </a:p>
-        </p:txBody>
-      </p:sp>
-      <p:sp>
-        <p:nvSpPr>
-          <p:cNvPr id="3" name="Subtitle 2"/>
-          <p:cNvSpPr>
-            <a:spLocks noGrp="1"/>
-          </p:cNvSpPr>
-          <p:nvPr>
-            <p:ph type="subTitle" idx="1"/>
-          </p:nvPr>
-        </p:nvSpPr>
-        <p:spPr/>
-        <p:txBody>
-          <a:bodyPr/>
-          <a:lstStyle/>
-          <a:p>
-            <a:r>
-              <a:t>Created with AI Presentation Generator</a:t>
-            </a:r>
-          </a:p>
-        </p:txBody>
-      </p:sp>
-    </p:spTree>
-  </p:cSld>
-  <p:clrMapOvr>
-    <a:masterClrMapping/>
-  </p:clrMapOvr>
-</p:sld>
-</file>
-
-<file path=ppt/slides/slide3.xml><?xml version="1.0" encoding="utf-8"?>
-<p:sld xmlns:a="http://schemas.openxmlformats.org/drawingml/2006/main" xmlns:p="http://schemas.openxmlformats.org/presentationml/2006/main" xmlns:r="http://schemas.openxmlformats.org/officeDocument/2006/relationships">
-  <p:cSld>
-    <p:spTree>
-      <p:nvGrpSpPr>
-        <p:cNvPr id="1" name=""/>
-        <p:cNvGrpSpPr/>
-        <p:nvPr/>
-      </p:nvGrpSpPr>
-      <p:grpSpPr/>
-      <p:sp>
-        <p:nvSpPr>
-          <p:cNvPr id="2" name="Title 1"/>
-          <p:cNvSpPr>
-            <a:spLocks noGrp="1"/>
-          </p:cNvSpPr>
-          <p:nvPr>
-            <p:ph type="title"/>
-          </p:nvPr>
-        </p:nvSpPr>
-        <p:spPr/>
-        <p:txBody>
-          <a:bodyPr/>
-          <a:lstStyle/>
-          <a:p>
-            <a:r>
-              <a:t>Introduction</a:t>
-            </a:r>
-          </a:p>
-        </p:txBody>
-      </p:sp>
-      <p:sp>
-        <p:nvSpPr>
-          <p:cNvPr id="3" name="Content Placeholder 2"/>
-          <p:cNvSpPr>
-            <a:spLocks noGrp="1"/>
-          </p:cNvSpPr>
-          <p:nvPr>
-            <p:ph idx="1"/>
-          </p:nvPr>
-        </p:nvSpPr>
-        <p:spPr/>
-        <p:txBody>
-          <a:bodyPr wrap="square">
-            <a:normAutofit/>
-          </a:bodyPr>
-          <a:lstStyle/>
-          <a:p>
-            <a:pPr/>
-            <a:r>
-              <a:t>France has a rich and storied history in football, with a legacy that spans over a century. From humble beginnings to international success, the country has produced some of the greatest players and teams in the sport's history. This presentation will explore the evolution of football in France, highlighting key milestones, achievements, and cultural influences that have shaped the nation's passion for the game.</a:t>
-            </a:r>
-          </a:p>
-        </p:txBody>
-      </p:sp>
-    </p:spTree>
-  </p:cSld>
-  <p:clrMapOvr>
-    <a:masterClrMapping/>
-  </p:clrMapOvr>
-</p:sld>
-</file>
-
-<file path=ppt/slides/slide4.xml><?xml version="1.0" encoding="utf-8"?>
-<p:sld xmlns:a="http://schemas.openxmlformats.org/drawingml/2006/main" xmlns:p="http://schemas.openxmlformats.org/presentationml/2006/main" xmlns:r="http://schemas.openxmlformats.org/officeDocument/2006/relationships">
-  <p:cSld>
-    <p:spTree>
-      <p:nvGrpSpPr>
-        <p:cNvPr id="1" name=""/>
-        <p:cNvGrpSpPr/>
-        <p:nvPr/>
-      </p:nvGrpSpPr>
-      <p:grpSpPr/>
-      <p:sp>
-        <p:nvSpPr>
-          <p:cNvPr id="2" name="TextBox 1"/>
-          <p:cNvSpPr txBox="1"/>
-          <p:nvPr/>
-        </p:nvSpPr>
-        <p:spPr>
-          <a:xfrm>
-            <a:off x="457200" y="457200"/>
-            <a:ext cx="8229600" cy="914400"/>
-          </a:xfrm>
-          <a:prstGeom prst="rect">
-            <a:avLst/>
-          </a:prstGeom>
-          <a:noFill/>
-        </p:spPr>
-        <p:txBody>
-          <a:bodyPr wrap="none">
-            <a:spAutoFit/>
-          </a:bodyPr>
-          <a:lstStyle/>
-          <a:p>
-            <a:pPr>
-              <a:defRPr sz="3200" b="1"/>
-            </a:pPr>
-            <a:r>
-              <a:t>Early Years of French Football</a:t>
+              <a:t>Early Years (1920s-1950s)</a:t>
             </a:r>
           </a:p>
         </p:txBody>
@@ -4464,7 +6184,7 @@
               <a:defRPr sz="1400"/>
             </a:pPr>
             <a:r>
-              <a:t>The first French football club, Standard Athletic Club de Paris, was founded in 1889, marking the beginning of the sport's development in the country.</a:t>
+              <a:t>France's national team first gained international recognition after participating in the 1920 Summer Olympics, where they finished as runners-up.</a:t>
             </a:r>
           </a:p>
           <a:p>
@@ -4472,7 +6192,7 @@
               <a:defRPr sz="1400"/>
             </a:pPr>
             <a:r>
-              <a:t>The French Football Federation (FFF) was established in 1919, paving the way for the country's participation in international competitions.</a:t>
+              <a:t>The team's early successes were largely due to the efforts of players such as André Maschinot and Marcel Langiller, who were known for their exceptional skills on the pitch.</a:t>
             </a:r>
           </a:p>
           <a:p>
@@ -4480,14 +6200,14 @@
               <a:defRPr sz="1400"/>
             </a:pPr>
             <a:r>
-              <a:t>In the early 20th century, French clubs began competing in European competitions, with the first appearance in the European Cup in 1956.</a:t>
+              <a:t>However, the team's performance declined in the 1930s, and France failed to qualify for the 1934 World Cup, marking a low point in the nation's football history.</a:t>
             </a:r>
           </a:p>
         </p:txBody>
       </p:sp>
       <p:pic>
         <p:nvPicPr>
-          <p:cNvPr id="4" name="Picture 3" descr="Early Years of French Football_hENF2c9UXr8.jpg"/>
+          <p:cNvPr id="4" name="Picture 3" descr="Early Years (1920s-1950s)_YonLTnjaR6o.jpg"/>
           <p:cNvPicPr>
             <a:picLocks noChangeAspect="1"/>
           </p:cNvPicPr>
@@ -4517,8 +6237,8 @@
 </p:sld>
 </file>
 
-<file path=ppt/slides/slide5.xml><?xml version="1.0" encoding="utf-8"?>
-<p:sld xmlns:a="http://schemas.openxmlformats.org/drawingml/2006/main" xmlns:p="http://schemas.openxmlformats.org/presentationml/2006/main" xmlns:r="http://schemas.openxmlformats.org/officeDocument/2006/relationships">
+<file path=ppt/slides/slide4.xml><?xml version="1.0" encoding="utf-8"?>
+<p:sld xmlns:a="http://schemas.openxmlformats.org/drawingml/2006/main" xmlns:r="http://schemas.openxmlformats.org/officeDocument/2006/relationships" xmlns:p="http://schemas.openxmlformats.org/presentationml/2006/main">
   <p:cSld>
     <p:spTree>
       <p:nvGrpSpPr>
@@ -4526,7 +6246,14 @@
         <p:cNvGrpSpPr/>
         <p:nvPr/>
       </p:nvGrpSpPr>
-      <p:grpSpPr/>
+      <p:grpSpPr>
+        <a:xfrm>
+          <a:off x="0" y="0"/>
+          <a:ext cx="0" cy="0"/>
+          <a:chOff x="0" y="0"/>
+          <a:chExt cx="0" cy="0"/>
+        </a:xfrm>
+      </p:grpSpPr>
       <p:sp>
         <p:nvSpPr>
           <p:cNvPr id="2" name="Title 1"/>
@@ -4543,7 +6270,7 @@
           <a:lstStyle/>
           <a:p>
             <a:r>
-              <a:t>Post-War Era and the Rise of French Football</a:t>
+              <a:t>The Golden Generation (1958-1966)</a:t>
             </a:r>
           </a:p>
         </p:txBody>
@@ -4565,21 +6292,18 @@
           </a:bodyPr>
           <a:lstStyle/>
           <a:p>
-            <a:pPr/>
-            <a:r>
-              <a:t>The post-war period saw a significant resurgence in French football, with the country's national team winning its first major international trophy in 1958, the World Cup.</a:t>
-            </a:r>
-          </a:p>
-          <a:p>
-            <a:pPr/>
-            <a:r>
-              <a:t>The iconic team of that era, led by players like Raymond Kopa and Just Fontaine, was known for its attacking style of play and charismatic leadership.</a:t>
-            </a:r>
-          </a:p>
-          <a:p>
-            <a:pPr/>
-            <a:r>
-              <a:t>French clubs began to attract top talent from around the world, with the likes of Eusébio and Pelé featuring for clubs in the country.</a:t>
+            <a:r>
+              <a:t>France's fortunes changed with the emergence of a new generation of talented players, including Raymond Kopa and Jean Vincent, who led the team to the 1958 World Cup semifinals.</a:t>
+            </a:r>
+          </a:p>
+          <a:p>
+            <a:r>
+              <a:t>This period also saw the introduction of the 4-2-4 formation, which became a hallmark of French football and influenced the development of the game worldwide.</a:t>
+            </a:r>
+          </a:p>
+          <a:p>
+            <a:r>
+              <a:t>France's success in the 1960s was capped by their victory in the 1960 European Nations' Cup, marking the country's first major international title.</a:t>
             </a:r>
           </a:p>
         </p:txBody>
@@ -4592,8 +6316,8 @@
 </p:sld>
 </file>
 
-<file path=ppt/slides/slide6.xml><?xml version="1.0" encoding="utf-8"?>
-<p:sld xmlns:a="http://schemas.openxmlformats.org/drawingml/2006/main" xmlns:p="http://schemas.openxmlformats.org/presentationml/2006/main" xmlns:r="http://schemas.openxmlformats.org/officeDocument/2006/relationships">
+<file path=ppt/slides/slide5.xml><?xml version="1.0" encoding="utf-8"?>
+<p:sld xmlns:a="http://schemas.openxmlformats.org/drawingml/2006/main" xmlns:r="http://schemas.openxmlformats.org/officeDocument/2006/relationships" xmlns:p="http://schemas.openxmlformats.org/presentationml/2006/main">
   <p:cSld>
     <p:spTree>
       <p:nvGrpSpPr>
@@ -4601,7 +6325,14 @@
         <p:cNvGrpSpPr/>
         <p:nvPr/>
       </p:nvGrpSpPr>
-      <p:grpSpPr/>
+      <p:grpSpPr>
+        <a:xfrm>
+          <a:off x="0" y="0"/>
+          <a:ext cx="0" cy="0"/>
+          <a:chOff x="0" y="0"/>
+          <a:chExt cx="0" cy="0"/>
+        </a:xfrm>
+      </p:grpSpPr>
       <p:sp>
         <p:nvSpPr>
           <p:cNvPr id="2" name="TextBox 1"/>
@@ -4628,7 +6359,7 @@
               <a:defRPr sz="3200" b="1"/>
             </a:pPr>
             <a:r>
-              <a:t>The Golden Generation of French Football</a:t>
+              <a:t>The Tricolor Era (1984-1998)</a:t>
             </a:r>
           </a:p>
         </p:txBody>
@@ -4659,7 +6390,7 @@
               <a:defRPr sz="1400"/>
             </a:pPr>
             <a:r>
-              <a:t>The 1980s and 1990s saw the emergence of a new generation of French footballers, including Zinedine Zidane, Thierry Henry, and David Ginola.</a:t>
+              <a:t>The 1984 European Championship marked the beginning of a new era for French football, as the team, led by Michel Platini, won their first major international title in 20 years.</a:t>
             </a:r>
           </a:p>
         </p:txBody>
@@ -4690,7 +6421,7 @@
               <a:defRPr sz="1400"/>
             </a:pPr>
             <a:r>
-              <a:t>This group of players revolutionized the sport in France, introducing a more physical and tactical style of play that would go on to influence the country's national team for years to come.</a:t>
+              <a:t>This period saw the emergence of iconic players such as Eric Cantona, Didier Deschamps, and Zinedine Zidane, who would go on to become some of the greatest players in French football history.</a:t>
             </a:r>
           </a:p>
           <a:p>
@@ -4698,7 +6429,7 @@
               <a:defRPr sz="1400"/>
             </a:pPr>
             <a:r>
-              <a:t>The success of French clubs in European competitions, including the 1993 European Cup Winners' Cup, solidified the country's reputation as a football powerhouse.</a:t>
+              <a:t>France's success continued in the 1990s, as the team reached the 1998 World Cup final, where they defeated Brazil 3-0 to claim their first World Cup title.</a:t>
             </a:r>
           </a:p>
         </p:txBody>
@@ -4711,8 +6442,8 @@
 </p:sld>
 </file>
 
-<file path=ppt/slides/slide7.xml><?xml version="1.0" encoding="utf-8"?>
-<p:sld xmlns:a="http://schemas.openxmlformats.org/drawingml/2006/main" xmlns:p="http://schemas.openxmlformats.org/presentationml/2006/main" xmlns:r="http://schemas.openxmlformats.org/officeDocument/2006/relationships">
+<file path=ppt/slides/slide6.xml><?xml version="1.0" encoding="utf-8"?>
+<p:sld xmlns:a="http://schemas.openxmlformats.org/drawingml/2006/main" xmlns:r="http://schemas.openxmlformats.org/officeDocument/2006/relationships" xmlns:p="http://schemas.openxmlformats.org/presentationml/2006/main">
   <p:cSld>
     <p:spTree>
       <p:nvGrpSpPr>
@@ -4720,10 +6451,17 @@
         <p:cNvGrpSpPr/>
         <p:nvPr/>
       </p:nvGrpSpPr>
-      <p:grpSpPr/>
+      <p:grpSpPr>
+        <a:xfrm>
+          <a:off x="0" y="0"/>
+          <a:ext cx="0" cy="0"/>
+          <a:chOff x="0" y="0"/>
+          <a:chExt cx="0" cy="0"/>
+        </a:xfrm>
+      </p:grpSpPr>
       <p:pic>
         <p:nvPicPr>
-          <p:cNvPr id="2" name="Picture 1" descr="Modern French Football_zgJhCDLxVvs.jpg"/>
+          <p:cNvPr id="2" name="Picture 1" descr="The Modern Era (1998-Present)_eA2t5EvcxU4.jpg"/>
           <p:cNvPicPr>
             <a:picLocks noChangeAspect="1"/>
           </p:cNvPicPr>
@@ -4777,7 +6515,86 @@
               </a:defRPr>
             </a:pPr>
             <a:r>
-              <a:t>Modern French Football</a:t>
+              <a:t>The Modern Era (1998-Present)</a:t>
+            </a:r>
+          </a:p>
+        </p:txBody>
+      </p:sp>
+    </p:spTree>
+  </p:cSld>
+  <p:clrMapOvr>
+    <a:masterClrMapping/>
+  </p:clrMapOvr>
+</p:sld>
+</file>
+
+<file path=ppt/slides/slide7.xml><?xml version="1.0" encoding="utf-8"?>
+<p:sld xmlns:a="http://schemas.openxmlformats.org/drawingml/2006/main" xmlns:r="http://schemas.openxmlformats.org/officeDocument/2006/relationships" xmlns:p="http://schemas.openxmlformats.org/presentationml/2006/main">
+  <p:cSld>
+    <p:spTree>
+      <p:nvGrpSpPr>
+        <p:cNvPr id="1" name=""/>
+        <p:cNvGrpSpPr/>
+        <p:nvPr/>
+      </p:nvGrpSpPr>
+      <p:grpSpPr>
+        <a:xfrm>
+          <a:off x="0" y="0"/>
+          <a:ext cx="0" cy="0"/>
+          <a:chOff x="0" y="0"/>
+          <a:chExt cx="0" cy="0"/>
+        </a:xfrm>
+      </p:grpSpPr>
+      <p:sp>
+        <p:nvSpPr>
+          <p:cNvPr id="2" name="Title 1"/>
+          <p:cNvSpPr>
+            <a:spLocks noGrp="1"/>
+          </p:cNvSpPr>
+          <p:nvPr>
+            <p:ph type="title"/>
+          </p:nvPr>
+        </p:nvSpPr>
+        <p:spPr/>
+        <p:txBody>
+          <a:bodyPr/>
+          <a:lstStyle/>
+          <a:p>
+            <a:r>
+              <a:t>Notable Players</a:t>
+            </a:r>
+          </a:p>
+        </p:txBody>
+      </p:sp>
+      <p:sp>
+        <p:nvSpPr>
+          <p:cNvPr id="3" name="Content Placeholder 2"/>
+          <p:cNvSpPr>
+            <a:spLocks noGrp="1"/>
+          </p:cNvSpPr>
+          <p:nvPr>
+            <p:ph idx="1"/>
+          </p:nvPr>
+        </p:nvSpPr>
+        <p:spPr/>
+        <p:txBody>
+          <a:bodyPr wrap="square">
+            <a:normAutofit/>
+          </a:bodyPr>
+          <a:lstStyle/>
+          <a:p>
+            <a:r>
+              <a:t>Zinedine Zidane is widely regarded as one of the greatest players in French football history, known for his exceptional skill, vision, and leadership on the pitch.</a:t>
+            </a:r>
+          </a:p>
+          <a:p>
+            <a:r>
+              <a:t>Michel Platini was a key player in France's 1984 European Championship victory and is remembered for his exceptional goal-scoring ability and vision.</a:t>
+            </a:r>
+          </a:p>
+          <a:p>
+            <a:r>
+              <a:t>Didier Deschamps is one of the most successful French players of all time, leading the team to World Cup victory in 1998 and becoming the first player to captain the team to both World Cup and European Championship titles.</a:t>
             </a:r>
           </a:p>
         </p:txBody>
@@ -4791,7 +6608,7 @@
 </file>
 
 <file path=ppt/slides/slide8.xml><?xml version="1.0" encoding="utf-8"?>
-<p:sld xmlns:a="http://schemas.openxmlformats.org/drawingml/2006/main" xmlns:p="http://schemas.openxmlformats.org/presentationml/2006/main" xmlns:r="http://schemas.openxmlformats.org/officeDocument/2006/relationships">
+<p:sld xmlns:a="http://schemas.openxmlformats.org/drawingml/2006/main" xmlns:r="http://schemas.openxmlformats.org/officeDocument/2006/relationships" xmlns:p="http://schemas.openxmlformats.org/presentationml/2006/main">
   <p:cSld>
     <p:spTree>
       <p:nvGrpSpPr>
@@ -4799,7 +6616,14 @@
         <p:cNvGrpSpPr/>
         <p:nvPr/>
       </p:nvGrpSpPr>
-      <p:grpSpPr/>
+      <p:grpSpPr>
+        <a:xfrm>
+          <a:off x="0" y="0"/>
+          <a:ext cx="0" cy="0"/>
+          <a:chOff x="0" y="0"/>
+          <a:chExt cx="0" cy="0"/>
+        </a:xfrm>
+      </p:grpSpPr>
       <p:sp>
         <p:nvSpPr>
           <p:cNvPr id="2" name="Title 1"/>
@@ -4816,7 +6640,7 @@
           <a:lstStyle/>
           <a:p>
             <a:r>
-              <a:t>French Football and Culture</a:t>
+              <a:t>Coaching Legacy</a:t>
             </a:r>
           </a:p>
         </p:txBody>
@@ -4838,21 +6662,18 @@
           </a:bodyPr>
           <a:lstStyle/>
           <a:p>
-            <a:pPr/>
-            <a:r>
-              <a:t>Football has a profound impact on French culture, with matches often serving as a catalyst for national pride and identity.</a:t>
-            </a:r>
-          </a:p>
-          <a:p>
-            <a:pPr/>
-            <a:r>
-              <a:t>The sport has also played a significant role in shaping French society, with football clubs often serving as community hubs and sources of local pride.</a:t>
-            </a:r>
-          </a:p>
-          <a:p>
-            <a:pPr/>
-            <a:r>
-              <a:t>The iconic Stade de France, built for the 1998 World Cup, has become a symbol of French football and a testament to the country's passion for the sport.</a:t>
+            <a:r>
+              <a:t>Aimé Jacquet is credited with leading France to World Cup victory in 1998, introducing the "Tiki-Taka" style of play and creating a team that was both dominant and entertaining.</a:t>
+            </a:r>
+          </a:p>
+          <a:p>
+            <a:r>
+              <a:t>Raymond Domenech's tenure as coach of the French national team was marked by controversy and disappointment, culminating in the team's disappointing exit from the 2010 World Cup.</a:t>
+            </a:r>
+          </a:p>
+          <a:p>
+            <a:r>
+              <a:t>Didier Deschamps' second stint as coach of the French national team has been marked by success, as the team won the 2018 World Cup and established a strong foundation for future success.</a:t>
             </a:r>
           </a:p>
         </p:txBody>
@@ -4866,7 +6687,7 @@
 </file>
 
 <file path=ppt/slides/slide9.xml><?xml version="1.0" encoding="utf-8"?>
-<p:sld xmlns:a="http://schemas.openxmlformats.org/drawingml/2006/main" xmlns:p="http://schemas.openxmlformats.org/presentationml/2006/main" xmlns:r="http://schemas.openxmlformats.org/officeDocument/2006/relationships">
+<p:sld xmlns:a="http://schemas.openxmlformats.org/drawingml/2006/main" xmlns:r="http://schemas.openxmlformats.org/officeDocument/2006/relationships" xmlns:p="http://schemas.openxmlformats.org/presentationml/2006/main">
   <p:cSld>
     <p:spTree>
       <p:nvGrpSpPr>
@@ -4874,7 +6695,14 @@
         <p:cNvGrpSpPr/>
         <p:nvPr/>
       </p:nvGrpSpPr>
-      <p:grpSpPr/>
+      <p:grpSpPr>
+        <a:xfrm>
+          <a:off x="0" y="0"/>
+          <a:ext cx="0" cy="0"/>
+          <a:chOff x="0" y="0"/>
+          <a:chExt cx="0" cy="0"/>
+        </a:xfrm>
+      </p:grpSpPr>
       <p:sp>
         <p:nvSpPr>
           <p:cNvPr id="2" name="TextBox 1"/>
@@ -4901,21 +6729,45 @@
               <a:defRPr sz="3200" b="1"/>
             </a:pPr>
             <a:r>
-              <a:t>International Competitions and French Success</a:t>
-            </a:r>
-          </a:p>
-        </p:txBody>
-      </p:sp>
-      <p:sp>
-        <p:nvSpPr>
-          <p:cNvPr id="3" name="TextBox 2"/>
-          <p:cNvSpPr txBox="1"/>
+              <a:t>Challenges and Controversies</a:t>
+            </a:r>
+          </a:p>
+        </p:txBody>
+      </p:sp>
+      <p:pic>
+        <p:nvPicPr>
+          <p:cNvPr id="3" name="Picture 2" descr="Challenges and Controversies_RQOcKkWRKlI.jpg"/>
+          <p:cNvPicPr>
+            <a:picLocks noChangeAspect="1"/>
+          </p:cNvPicPr>
           <p:nvPr/>
-        </p:nvSpPr>
+        </p:nvPicPr>
+        <p:blipFill>
+          <a:blip r:embed="rId2"/>
+          <a:stretch>
+            <a:fillRect/>
+          </a:stretch>
+        </p:blipFill>
         <p:spPr>
           <a:xfrm>
             <a:off x="457200" y="1371600"/>
-            <a:ext cx="4114800" cy="457200"/>
+            <a:ext cx="4114800" cy="5029200"/>
+          </a:xfrm>
+          <a:prstGeom prst="rect">
+            <a:avLst/>
+          </a:prstGeom>
+        </p:spPr>
+      </p:pic>
+      <p:sp>
+        <p:nvSpPr>
+          <p:cNvPr id="4" name="TextBox 3"/>
+          <p:cNvSpPr txBox="1"/>
+          <p:nvPr/>
+        </p:nvSpPr>
+        <p:spPr>
+          <a:xfrm>
+            <a:off x="5029200" y="1371600"/>
+            <a:ext cx="4114800" cy="5029200"/>
           </a:xfrm>
           <a:prstGeom prst="rect">
             <a:avLst/>
@@ -4923,111 +6775,6 @@
           <a:noFill/>
         </p:spPr>
         <p:txBody>
-          <a:bodyPr wrap="none">
-            <a:spAutoFit/>
-          </a:bodyPr>
-          <a:lstStyle/>
-          <a:p>
-            <a:pPr algn="ctr">
-              <a:defRPr sz="1800" b="1"/>
-            </a:pPr>
-            <a:r>
-              <a:t>Before / Option A</a:t>
-            </a:r>
-          </a:p>
-        </p:txBody>
-      </p:sp>
-      <p:sp>
-        <p:nvSpPr>
-          <p:cNvPr id="4" name="TextBox 3"/>
-          <p:cNvSpPr txBox="1"/>
-          <p:nvPr/>
-        </p:nvSpPr>
-        <p:spPr>
-          <a:xfrm>
-            <a:off x="5029200" y="1371600"/>
-            <a:ext cx="4114800" cy="457200"/>
-          </a:xfrm>
-          <a:prstGeom prst="rect">
-            <a:avLst/>
-          </a:prstGeom>
-          <a:noFill/>
-        </p:spPr>
-        <p:txBody>
-          <a:bodyPr wrap="none">
-            <a:spAutoFit/>
-          </a:bodyPr>
-          <a:lstStyle/>
-          <a:p>
-            <a:pPr algn="ctr">
-              <a:defRPr sz="1800" b="1"/>
-            </a:pPr>
-            <a:r>
-              <a:t>After / Option B</a:t>
-            </a:r>
-          </a:p>
-        </p:txBody>
-      </p:sp>
-      <p:sp>
-        <p:nvSpPr>
-          <p:cNvPr id="5" name="Rectangle 4"/>
-          <p:cNvSpPr/>
-          <p:nvPr/>
-        </p:nvSpPr>
-        <p:spPr>
-          <a:xfrm>
-            <a:off x="4572000" y="1371600"/>
-            <a:ext cx="0" cy="5029200"/>
-          </a:xfrm>
-          <a:prstGeom prst="rect">
-            <a:avLst/>
-          </a:prstGeom>
-          <a:solidFill>
-            <a:srgbClr val="000000"/>
-          </a:solidFill>
-          <a:ln>
-            <a:noFill/>
-          </a:ln>
-        </p:spPr>
-        <p:style>
-          <a:lnRef idx="1">
-            <a:schemeClr val="accent1"/>
-          </a:lnRef>
-          <a:fillRef idx="3">
-            <a:schemeClr val="accent1"/>
-          </a:fillRef>
-          <a:effectRef idx="2">
-            <a:schemeClr val="accent1"/>
-          </a:effectRef>
-          <a:fontRef idx="minor">
-            <a:schemeClr val="lt1"/>
-          </a:fontRef>
-        </p:style>
-        <p:txBody>
-          <a:bodyPr rtlCol="0" anchor="ctr"/>
-          <a:lstStyle/>
-          <a:p>
-            <a:pPr algn="ctr"/>
-          </a:p>
-        </p:txBody>
-      </p:sp>
-      <p:sp>
-        <p:nvSpPr>
-          <p:cNvPr id="6" name="TextBox 5"/>
-          <p:cNvSpPr txBox="1"/>
-          <p:nvPr/>
-        </p:nvSpPr>
-        <p:spPr>
-          <a:xfrm>
-            <a:off x="457200" y="1828800"/>
-            <a:ext cx="4114800" cy="4572000"/>
-          </a:xfrm>
-          <a:prstGeom prst="rect">
-            <a:avLst/>
-          </a:prstGeom>
-          <a:noFill/>
-        </p:spPr>
-        <p:txBody>
           <a:bodyPr wrap="square">
             <a:spAutoFit/>
           </a:bodyPr>
@@ -5037,7 +6784,7 @@
               <a:defRPr sz="1400"/>
             </a:pPr>
             <a:r>
-              <a:t>France has enjoyed significant success in international competitions, including five World Cup titles and two European Championship victories.</a:t>
+              <a:t>Racism and sectarianism have been ongoing issues in French football, with several high-profile incidents and controversies surrounding the national team and its players.</a:t>
             </a:r>
           </a:p>
           <a:p>
@@ -5045,38 +6792,15 @@
               <a:defRPr sz="1400"/>
             </a:pPr>
             <a:r>
-              <a:t>French clubs have also enjoyed success in European competitions, including multiple Champions League titles and European Cup Winners' Cup victories.</a:t>
-            </a:r>
-          </a:p>
-        </p:txBody>
-      </p:sp>
-      <p:sp>
-        <p:nvSpPr>
-          <p:cNvPr id="7" name="TextBox 6"/>
-          <p:cNvSpPr txBox="1"/>
-          <p:nvPr/>
-        </p:nvSpPr>
-        <p:spPr>
-          <a:xfrm>
-            <a:off x="5029200" y="1828800"/>
-            <a:ext cx="4114800" cy="4572000"/>
-          </a:xfrm>
-          <a:prstGeom prst="rect">
-            <a:avLst/>
-          </a:prstGeom>
-          <a:noFill/>
-        </p:spPr>
-        <p:txBody>
-          <a:bodyPr wrap="square">
-            <a:spAutoFit/>
-          </a:bodyPr>
-          <a:lstStyle/>
+              <a:t>Corruption and match-fixing have also been concerns in French football, with several high-profile cases and scandals affecting the sport.</a:t>
+            </a:r>
+          </a:p>
           <a:p>
             <a:pPr>
               <a:defRPr sz="1400"/>
             </a:pPr>
             <a:r>
-              <a:t>The country's national team has also had notable success in the UEFA Nations League, finishing as runners-up in the inaugural tournament.</a:t>
+              <a:t>The 2020 Euro qualification campaign was marked by controversy and disappointment, as France failed to qualify for the tournament, marking a low point in the nation's football history.</a:t>
             </a:r>
           </a:p>
         </p:txBody>
@@ -5090,9 +6814,9 @@
 </file>
 
 <file path=ppt/theme/theme1.xml><?xml version="1.0" encoding="utf-8"?>
-<a:theme xmlns:a="http://schemas.openxmlformats.org/drawingml/2006/main" name="Wood Type">
+<a:theme xmlns:a="http://schemas.openxmlformats.org/drawingml/2006/main" name="Facet">
   <a:themeElements>
-    <a:clrScheme name="Wood Type">
+    <a:clrScheme name="Facet">
       <a:dk1>
         <a:sysClr val="windowText" lastClr="000000"/>
       </a:dk1>
@@ -5100,54 +6824,87 @@
         <a:sysClr val="window" lastClr="FFFFFF"/>
       </a:lt1>
       <a:dk2>
-        <a:srgbClr val="696464"/>
+        <a:srgbClr val="2C3C43"/>
       </a:dk2>
       <a:lt2>
-        <a:srgbClr val="E9E5DC"/>
+        <a:srgbClr val="EBEBEB"/>
       </a:lt2>
       <a:accent1>
-        <a:srgbClr val="D34817"/>
+        <a:srgbClr val="90C226"/>
       </a:accent1>
       <a:accent2>
-        <a:srgbClr val="9B2D1F"/>
+        <a:srgbClr val="54A021"/>
       </a:accent2>
       <a:accent3>
-        <a:srgbClr val="A28E6A"/>
+        <a:srgbClr val="E6B91E"/>
       </a:accent3>
       <a:accent4>
-        <a:srgbClr val="956251"/>
+        <a:srgbClr val="E76618"/>
       </a:accent4>
       <a:accent5>
-        <a:srgbClr val="918485"/>
+        <a:srgbClr val="C42F1A"/>
       </a:accent5>
       <a:accent6>
-        <a:srgbClr val="855D5D"/>
+        <a:srgbClr val="918655"/>
       </a:accent6>
       <a:hlink>
-        <a:srgbClr val="CC9900"/>
+        <a:srgbClr val="99CA3C"/>
       </a:hlink>
       <a:folHlink>
-        <a:srgbClr val="96A9A9"/>
+        <a:srgbClr val="B9D181"/>
       </a:folHlink>
     </a:clrScheme>
-    <a:fontScheme name="Wood Type">
+    <a:fontScheme name="Facet">
       <a:majorFont>
-        <a:latin typeface="Rockwell Condensed" panose="02060603050405020104"/>
+        <a:latin typeface="Trebuchet MS" panose="020B0603020202020204"/>
         <a:ea typeface=""/>
         <a:cs typeface=""/>
-        <a:font script="Grek" typeface="Cambria"/>
-        <a:font script="Cyrl" typeface="Cambria"/>
-        <a:font script="Jpan" typeface="HG明朝B"/>
-        <a:font script="Hang" typeface="바탕"/>
+        <a:font script="Jpan" typeface="メイリオ"/>
+        <a:font script="Hang" typeface="맑은 고딕"/>
         <a:font script="Hans" typeface="方正姚体"/>
         <a:font script="Hant" typeface="微軟正黑體"/>
-        <a:font script="Arab" typeface="Times New Roman"/>
-        <a:font script="Hebr" typeface="David"/>
-        <a:font script="Thai" typeface="JasmineUPC"/>
+        <a:font script="Arab" typeface="Tahoma"/>
+        <a:font script="Hebr" typeface="Arial"/>
+        <a:font script="Thai" typeface="Cordia New"/>
         <a:font script="Ethi" typeface="Nyala"/>
         <a:font script="Beng" typeface="Vrinda"/>
         <a:font script="Gujr" typeface="Shruti"/>
-        <a:font script="Khmr" typeface="MoolBoran"/>
+        <a:font script="Khmr" typeface="DaunPenh"/>
+        <a:font script="Knda" typeface="Tunga"/>
+        <a:font script="Guru" typeface="Raavi"/>
+        <a:font script="Cans" typeface="Euphemia"/>
+        <a:font script="Cher" typeface="Plantagenet Cherokee"/>
+        <a:font script="Yiii" typeface="Microsoft Yi Baiti"/>
+        <a:font script="Tibt" typeface="Microsoft Himalaya"/>
+        <a:font script="Thaa" typeface="MV Boli"/>
+        <a:font script="Deva" typeface="Mangal"/>
+        <a:font script="Telu" typeface="Gautami"/>
+        <a:font script="Taml" typeface="Latha"/>
+        <a:font script="Syrc" typeface="Estrangelo Edessa"/>
+        <a:font script="Orya" typeface="Kalinga"/>
+        <a:font script="Mlym" typeface="Kartika"/>
+        <a:font script="Laoo" typeface="DokChampa"/>
+        <a:font script="Sinh" typeface="Iskoola Pota"/>
+        <a:font script="Mong" typeface="Mongolian Baiti"/>
+        <a:font script="Viet" typeface="Tahoma"/>
+        <a:font script="Uigh" typeface="Microsoft Uighur"/>
+        <a:font script="Geor" typeface="Sylfaen"/>
+      </a:majorFont>
+      <a:minorFont>
+        <a:latin typeface="Trebuchet MS" panose="020B0603020202020204"/>
+        <a:ea typeface=""/>
+        <a:cs typeface=""/>
+        <a:font script="Jpan" typeface="メイリオ"/>
+        <a:font script="Hang" typeface="HY그래픽M"/>
+        <a:font script="Hans" typeface="华文新魏"/>
+        <a:font script="Hant" typeface="微軟正黑體"/>
+        <a:font script="Arab" typeface="Tahoma"/>
+        <a:font script="Hebr" typeface="Gisha"/>
+        <a:font script="Thai" typeface="IrisUPC"/>
+        <a:font script="Ethi" typeface="Nyala"/>
+        <a:font script="Beng" typeface="Vrinda"/>
+        <a:font script="Gujr" typeface="Shruti"/>
+        <a:font script="Khmr" typeface="DaunPenh"/>
         <a:font script="Knda" typeface="Tunga"/>
         <a:font script="Guru" typeface="Raavi"/>
         <a:font script="Cans" typeface="Euphemia"/>
@@ -5166,93 +6923,62 @@
         <a:font script="Mong" typeface="Mongolian Baiti"/>
         <a:font script="Viet" typeface="Arial"/>
         <a:font script="Uigh" typeface="Microsoft Uighur"/>
-      </a:majorFont>
-      <a:minorFont>
-        <a:latin typeface="Rockwell" panose="02060603020205020403"/>
-        <a:ea typeface=""/>
-        <a:cs typeface=""/>
-        <a:font script="Grek" typeface="Cambria"/>
-        <a:font script="Cyrl" typeface="Cambria"/>
-        <a:font script="Jpan" typeface="HG明朝B"/>
-        <a:font script="Hang" typeface="바탕"/>
-        <a:font script="Hans" typeface="方正姚体"/>
-        <a:font script="Hant" typeface="標楷體"/>
-        <a:font script="Arab" typeface="Times New Roman"/>
-        <a:font script="Hebr" typeface="David"/>
-        <a:font script="Thai" typeface="JasmineUPC"/>
-        <a:font script="Ethi" typeface="Nyala"/>
-        <a:font script="Beng" typeface="Vrinda"/>
-        <a:font script="Gujr" typeface="Shruti"/>
-        <a:font script="Khmr" typeface="MoolBoran"/>
-        <a:font script="Knda" typeface="Tunga"/>
-        <a:font script="Guru" typeface="Raavi"/>
-        <a:font script="Cans" typeface="Euphemia"/>
-        <a:font script="Cher" typeface="Plantagenet Cherokee"/>
-        <a:font script="Yiii" typeface="Microsoft Yi Baiti"/>
-        <a:font script="Tibt" typeface="Microsoft Himalaya"/>
-        <a:font script="Thaa" typeface="MV Boli"/>
-        <a:font script="Deva" typeface="Mangal"/>
-        <a:font script="Telu" typeface="Gautami"/>
-        <a:font script="Taml" typeface="Latha"/>
-        <a:font script="Syrc" typeface="Estrangelo Edessa"/>
-        <a:font script="Orya" typeface="Kalinga"/>
-        <a:font script="Mlym" typeface="Kartika"/>
-        <a:font script="Laoo" typeface="DokChampa"/>
-        <a:font script="Sinh" typeface="Iskoola Pota"/>
-        <a:font script="Mong" typeface="Mongolian Baiti"/>
-        <a:font script="Viet" typeface="Times New Roman"/>
-        <a:font script="Uigh" typeface="Microsoft Uighur"/>
+        <a:font script="Geor" typeface="Sylfaen"/>
       </a:minorFont>
     </a:fontScheme>
-    <a:fmtScheme name="Wood Type">
+    <a:fmtScheme name="Facet">
       <a:fillStyleLst>
         <a:solidFill>
           <a:schemeClr val="phClr"/>
         </a:solidFill>
-        <a:blipFill rotWithShape="1">
-          <a:blip xmlns:r="http://schemas.openxmlformats.org/officeDocument/2006/relationships" r:embed="rId1">
-            <a:duotone>
+        <a:gradFill rotWithShape="1">
+          <a:gsLst>
+            <a:gs pos="0">
               <a:schemeClr val="phClr">
-                <a:tint val="70000"/>
-                <a:shade val="63000"/>
+                <a:tint val="65000"/>
+                <a:lumMod val="110000"/>
               </a:schemeClr>
+            </a:gs>
+            <a:gs pos="88000">
               <a:schemeClr val="phClr">
-                <a:tint val="10000"/>
-                <a:satMod val="150000"/>
+                <a:tint val="90000"/>
               </a:schemeClr>
-            </a:duotone>
-          </a:blip>
-          <a:tile tx="0" ty="0" sx="60000" sy="59000" flip="none" algn="tl"/>
-        </a:blipFill>
-        <a:blipFill rotWithShape="1">
-          <a:blip xmlns:r="http://schemas.openxmlformats.org/officeDocument/2006/relationships" r:embed="rId1">
-            <a:duotone>
+            </a:gs>
+          </a:gsLst>
+          <a:lin ang="5400000" scaled="0"/>
+        </a:gradFill>
+        <a:gradFill rotWithShape="1">
+          <a:gsLst>
+            <a:gs pos="0">
               <a:schemeClr val="phClr">
-                <a:shade val="36000"/>
-                <a:satMod val="120000"/>
+                <a:tint val="96000"/>
+                <a:lumMod val="100000"/>
               </a:schemeClr>
+            </a:gs>
+            <a:gs pos="78000">
               <a:schemeClr val="phClr">
-                <a:tint val="40000"/>
+                <a:shade val="94000"/>
+                <a:lumMod val="94000"/>
               </a:schemeClr>
-            </a:duotone>
-          </a:blip>
-          <a:tile tx="0" ty="0" sx="60000" sy="59000" flip="none" algn="tl"/>
-        </a:blipFill>
+            </a:gs>
+          </a:gsLst>
+          <a:lin ang="5400000" scaled="0"/>
+        </a:gradFill>
       </a:fillStyleLst>
       <a:lnStyleLst>
-        <a:ln w="6350" cap="flat" cmpd="sng" algn="ctr">
+        <a:ln w="12700" cap="rnd" cmpd="sng" algn="ctr">
           <a:solidFill>
             <a:schemeClr val="phClr"/>
           </a:solidFill>
           <a:prstDash val="solid"/>
         </a:ln>
-        <a:ln w="12700" cap="flat" cmpd="sng" algn="ctr">
+        <a:ln w="19050" cap="rnd" cmpd="sng" algn="ctr">
           <a:solidFill>
             <a:schemeClr val="phClr"/>
           </a:solidFill>
           <a:prstDash val="solid"/>
         </a:ln>
-        <a:ln w="19050" cap="flat" cmpd="sng" algn="ctr">
+        <a:ln w="25400" cap="rnd" cmpd="sng" algn="ctr">
           <a:solidFill>
             <a:schemeClr val="phClr"/>
           </a:solidFill>
@@ -5265,46 +6991,72 @@
         </a:effectStyle>
         <a:effectStyle>
           <a:effectLst>
-            <a:softEdge rad="12700"/>
+            <a:outerShdw blurRad="38100" dist="25400" dir="5400000" rotWithShape="0">
+              <a:srgbClr val="000000">
+                <a:alpha val="35000"/>
+              </a:srgbClr>
+            </a:outerShdw>
           </a:effectLst>
         </a:effectStyle>
         <a:effectStyle>
           <a:effectLst>
-            <a:outerShdw blurRad="50800" dist="19050" dir="5400000" algn="tl" rotWithShape="0">
+            <a:outerShdw blurRad="50800" dist="38100" dir="5400000" rotWithShape="0">
               <a:srgbClr val="000000">
-                <a:alpha val="60000"/>
+                <a:alpha val="35000"/>
               </a:srgbClr>
             </a:outerShdw>
-            <a:softEdge rad="12700"/>
           </a:effectLst>
+          <a:scene3d>
+            <a:camera prst="orthographicFront">
+              <a:rot lat="0" lon="0" rev="0"/>
+            </a:camera>
+            <a:lightRig rig="threePt" dir="tl"/>
+          </a:scene3d>
+          <a:sp3d prstMaterial="plastic">
+            <a:bevelT w="0" h="0"/>
+          </a:sp3d>
         </a:effectStyle>
       </a:effectStyleLst>
       <a:bgFillStyleLst>
         <a:solidFill>
           <a:schemeClr val="phClr"/>
         </a:solidFill>
-        <a:solidFill>
-          <a:schemeClr val="phClr">
-            <a:shade val="97000"/>
-            <a:satMod val="150000"/>
-          </a:schemeClr>
-        </a:solidFill>
-        <a:blipFill rotWithShape="1">
-          <a:blip xmlns:r="http://schemas.openxmlformats.org/officeDocument/2006/relationships" r:embed="rId1">
-            <a:duotone>
+        <a:gradFill rotWithShape="1">
+          <a:gsLst>
+            <a:gs pos="0">
               <a:schemeClr val="phClr">
-                <a:tint val="75000"/>
-                <a:shade val="58000"/>
-                <a:satMod val="120000"/>
+                <a:tint val="90000"/>
+                <a:lumMod val="104000"/>
               </a:schemeClr>
+            </a:gs>
+            <a:gs pos="94000">
               <a:schemeClr val="phClr">
-                <a:tint val="50000"/>
                 <a:shade val="96000"/>
+                <a:lumMod val="82000"/>
               </a:schemeClr>
-            </a:duotone>
-          </a:blip>
-          <a:tile tx="0" ty="0" sx="100000" sy="100000" flip="none" algn="tl"/>
-        </a:blipFill>
+            </a:gs>
+          </a:gsLst>
+          <a:lin ang="5400000" scaled="0"/>
+        </a:gradFill>
+        <a:gradFill rotWithShape="1">
+          <a:gsLst>
+            <a:gs pos="0">
+              <a:schemeClr val="phClr">
+                <a:tint val="90000"/>
+                <a:lumMod val="110000"/>
+              </a:schemeClr>
+            </a:gs>
+            <a:gs pos="100000">
+              <a:schemeClr val="phClr">
+                <a:shade val="94000"/>
+                <a:lumMod val="96000"/>
+              </a:schemeClr>
+            </a:gs>
+          </a:gsLst>
+          <a:path path="circle">
+            <a:fillToRect l="50000" t="50000" r="100000" b="100000"/>
+          </a:path>
+        </a:gradFill>
       </a:bgFillStyleLst>
     </a:fmtScheme>
   </a:themeElements>
@@ -5312,7 +7064,7 @@
   <a:extraClrSchemeLst/>
   <a:extLst>
     <a:ext uri="{05A4C25C-085E-4340-85A3-A5531E510DB2}">
-      <thm15:themeFamily xmlns:thm15="http://schemas.microsoft.com/office/thememl/2012/main" name="Wood Type" id="{7ACABC62-BF99-48CF-A9DC-4DB89C7B13DC}" vid="{142A1326-48AB-42A9-8428-CB14AA30176D}"/>
+      <thm15:themeFamily xmlns:thm15="http://schemas.microsoft.com/office/thememl/2012/main" name="Facet" id="{C0C680CD-088A-49FC-A102-D699147F32B2}" vid="{8C59B386-999D-4CB6-B907-9F3997C027CC}"/>
     </a:ext>
   </a:extLst>
 </a:theme>
